--- a/2019-02-19/1_intro/intro.pptx
+++ b/2019-02-19/1_intro/intro.pptx
@@ -59,7 +59,7 @@
       </p:grpSpPr>
       <p:sp>
         <p:nvSpPr>
-          <p:cNvPr id="26" name="PlaceHolder 1"/>
+          <p:cNvPr id="23" name="PlaceHolder 1"/>
           <p:cNvSpPr>
             <a:spLocks noGrp="1"/>
           </p:cNvSpPr>
@@ -69,8 +69,8 @@
         </p:nvSpPr>
         <p:spPr>
           <a:xfrm>
-            <a:off x="838080" y="365040"/>
-            <a:ext cx="10515240" cy="1325160"/>
+            <a:off x="609480" y="273600"/>
+            <a:ext cx="10972440" cy="1144800"/>
           </a:xfrm>
           <a:prstGeom prst="rect">
             <a:avLst/>
@@ -81,18 +81,16 @@
             <a:spAutoFit/>
           </a:bodyPr>
           <a:p>
-            <a:endParaRPr b="0" lang="en-US" sz="1800" spc="-1" strike="noStrike">
-              <a:solidFill>
-                <a:srgbClr val="000000"/>
-              </a:solidFill>
-              <a:latin typeface="Calibri"/>
-            </a:endParaRPr>
-          </a:p>
-        </p:txBody>
-      </p:sp>
-      <p:sp>
-        <p:nvSpPr>
-          <p:cNvPr id="27" name="PlaceHolder 2"/>
+            <a:pPr algn="ctr"/>
+            <a:endParaRPr b="0" lang="en-US" sz="4400" spc="-1" strike="noStrike">
+              <a:latin typeface="Arial"/>
+            </a:endParaRPr>
+          </a:p>
+        </p:txBody>
+      </p:sp>
+      <p:sp>
+        <p:nvSpPr>
+          <p:cNvPr id="24" name="PlaceHolder 2"/>
           <p:cNvSpPr>
             <a:spLocks noGrp="1"/>
           </p:cNvSpPr>
@@ -102,8 +100,8 @@
         </p:nvSpPr>
         <p:spPr>
           <a:xfrm>
-            <a:off x="838080" y="1825560"/>
-            <a:ext cx="10515240" cy="2075040"/>
+            <a:off x="609480" y="1604520"/>
+            <a:ext cx="10972440" cy="1896840"/>
           </a:xfrm>
           <a:prstGeom prst="rect">
             <a:avLst/>
@@ -114,18 +112,15 @@
             <a:normAutofit/>
           </a:bodyPr>
           <a:p>
-            <a:endParaRPr b="0" lang="en-US" sz="2800" spc="-1" strike="noStrike">
-              <a:solidFill>
-                <a:srgbClr val="000000"/>
-              </a:solidFill>
-              <a:latin typeface="Calibri"/>
-            </a:endParaRPr>
-          </a:p>
-        </p:txBody>
-      </p:sp>
-      <p:sp>
-        <p:nvSpPr>
-          <p:cNvPr id="28" name="PlaceHolder 3"/>
+            <a:endParaRPr b="0" lang="en-US" sz="3200" spc="-1" strike="noStrike">
+              <a:latin typeface="Arial"/>
+            </a:endParaRPr>
+          </a:p>
+        </p:txBody>
+      </p:sp>
+      <p:sp>
+        <p:nvSpPr>
+          <p:cNvPr id="25" name="PlaceHolder 3"/>
           <p:cNvSpPr>
             <a:spLocks noGrp="1"/>
           </p:cNvSpPr>
@@ -135,8 +130,8 @@
         </p:nvSpPr>
         <p:spPr>
           <a:xfrm>
-            <a:off x="838080" y="4098240"/>
-            <a:ext cx="10515240" cy="2075040"/>
+            <a:off x="609480" y="3682080"/>
+            <a:ext cx="10972440" cy="1896840"/>
           </a:xfrm>
           <a:prstGeom prst="rect">
             <a:avLst/>
@@ -147,11 +142,8 @@
             <a:normAutofit/>
           </a:bodyPr>
           <a:p>
-            <a:endParaRPr b="0" lang="en-US" sz="2800" spc="-1" strike="noStrike">
-              <a:solidFill>
-                <a:srgbClr val="000000"/>
-              </a:solidFill>
-              <a:latin typeface="Calibri"/>
+            <a:endParaRPr b="0" lang="en-US" sz="3200" spc="-1" strike="noStrike">
+              <a:latin typeface="Arial"/>
             </a:endParaRPr>
           </a:p>
         </p:txBody>
@@ -180,7 +172,7 @@
       </p:grpSpPr>
       <p:sp>
         <p:nvSpPr>
-          <p:cNvPr id="29" name="PlaceHolder 1"/>
+          <p:cNvPr id="26" name="PlaceHolder 1"/>
           <p:cNvSpPr>
             <a:spLocks noGrp="1"/>
           </p:cNvSpPr>
@@ -190,8 +182,8 @@
         </p:nvSpPr>
         <p:spPr>
           <a:xfrm>
-            <a:off x="838080" y="365040"/>
-            <a:ext cx="10515240" cy="1325160"/>
+            <a:off x="609480" y="273600"/>
+            <a:ext cx="10972440" cy="1144800"/>
           </a:xfrm>
           <a:prstGeom prst="rect">
             <a:avLst/>
@@ -202,18 +194,16 @@
             <a:spAutoFit/>
           </a:bodyPr>
           <a:p>
-            <a:endParaRPr b="0" lang="en-US" sz="1800" spc="-1" strike="noStrike">
-              <a:solidFill>
-                <a:srgbClr val="000000"/>
-              </a:solidFill>
-              <a:latin typeface="Calibri"/>
-            </a:endParaRPr>
-          </a:p>
-        </p:txBody>
-      </p:sp>
-      <p:sp>
-        <p:nvSpPr>
-          <p:cNvPr id="30" name="PlaceHolder 2"/>
+            <a:pPr algn="ctr"/>
+            <a:endParaRPr b="0" lang="en-US" sz="4400" spc="-1" strike="noStrike">
+              <a:latin typeface="Arial"/>
+            </a:endParaRPr>
+          </a:p>
+        </p:txBody>
+      </p:sp>
+      <p:sp>
+        <p:nvSpPr>
+          <p:cNvPr id="27" name="PlaceHolder 2"/>
           <p:cNvSpPr>
             <a:spLocks noGrp="1"/>
           </p:cNvSpPr>
@@ -223,8 +213,8 @@
         </p:nvSpPr>
         <p:spPr>
           <a:xfrm>
-            <a:off x="838080" y="1825560"/>
-            <a:ext cx="5131080" cy="2075040"/>
+            <a:off x="609480" y="1604520"/>
+            <a:ext cx="5354280" cy="1896840"/>
           </a:xfrm>
           <a:prstGeom prst="rect">
             <a:avLst/>
@@ -235,18 +225,15 @@
             <a:normAutofit/>
           </a:bodyPr>
           <a:p>
-            <a:endParaRPr b="0" lang="en-US" sz="2800" spc="-1" strike="noStrike">
-              <a:solidFill>
-                <a:srgbClr val="000000"/>
-              </a:solidFill>
-              <a:latin typeface="Calibri"/>
-            </a:endParaRPr>
-          </a:p>
-        </p:txBody>
-      </p:sp>
-      <p:sp>
-        <p:nvSpPr>
-          <p:cNvPr id="31" name="PlaceHolder 3"/>
+            <a:endParaRPr b="0" lang="en-US" sz="3200" spc="-1" strike="noStrike">
+              <a:latin typeface="Arial"/>
+            </a:endParaRPr>
+          </a:p>
+        </p:txBody>
+      </p:sp>
+      <p:sp>
+        <p:nvSpPr>
+          <p:cNvPr id="28" name="PlaceHolder 3"/>
           <p:cNvSpPr>
             <a:spLocks noGrp="1"/>
           </p:cNvSpPr>
@@ -256,8 +243,8 @@
         </p:nvSpPr>
         <p:spPr>
           <a:xfrm>
-            <a:off x="6226200" y="1825560"/>
-            <a:ext cx="5131080" cy="2075040"/>
+            <a:off x="6231960" y="1604520"/>
+            <a:ext cx="5354280" cy="1896840"/>
           </a:xfrm>
           <a:prstGeom prst="rect">
             <a:avLst/>
@@ -268,18 +255,15 @@
             <a:normAutofit/>
           </a:bodyPr>
           <a:p>
-            <a:endParaRPr b="0" lang="en-US" sz="2800" spc="-1" strike="noStrike">
-              <a:solidFill>
-                <a:srgbClr val="000000"/>
-              </a:solidFill>
-              <a:latin typeface="Calibri"/>
-            </a:endParaRPr>
-          </a:p>
-        </p:txBody>
-      </p:sp>
-      <p:sp>
-        <p:nvSpPr>
-          <p:cNvPr id="32" name="PlaceHolder 4"/>
+            <a:endParaRPr b="0" lang="en-US" sz="3200" spc="-1" strike="noStrike">
+              <a:latin typeface="Arial"/>
+            </a:endParaRPr>
+          </a:p>
+        </p:txBody>
+      </p:sp>
+      <p:sp>
+        <p:nvSpPr>
+          <p:cNvPr id="29" name="PlaceHolder 4"/>
           <p:cNvSpPr>
             <a:spLocks noGrp="1"/>
           </p:cNvSpPr>
@@ -289,8 +273,8 @@
         </p:nvSpPr>
         <p:spPr>
           <a:xfrm>
-            <a:off x="838080" y="4098240"/>
-            <a:ext cx="5131080" cy="2075040"/>
+            <a:off x="609480" y="3682080"/>
+            <a:ext cx="5354280" cy="1896840"/>
           </a:xfrm>
           <a:prstGeom prst="rect">
             <a:avLst/>
@@ -301,18 +285,15 @@
             <a:normAutofit/>
           </a:bodyPr>
           <a:p>
-            <a:endParaRPr b="0" lang="en-US" sz="2800" spc="-1" strike="noStrike">
-              <a:solidFill>
-                <a:srgbClr val="000000"/>
-              </a:solidFill>
-              <a:latin typeface="Calibri"/>
-            </a:endParaRPr>
-          </a:p>
-        </p:txBody>
-      </p:sp>
-      <p:sp>
-        <p:nvSpPr>
-          <p:cNvPr id="33" name="PlaceHolder 5"/>
+            <a:endParaRPr b="0" lang="en-US" sz="3200" spc="-1" strike="noStrike">
+              <a:latin typeface="Arial"/>
+            </a:endParaRPr>
+          </a:p>
+        </p:txBody>
+      </p:sp>
+      <p:sp>
+        <p:nvSpPr>
+          <p:cNvPr id="30" name="PlaceHolder 5"/>
           <p:cNvSpPr>
             <a:spLocks noGrp="1"/>
           </p:cNvSpPr>
@@ -322,8 +303,8 @@
         </p:nvSpPr>
         <p:spPr>
           <a:xfrm>
-            <a:off x="6226200" y="4098240"/>
-            <a:ext cx="5131080" cy="2075040"/>
+            <a:off x="6231960" y="3682080"/>
+            <a:ext cx="5354280" cy="1896840"/>
           </a:xfrm>
           <a:prstGeom prst="rect">
             <a:avLst/>
@@ -334,11 +315,8 @@
             <a:normAutofit/>
           </a:bodyPr>
           <a:p>
-            <a:endParaRPr b="0" lang="en-US" sz="2800" spc="-1" strike="noStrike">
-              <a:solidFill>
-                <a:srgbClr val="000000"/>
-              </a:solidFill>
-              <a:latin typeface="Calibri"/>
+            <a:endParaRPr b="0" lang="en-US" sz="3200" spc="-1" strike="noStrike">
+              <a:latin typeface="Arial"/>
             </a:endParaRPr>
           </a:p>
         </p:txBody>
@@ -367,7 +345,7 @@
       </p:grpSpPr>
       <p:sp>
         <p:nvSpPr>
-          <p:cNvPr id="34" name="PlaceHolder 1"/>
+          <p:cNvPr id="31" name="PlaceHolder 1"/>
           <p:cNvSpPr>
             <a:spLocks noGrp="1"/>
           </p:cNvSpPr>
@@ -377,8 +355,8 @@
         </p:nvSpPr>
         <p:spPr>
           <a:xfrm>
-            <a:off x="838080" y="365040"/>
-            <a:ext cx="10515240" cy="1325160"/>
+            <a:off x="609480" y="273600"/>
+            <a:ext cx="10972440" cy="1144800"/>
           </a:xfrm>
           <a:prstGeom prst="rect">
             <a:avLst/>
@@ -389,18 +367,16 @@
             <a:spAutoFit/>
           </a:bodyPr>
           <a:p>
-            <a:endParaRPr b="0" lang="en-US" sz="1800" spc="-1" strike="noStrike">
-              <a:solidFill>
-                <a:srgbClr val="000000"/>
-              </a:solidFill>
-              <a:latin typeface="Calibri"/>
-            </a:endParaRPr>
-          </a:p>
-        </p:txBody>
-      </p:sp>
-      <p:sp>
-        <p:nvSpPr>
-          <p:cNvPr id="35" name="PlaceHolder 2"/>
+            <a:pPr algn="ctr"/>
+            <a:endParaRPr b="0" lang="en-US" sz="4400" spc="-1" strike="noStrike">
+              <a:latin typeface="Arial"/>
+            </a:endParaRPr>
+          </a:p>
+        </p:txBody>
+      </p:sp>
+      <p:sp>
+        <p:nvSpPr>
+          <p:cNvPr id="32" name="PlaceHolder 2"/>
           <p:cNvSpPr>
             <a:spLocks noGrp="1"/>
           </p:cNvSpPr>
@@ -410,8 +386,8 @@
         </p:nvSpPr>
         <p:spPr>
           <a:xfrm>
-            <a:off x="838080" y="1825560"/>
-            <a:ext cx="3385800" cy="2075040"/>
+            <a:off x="609480" y="1604520"/>
+            <a:ext cx="3533040" cy="1896840"/>
           </a:xfrm>
           <a:prstGeom prst="rect">
             <a:avLst/>
@@ -422,18 +398,15 @@
             <a:normAutofit/>
           </a:bodyPr>
           <a:p>
-            <a:endParaRPr b="0" lang="en-US" sz="2800" spc="-1" strike="noStrike">
-              <a:solidFill>
-                <a:srgbClr val="000000"/>
-              </a:solidFill>
-              <a:latin typeface="Calibri"/>
-            </a:endParaRPr>
-          </a:p>
-        </p:txBody>
-      </p:sp>
-      <p:sp>
-        <p:nvSpPr>
-          <p:cNvPr id="36" name="PlaceHolder 3"/>
+            <a:endParaRPr b="0" lang="en-US" sz="3200" spc="-1" strike="noStrike">
+              <a:latin typeface="Arial"/>
+            </a:endParaRPr>
+          </a:p>
+        </p:txBody>
+      </p:sp>
+      <p:sp>
+        <p:nvSpPr>
+          <p:cNvPr id="33" name="PlaceHolder 3"/>
           <p:cNvSpPr>
             <a:spLocks noGrp="1"/>
           </p:cNvSpPr>
@@ -443,8 +416,8 @@
         </p:nvSpPr>
         <p:spPr>
           <a:xfrm>
-            <a:off x="4393440" y="1825560"/>
-            <a:ext cx="3385800" cy="2075040"/>
+            <a:off x="4319640" y="1604520"/>
+            <a:ext cx="3533040" cy="1896840"/>
           </a:xfrm>
           <a:prstGeom prst="rect">
             <a:avLst/>
@@ -455,18 +428,15 @@
             <a:normAutofit/>
           </a:bodyPr>
           <a:p>
-            <a:endParaRPr b="0" lang="en-US" sz="2800" spc="-1" strike="noStrike">
-              <a:solidFill>
-                <a:srgbClr val="000000"/>
-              </a:solidFill>
-              <a:latin typeface="Calibri"/>
-            </a:endParaRPr>
-          </a:p>
-        </p:txBody>
-      </p:sp>
-      <p:sp>
-        <p:nvSpPr>
-          <p:cNvPr id="37" name="PlaceHolder 4"/>
+            <a:endParaRPr b="0" lang="en-US" sz="3200" spc="-1" strike="noStrike">
+              <a:latin typeface="Arial"/>
+            </a:endParaRPr>
+          </a:p>
+        </p:txBody>
+      </p:sp>
+      <p:sp>
+        <p:nvSpPr>
+          <p:cNvPr id="34" name="PlaceHolder 4"/>
           <p:cNvSpPr>
             <a:spLocks noGrp="1"/>
           </p:cNvSpPr>
@@ -476,8 +446,8 @@
         </p:nvSpPr>
         <p:spPr>
           <a:xfrm>
-            <a:off x="7949160" y="1825560"/>
-            <a:ext cx="3385800" cy="2075040"/>
+            <a:off x="8029800" y="1604520"/>
+            <a:ext cx="3533040" cy="1896840"/>
           </a:xfrm>
           <a:prstGeom prst="rect">
             <a:avLst/>
@@ -488,18 +458,15 @@
             <a:normAutofit/>
           </a:bodyPr>
           <a:p>
-            <a:endParaRPr b="0" lang="en-US" sz="2800" spc="-1" strike="noStrike">
-              <a:solidFill>
-                <a:srgbClr val="000000"/>
-              </a:solidFill>
-              <a:latin typeface="Calibri"/>
-            </a:endParaRPr>
-          </a:p>
-        </p:txBody>
-      </p:sp>
-      <p:sp>
-        <p:nvSpPr>
-          <p:cNvPr id="38" name="PlaceHolder 5"/>
+            <a:endParaRPr b="0" lang="en-US" sz="3200" spc="-1" strike="noStrike">
+              <a:latin typeface="Arial"/>
+            </a:endParaRPr>
+          </a:p>
+        </p:txBody>
+      </p:sp>
+      <p:sp>
+        <p:nvSpPr>
+          <p:cNvPr id="35" name="PlaceHolder 5"/>
           <p:cNvSpPr>
             <a:spLocks noGrp="1"/>
           </p:cNvSpPr>
@@ -509,8 +476,8 @@
         </p:nvSpPr>
         <p:spPr>
           <a:xfrm>
-            <a:off x="838080" y="4098240"/>
-            <a:ext cx="3385800" cy="2075040"/>
+            <a:off x="609480" y="3682080"/>
+            <a:ext cx="3533040" cy="1896840"/>
           </a:xfrm>
           <a:prstGeom prst="rect">
             <a:avLst/>
@@ -521,18 +488,15 @@
             <a:normAutofit/>
           </a:bodyPr>
           <a:p>
-            <a:endParaRPr b="0" lang="en-US" sz="2800" spc="-1" strike="noStrike">
-              <a:solidFill>
-                <a:srgbClr val="000000"/>
-              </a:solidFill>
-              <a:latin typeface="Calibri"/>
-            </a:endParaRPr>
-          </a:p>
-        </p:txBody>
-      </p:sp>
-      <p:sp>
-        <p:nvSpPr>
-          <p:cNvPr id="39" name="PlaceHolder 6"/>
+            <a:endParaRPr b="0" lang="en-US" sz="3200" spc="-1" strike="noStrike">
+              <a:latin typeface="Arial"/>
+            </a:endParaRPr>
+          </a:p>
+        </p:txBody>
+      </p:sp>
+      <p:sp>
+        <p:nvSpPr>
+          <p:cNvPr id="36" name="PlaceHolder 6"/>
           <p:cNvSpPr>
             <a:spLocks noGrp="1"/>
           </p:cNvSpPr>
@@ -542,8 +506,8 @@
         </p:nvSpPr>
         <p:spPr>
           <a:xfrm>
-            <a:off x="4393440" y="4098240"/>
-            <a:ext cx="3385800" cy="2075040"/>
+            <a:off x="4319640" y="3682080"/>
+            <a:ext cx="3533040" cy="1896840"/>
           </a:xfrm>
           <a:prstGeom prst="rect">
             <a:avLst/>
@@ -554,18 +518,15 @@
             <a:normAutofit/>
           </a:bodyPr>
           <a:p>
-            <a:endParaRPr b="0" lang="en-US" sz="2800" spc="-1" strike="noStrike">
-              <a:solidFill>
-                <a:srgbClr val="000000"/>
-              </a:solidFill>
-              <a:latin typeface="Calibri"/>
-            </a:endParaRPr>
-          </a:p>
-        </p:txBody>
-      </p:sp>
-      <p:sp>
-        <p:nvSpPr>
-          <p:cNvPr id="40" name="PlaceHolder 7"/>
+            <a:endParaRPr b="0" lang="en-US" sz="3200" spc="-1" strike="noStrike">
+              <a:latin typeface="Arial"/>
+            </a:endParaRPr>
+          </a:p>
+        </p:txBody>
+      </p:sp>
+      <p:sp>
+        <p:nvSpPr>
+          <p:cNvPr id="37" name="PlaceHolder 7"/>
           <p:cNvSpPr>
             <a:spLocks noGrp="1"/>
           </p:cNvSpPr>
@@ -575,8 +536,8 @@
         </p:nvSpPr>
         <p:spPr>
           <a:xfrm>
-            <a:off x="7949160" y="4098240"/>
-            <a:ext cx="3385800" cy="2075040"/>
+            <a:off x="8029800" y="3682080"/>
+            <a:ext cx="3533040" cy="1896840"/>
           </a:xfrm>
           <a:prstGeom prst="rect">
             <a:avLst/>
@@ -587,11 +548,8 @@
             <a:normAutofit/>
           </a:bodyPr>
           <a:p>
-            <a:endParaRPr b="0" lang="en-US" sz="2800" spc="-1" strike="noStrike">
-              <a:solidFill>
-                <a:srgbClr val="000000"/>
-              </a:solidFill>
-              <a:latin typeface="Calibri"/>
+            <a:endParaRPr b="0" lang="en-US" sz="3200" spc="-1" strike="noStrike">
+              <a:latin typeface="Arial"/>
             </a:endParaRPr>
           </a:p>
         </p:txBody>
@@ -642,7 +600,7 @@
       </p:grpSpPr>
       <p:sp>
         <p:nvSpPr>
-          <p:cNvPr id="46" name="PlaceHolder 1"/>
+          <p:cNvPr id="40" name="PlaceHolder 1"/>
           <p:cNvSpPr>
             <a:spLocks noGrp="1"/>
           </p:cNvSpPr>
@@ -652,8 +610,8 @@
         </p:nvSpPr>
         <p:spPr>
           <a:xfrm>
-            <a:off x="838080" y="365040"/>
-            <a:ext cx="10515240" cy="1325160"/>
+            <a:off x="609480" y="273600"/>
+            <a:ext cx="10972440" cy="1144800"/>
           </a:xfrm>
           <a:prstGeom prst="rect">
             <a:avLst/>
@@ -664,18 +622,16 @@
             <a:spAutoFit/>
           </a:bodyPr>
           <a:p>
-            <a:endParaRPr b="0" lang="en-US" sz="1800" spc="-1" strike="noStrike">
-              <a:solidFill>
-                <a:srgbClr val="000000"/>
-              </a:solidFill>
-              <a:latin typeface="Calibri"/>
-            </a:endParaRPr>
-          </a:p>
-        </p:txBody>
-      </p:sp>
-      <p:sp>
-        <p:nvSpPr>
-          <p:cNvPr id="47" name="PlaceHolder 2"/>
+            <a:pPr algn="ctr"/>
+            <a:endParaRPr b="0" lang="en-US" sz="4400" spc="-1" strike="noStrike">
+              <a:latin typeface="Arial"/>
+            </a:endParaRPr>
+          </a:p>
+        </p:txBody>
+      </p:sp>
+      <p:sp>
+        <p:nvSpPr>
+          <p:cNvPr id="41" name="PlaceHolder 2"/>
           <p:cNvSpPr>
             <a:spLocks noGrp="1"/>
           </p:cNvSpPr>
@@ -685,8 +641,8 @@
         </p:nvSpPr>
         <p:spPr>
           <a:xfrm>
-            <a:off x="838080" y="1825560"/>
-            <a:ext cx="10515240" cy="4350960"/>
+            <a:off x="609480" y="1604520"/>
+            <a:ext cx="10972440" cy="3977280"/>
           </a:xfrm>
           <a:prstGeom prst="rect">
             <a:avLst/>
@@ -728,7 +684,7 @@
       </p:grpSpPr>
       <p:sp>
         <p:nvSpPr>
-          <p:cNvPr id="48" name="PlaceHolder 1"/>
+          <p:cNvPr id="42" name="PlaceHolder 1"/>
           <p:cNvSpPr>
             <a:spLocks noGrp="1"/>
           </p:cNvSpPr>
@@ -738,8 +694,8 @@
         </p:nvSpPr>
         <p:spPr>
           <a:xfrm>
-            <a:off x="838080" y="365040"/>
-            <a:ext cx="10515240" cy="1325160"/>
+            <a:off x="609480" y="273600"/>
+            <a:ext cx="10972440" cy="1144800"/>
           </a:xfrm>
           <a:prstGeom prst="rect">
             <a:avLst/>
@@ -750,18 +706,16 @@
             <a:spAutoFit/>
           </a:bodyPr>
           <a:p>
-            <a:endParaRPr b="0" lang="en-US" sz="1800" spc="-1" strike="noStrike">
-              <a:solidFill>
-                <a:srgbClr val="000000"/>
-              </a:solidFill>
-              <a:latin typeface="Calibri"/>
-            </a:endParaRPr>
-          </a:p>
-        </p:txBody>
-      </p:sp>
-      <p:sp>
-        <p:nvSpPr>
-          <p:cNvPr id="49" name="PlaceHolder 2"/>
+            <a:pPr algn="ctr"/>
+            <a:endParaRPr b="0" lang="en-US" sz="4400" spc="-1" strike="noStrike">
+              <a:latin typeface="Arial"/>
+            </a:endParaRPr>
+          </a:p>
+        </p:txBody>
+      </p:sp>
+      <p:sp>
+        <p:nvSpPr>
+          <p:cNvPr id="43" name="PlaceHolder 2"/>
           <p:cNvSpPr>
             <a:spLocks noGrp="1"/>
           </p:cNvSpPr>
@@ -771,8 +725,8 @@
         </p:nvSpPr>
         <p:spPr>
           <a:xfrm>
-            <a:off x="838080" y="1825560"/>
-            <a:ext cx="10515240" cy="4350960"/>
+            <a:off x="609480" y="1604520"/>
+            <a:ext cx="10972440" cy="3977280"/>
           </a:xfrm>
           <a:prstGeom prst="rect">
             <a:avLst/>
@@ -783,11 +737,8 @@
             <a:normAutofit/>
           </a:bodyPr>
           <a:p>
-            <a:endParaRPr b="0" lang="en-US" sz="2800" spc="-1" strike="noStrike">
-              <a:solidFill>
-                <a:srgbClr val="000000"/>
-              </a:solidFill>
-              <a:latin typeface="Calibri"/>
+            <a:endParaRPr b="0" lang="en-US" sz="3200" spc="-1" strike="noStrike">
+              <a:latin typeface="Arial"/>
             </a:endParaRPr>
           </a:p>
         </p:txBody>
@@ -816,7 +767,7 @@
       </p:grpSpPr>
       <p:sp>
         <p:nvSpPr>
-          <p:cNvPr id="50" name="PlaceHolder 1"/>
+          <p:cNvPr id="44" name="PlaceHolder 1"/>
           <p:cNvSpPr>
             <a:spLocks noGrp="1"/>
           </p:cNvSpPr>
@@ -826,8 +777,8 @@
         </p:nvSpPr>
         <p:spPr>
           <a:xfrm>
-            <a:off x="838080" y="365040"/>
-            <a:ext cx="10515240" cy="1325160"/>
+            <a:off x="609480" y="273600"/>
+            <a:ext cx="10972440" cy="1144800"/>
           </a:xfrm>
           <a:prstGeom prst="rect">
             <a:avLst/>
@@ -838,18 +789,16 @@
             <a:spAutoFit/>
           </a:bodyPr>
           <a:p>
-            <a:endParaRPr b="0" lang="en-US" sz="1800" spc="-1" strike="noStrike">
-              <a:solidFill>
-                <a:srgbClr val="000000"/>
-              </a:solidFill>
-              <a:latin typeface="Calibri"/>
-            </a:endParaRPr>
-          </a:p>
-        </p:txBody>
-      </p:sp>
-      <p:sp>
-        <p:nvSpPr>
-          <p:cNvPr id="51" name="PlaceHolder 2"/>
+            <a:pPr algn="ctr"/>
+            <a:endParaRPr b="0" lang="en-US" sz="4400" spc="-1" strike="noStrike">
+              <a:latin typeface="Arial"/>
+            </a:endParaRPr>
+          </a:p>
+        </p:txBody>
+      </p:sp>
+      <p:sp>
+        <p:nvSpPr>
+          <p:cNvPr id="45" name="PlaceHolder 2"/>
           <p:cNvSpPr>
             <a:spLocks noGrp="1"/>
           </p:cNvSpPr>
@@ -859,8 +808,8 @@
         </p:nvSpPr>
         <p:spPr>
           <a:xfrm>
-            <a:off x="838080" y="1825560"/>
-            <a:ext cx="5131080" cy="4350960"/>
+            <a:off x="609480" y="1604520"/>
+            <a:ext cx="5354280" cy="3977280"/>
           </a:xfrm>
           <a:prstGeom prst="rect">
             <a:avLst/>
@@ -871,18 +820,15 @@
             <a:normAutofit/>
           </a:bodyPr>
           <a:p>
-            <a:endParaRPr b="0" lang="en-US" sz="2800" spc="-1" strike="noStrike">
-              <a:solidFill>
-                <a:srgbClr val="000000"/>
-              </a:solidFill>
-              <a:latin typeface="Calibri"/>
-            </a:endParaRPr>
-          </a:p>
-        </p:txBody>
-      </p:sp>
-      <p:sp>
-        <p:nvSpPr>
-          <p:cNvPr id="52" name="PlaceHolder 3"/>
+            <a:endParaRPr b="0" lang="en-US" sz="3200" spc="-1" strike="noStrike">
+              <a:latin typeface="Arial"/>
+            </a:endParaRPr>
+          </a:p>
+        </p:txBody>
+      </p:sp>
+      <p:sp>
+        <p:nvSpPr>
+          <p:cNvPr id="46" name="PlaceHolder 3"/>
           <p:cNvSpPr>
             <a:spLocks noGrp="1"/>
           </p:cNvSpPr>
@@ -892,8 +838,8 @@
         </p:nvSpPr>
         <p:spPr>
           <a:xfrm>
-            <a:off x="6226200" y="1825560"/>
-            <a:ext cx="5131080" cy="4350960"/>
+            <a:off x="6231960" y="1604520"/>
+            <a:ext cx="5354280" cy="3977280"/>
           </a:xfrm>
           <a:prstGeom prst="rect">
             <a:avLst/>
@@ -904,11 +850,8 @@
             <a:normAutofit/>
           </a:bodyPr>
           <a:p>
-            <a:endParaRPr b="0" lang="en-US" sz="2800" spc="-1" strike="noStrike">
-              <a:solidFill>
-                <a:srgbClr val="000000"/>
-              </a:solidFill>
-              <a:latin typeface="Calibri"/>
+            <a:endParaRPr b="0" lang="en-US" sz="3200" spc="-1" strike="noStrike">
+              <a:latin typeface="Arial"/>
             </a:endParaRPr>
           </a:p>
         </p:txBody>
@@ -937,7 +880,7 @@
       </p:grpSpPr>
       <p:sp>
         <p:nvSpPr>
-          <p:cNvPr id="53" name="PlaceHolder 1"/>
+          <p:cNvPr id="47" name="PlaceHolder 1"/>
           <p:cNvSpPr>
             <a:spLocks noGrp="1"/>
           </p:cNvSpPr>
@@ -947,8 +890,8 @@
         </p:nvSpPr>
         <p:spPr>
           <a:xfrm>
-            <a:off x="838080" y="365040"/>
-            <a:ext cx="10515240" cy="1325160"/>
+            <a:off x="609480" y="273600"/>
+            <a:ext cx="10972440" cy="1144800"/>
           </a:xfrm>
           <a:prstGeom prst="rect">
             <a:avLst/>
@@ -959,11 +902,9 @@
             <a:spAutoFit/>
           </a:bodyPr>
           <a:p>
-            <a:endParaRPr b="0" lang="en-US" sz="1800" spc="-1" strike="noStrike">
-              <a:solidFill>
-                <a:srgbClr val="000000"/>
-              </a:solidFill>
-              <a:latin typeface="Calibri"/>
+            <a:pPr algn="ctr"/>
+            <a:endParaRPr b="0" lang="en-US" sz="4400" spc="-1" strike="noStrike">
+              <a:latin typeface="Arial"/>
             </a:endParaRPr>
           </a:p>
         </p:txBody>
@@ -992,7 +933,7 @@
       </p:grpSpPr>
       <p:sp>
         <p:nvSpPr>
-          <p:cNvPr id="54" name="PlaceHolder 1"/>
+          <p:cNvPr id="48" name="PlaceHolder 1"/>
           <p:cNvSpPr>
             <a:spLocks noGrp="1"/>
           </p:cNvSpPr>
@@ -1002,8 +943,8 @@
         </p:nvSpPr>
         <p:spPr>
           <a:xfrm>
-            <a:off x="838080" y="365040"/>
-            <a:ext cx="10515240" cy="6144120"/>
+            <a:off x="609480" y="273600"/>
+            <a:ext cx="10972440" cy="5307840"/>
           </a:xfrm>
           <a:prstGeom prst="rect">
             <a:avLst/>
@@ -1045,7 +986,7 @@
       </p:grpSpPr>
       <p:sp>
         <p:nvSpPr>
-          <p:cNvPr id="55" name="PlaceHolder 1"/>
+          <p:cNvPr id="49" name="PlaceHolder 1"/>
           <p:cNvSpPr>
             <a:spLocks noGrp="1"/>
           </p:cNvSpPr>
@@ -1055,8 +996,8 @@
         </p:nvSpPr>
         <p:spPr>
           <a:xfrm>
-            <a:off x="838080" y="365040"/>
-            <a:ext cx="10515240" cy="1325160"/>
+            <a:off x="609480" y="273600"/>
+            <a:ext cx="10972440" cy="1144800"/>
           </a:xfrm>
           <a:prstGeom prst="rect">
             <a:avLst/>
@@ -1067,18 +1008,16 @@
             <a:spAutoFit/>
           </a:bodyPr>
           <a:p>
-            <a:endParaRPr b="0" lang="en-US" sz="1800" spc="-1" strike="noStrike">
-              <a:solidFill>
-                <a:srgbClr val="000000"/>
-              </a:solidFill>
-              <a:latin typeface="Calibri"/>
-            </a:endParaRPr>
-          </a:p>
-        </p:txBody>
-      </p:sp>
-      <p:sp>
-        <p:nvSpPr>
-          <p:cNvPr id="56" name="PlaceHolder 2"/>
+            <a:pPr algn="ctr"/>
+            <a:endParaRPr b="0" lang="en-US" sz="4400" spc="-1" strike="noStrike">
+              <a:latin typeface="Arial"/>
+            </a:endParaRPr>
+          </a:p>
+        </p:txBody>
+      </p:sp>
+      <p:sp>
+        <p:nvSpPr>
+          <p:cNvPr id="50" name="PlaceHolder 2"/>
           <p:cNvSpPr>
             <a:spLocks noGrp="1"/>
           </p:cNvSpPr>
@@ -1088,8 +1027,8 @@
         </p:nvSpPr>
         <p:spPr>
           <a:xfrm>
-            <a:off x="838080" y="1825560"/>
-            <a:ext cx="5131080" cy="2075040"/>
+            <a:off x="609480" y="1604520"/>
+            <a:ext cx="5354280" cy="1896840"/>
           </a:xfrm>
           <a:prstGeom prst="rect">
             <a:avLst/>
@@ -1100,18 +1039,15 @@
             <a:normAutofit/>
           </a:bodyPr>
           <a:p>
-            <a:endParaRPr b="0" lang="en-US" sz="2800" spc="-1" strike="noStrike">
-              <a:solidFill>
-                <a:srgbClr val="000000"/>
-              </a:solidFill>
-              <a:latin typeface="Calibri"/>
-            </a:endParaRPr>
-          </a:p>
-        </p:txBody>
-      </p:sp>
-      <p:sp>
-        <p:nvSpPr>
-          <p:cNvPr id="57" name="PlaceHolder 3"/>
+            <a:endParaRPr b="0" lang="en-US" sz="3200" spc="-1" strike="noStrike">
+              <a:latin typeface="Arial"/>
+            </a:endParaRPr>
+          </a:p>
+        </p:txBody>
+      </p:sp>
+      <p:sp>
+        <p:nvSpPr>
+          <p:cNvPr id="51" name="PlaceHolder 3"/>
           <p:cNvSpPr>
             <a:spLocks noGrp="1"/>
           </p:cNvSpPr>
@@ -1121,8 +1057,8 @@
         </p:nvSpPr>
         <p:spPr>
           <a:xfrm>
-            <a:off x="6226200" y="1825560"/>
-            <a:ext cx="5131080" cy="4350960"/>
+            <a:off x="6231960" y="1604520"/>
+            <a:ext cx="5354280" cy="3977280"/>
           </a:xfrm>
           <a:prstGeom prst="rect">
             <a:avLst/>
@@ -1133,18 +1069,15 @@
             <a:normAutofit/>
           </a:bodyPr>
           <a:p>
-            <a:endParaRPr b="0" lang="en-US" sz="2800" spc="-1" strike="noStrike">
-              <a:solidFill>
-                <a:srgbClr val="000000"/>
-              </a:solidFill>
-              <a:latin typeface="Calibri"/>
-            </a:endParaRPr>
-          </a:p>
-        </p:txBody>
-      </p:sp>
-      <p:sp>
-        <p:nvSpPr>
-          <p:cNvPr id="58" name="PlaceHolder 4"/>
+            <a:endParaRPr b="0" lang="en-US" sz="3200" spc="-1" strike="noStrike">
+              <a:latin typeface="Arial"/>
+            </a:endParaRPr>
+          </a:p>
+        </p:txBody>
+      </p:sp>
+      <p:sp>
+        <p:nvSpPr>
+          <p:cNvPr id="52" name="PlaceHolder 4"/>
           <p:cNvSpPr>
             <a:spLocks noGrp="1"/>
           </p:cNvSpPr>
@@ -1154,8 +1087,8 @@
         </p:nvSpPr>
         <p:spPr>
           <a:xfrm>
-            <a:off x="838080" y="4098240"/>
-            <a:ext cx="5131080" cy="2075040"/>
+            <a:off x="609480" y="3682080"/>
+            <a:ext cx="5354280" cy="1896840"/>
           </a:xfrm>
           <a:prstGeom prst="rect">
             <a:avLst/>
@@ -1166,11 +1099,8 @@
             <a:normAutofit/>
           </a:bodyPr>
           <a:p>
-            <a:endParaRPr b="0" lang="en-US" sz="2800" spc="-1" strike="noStrike">
-              <a:solidFill>
-                <a:srgbClr val="000000"/>
-              </a:solidFill>
-              <a:latin typeface="Calibri"/>
+            <a:endParaRPr b="0" lang="en-US" sz="3200" spc="-1" strike="noStrike">
+              <a:latin typeface="Arial"/>
             </a:endParaRPr>
           </a:p>
         </p:txBody>
@@ -1199,7 +1129,7 @@
       </p:grpSpPr>
       <p:sp>
         <p:nvSpPr>
-          <p:cNvPr id="5" name="PlaceHolder 1"/>
+          <p:cNvPr id="2" name="PlaceHolder 1"/>
           <p:cNvSpPr>
             <a:spLocks noGrp="1"/>
           </p:cNvSpPr>
@@ -1209,8 +1139,8 @@
         </p:nvSpPr>
         <p:spPr>
           <a:xfrm>
-            <a:off x="838080" y="365040"/>
-            <a:ext cx="10515240" cy="1325160"/>
+            <a:off x="609480" y="273600"/>
+            <a:ext cx="10972440" cy="1144800"/>
           </a:xfrm>
           <a:prstGeom prst="rect">
             <a:avLst/>
@@ -1221,18 +1151,16 @@
             <a:spAutoFit/>
           </a:bodyPr>
           <a:p>
-            <a:endParaRPr b="0" lang="en-US" sz="1800" spc="-1" strike="noStrike">
-              <a:solidFill>
-                <a:srgbClr val="000000"/>
-              </a:solidFill>
-              <a:latin typeface="Calibri"/>
-            </a:endParaRPr>
-          </a:p>
-        </p:txBody>
-      </p:sp>
-      <p:sp>
-        <p:nvSpPr>
-          <p:cNvPr id="6" name="PlaceHolder 2"/>
+            <a:pPr algn="ctr"/>
+            <a:endParaRPr b="0" lang="en-US" sz="4400" spc="-1" strike="noStrike">
+              <a:latin typeface="Arial"/>
+            </a:endParaRPr>
+          </a:p>
+        </p:txBody>
+      </p:sp>
+      <p:sp>
+        <p:nvSpPr>
+          <p:cNvPr id="3" name="PlaceHolder 2"/>
           <p:cNvSpPr>
             <a:spLocks noGrp="1"/>
           </p:cNvSpPr>
@@ -1242,8 +1170,8 @@
         </p:nvSpPr>
         <p:spPr>
           <a:xfrm>
-            <a:off x="838080" y="1825560"/>
-            <a:ext cx="10515240" cy="4350960"/>
+            <a:off x="609480" y="1604520"/>
+            <a:ext cx="10972440" cy="3977280"/>
           </a:xfrm>
           <a:prstGeom prst="rect">
             <a:avLst/>
@@ -1285,7 +1213,7 @@
       </p:grpSpPr>
       <p:sp>
         <p:nvSpPr>
-          <p:cNvPr id="59" name="PlaceHolder 1"/>
+          <p:cNvPr id="53" name="PlaceHolder 1"/>
           <p:cNvSpPr>
             <a:spLocks noGrp="1"/>
           </p:cNvSpPr>
@@ -1295,8 +1223,8 @@
         </p:nvSpPr>
         <p:spPr>
           <a:xfrm>
-            <a:off x="838080" y="365040"/>
-            <a:ext cx="10515240" cy="1325160"/>
+            <a:off x="609480" y="273600"/>
+            <a:ext cx="10972440" cy="1144800"/>
           </a:xfrm>
           <a:prstGeom prst="rect">
             <a:avLst/>
@@ -1307,18 +1235,16 @@
             <a:spAutoFit/>
           </a:bodyPr>
           <a:p>
-            <a:endParaRPr b="0" lang="en-US" sz="1800" spc="-1" strike="noStrike">
-              <a:solidFill>
-                <a:srgbClr val="000000"/>
-              </a:solidFill>
-              <a:latin typeface="Calibri"/>
-            </a:endParaRPr>
-          </a:p>
-        </p:txBody>
-      </p:sp>
-      <p:sp>
-        <p:nvSpPr>
-          <p:cNvPr id="60" name="PlaceHolder 2"/>
+            <a:pPr algn="ctr"/>
+            <a:endParaRPr b="0" lang="en-US" sz="4400" spc="-1" strike="noStrike">
+              <a:latin typeface="Arial"/>
+            </a:endParaRPr>
+          </a:p>
+        </p:txBody>
+      </p:sp>
+      <p:sp>
+        <p:nvSpPr>
+          <p:cNvPr id="54" name="PlaceHolder 2"/>
           <p:cNvSpPr>
             <a:spLocks noGrp="1"/>
           </p:cNvSpPr>
@@ -1328,8 +1254,8 @@
         </p:nvSpPr>
         <p:spPr>
           <a:xfrm>
-            <a:off x="838080" y="1825560"/>
-            <a:ext cx="5131080" cy="4350960"/>
+            <a:off x="609480" y="1604520"/>
+            <a:ext cx="5354280" cy="3977280"/>
           </a:xfrm>
           <a:prstGeom prst="rect">
             <a:avLst/>
@@ -1340,18 +1266,15 @@
             <a:normAutofit/>
           </a:bodyPr>
           <a:p>
-            <a:endParaRPr b="0" lang="en-US" sz="2800" spc="-1" strike="noStrike">
-              <a:solidFill>
-                <a:srgbClr val="000000"/>
-              </a:solidFill>
-              <a:latin typeface="Calibri"/>
-            </a:endParaRPr>
-          </a:p>
-        </p:txBody>
-      </p:sp>
-      <p:sp>
-        <p:nvSpPr>
-          <p:cNvPr id="61" name="PlaceHolder 3"/>
+            <a:endParaRPr b="0" lang="en-US" sz="3200" spc="-1" strike="noStrike">
+              <a:latin typeface="Arial"/>
+            </a:endParaRPr>
+          </a:p>
+        </p:txBody>
+      </p:sp>
+      <p:sp>
+        <p:nvSpPr>
+          <p:cNvPr id="55" name="PlaceHolder 3"/>
           <p:cNvSpPr>
             <a:spLocks noGrp="1"/>
           </p:cNvSpPr>
@@ -1361,8 +1284,8 @@
         </p:nvSpPr>
         <p:spPr>
           <a:xfrm>
-            <a:off x="6226200" y="1825560"/>
-            <a:ext cx="5131080" cy="2075040"/>
+            <a:off x="6231960" y="1604520"/>
+            <a:ext cx="5354280" cy="1896840"/>
           </a:xfrm>
           <a:prstGeom prst="rect">
             <a:avLst/>
@@ -1373,18 +1296,15 @@
             <a:normAutofit/>
           </a:bodyPr>
           <a:p>
-            <a:endParaRPr b="0" lang="en-US" sz="2800" spc="-1" strike="noStrike">
-              <a:solidFill>
-                <a:srgbClr val="000000"/>
-              </a:solidFill>
-              <a:latin typeface="Calibri"/>
-            </a:endParaRPr>
-          </a:p>
-        </p:txBody>
-      </p:sp>
-      <p:sp>
-        <p:nvSpPr>
-          <p:cNvPr id="62" name="PlaceHolder 4"/>
+            <a:endParaRPr b="0" lang="en-US" sz="3200" spc="-1" strike="noStrike">
+              <a:latin typeface="Arial"/>
+            </a:endParaRPr>
+          </a:p>
+        </p:txBody>
+      </p:sp>
+      <p:sp>
+        <p:nvSpPr>
+          <p:cNvPr id="56" name="PlaceHolder 4"/>
           <p:cNvSpPr>
             <a:spLocks noGrp="1"/>
           </p:cNvSpPr>
@@ -1394,8 +1314,8 @@
         </p:nvSpPr>
         <p:spPr>
           <a:xfrm>
-            <a:off x="6226200" y="4098240"/>
-            <a:ext cx="5131080" cy="2075040"/>
+            <a:off x="6231960" y="3682080"/>
+            <a:ext cx="5354280" cy="1896840"/>
           </a:xfrm>
           <a:prstGeom prst="rect">
             <a:avLst/>
@@ -1406,11 +1326,8 @@
             <a:normAutofit/>
           </a:bodyPr>
           <a:p>
-            <a:endParaRPr b="0" lang="en-US" sz="2800" spc="-1" strike="noStrike">
-              <a:solidFill>
-                <a:srgbClr val="000000"/>
-              </a:solidFill>
-              <a:latin typeface="Calibri"/>
+            <a:endParaRPr b="0" lang="en-US" sz="3200" spc="-1" strike="noStrike">
+              <a:latin typeface="Arial"/>
             </a:endParaRPr>
           </a:p>
         </p:txBody>
@@ -1439,7 +1356,7 @@
       </p:grpSpPr>
       <p:sp>
         <p:nvSpPr>
-          <p:cNvPr id="63" name="PlaceHolder 1"/>
+          <p:cNvPr id="57" name="PlaceHolder 1"/>
           <p:cNvSpPr>
             <a:spLocks noGrp="1"/>
           </p:cNvSpPr>
@@ -1449,8 +1366,8 @@
         </p:nvSpPr>
         <p:spPr>
           <a:xfrm>
-            <a:off x="838080" y="365040"/>
-            <a:ext cx="10515240" cy="1325160"/>
+            <a:off x="609480" y="273600"/>
+            <a:ext cx="10972440" cy="1144800"/>
           </a:xfrm>
           <a:prstGeom prst="rect">
             <a:avLst/>
@@ -1461,18 +1378,16 @@
             <a:spAutoFit/>
           </a:bodyPr>
           <a:p>
-            <a:endParaRPr b="0" lang="en-US" sz="1800" spc="-1" strike="noStrike">
-              <a:solidFill>
-                <a:srgbClr val="000000"/>
-              </a:solidFill>
-              <a:latin typeface="Calibri"/>
-            </a:endParaRPr>
-          </a:p>
-        </p:txBody>
-      </p:sp>
-      <p:sp>
-        <p:nvSpPr>
-          <p:cNvPr id="64" name="PlaceHolder 2"/>
+            <a:pPr algn="ctr"/>
+            <a:endParaRPr b="0" lang="en-US" sz="4400" spc="-1" strike="noStrike">
+              <a:latin typeface="Arial"/>
+            </a:endParaRPr>
+          </a:p>
+        </p:txBody>
+      </p:sp>
+      <p:sp>
+        <p:nvSpPr>
+          <p:cNvPr id="58" name="PlaceHolder 2"/>
           <p:cNvSpPr>
             <a:spLocks noGrp="1"/>
           </p:cNvSpPr>
@@ -1482,8 +1397,8 @@
         </p:nvSpPr>
         <p:spPr>
           <a:xfrm>
-            <a:off x="838080" y="1825560"/>
-            <a:ext cx="5131080" cy="2075040"/>
+            <a:off x="609480" y="1604520"/>
+            <a:ext cx="5354280" cy="1896840"/>
           </a:xfrm>
           <a:prstGeom prst="rect">
             <a:avLst/>
@@ -1494,18 +1409,15 @@
             <a:normAutofit/>
           </a:bodyPr>
           <a:p>
-            <a:endParaRPr b="0" lang="en-US" sz="2800" spc="-1" strike="noStrike">
-              <a:solidFill>
-                <a:srgbClr val="000000"/>
-              </a:solidFill>
-              <a:latin typeface="Calibri"/>
-            </a:endParaRPr>
-          </a:p>
-        </p:txBody>
-      </p:sp>
-      <p:sp>
-        <p:nvSpPr>
-          <p:cNvPr id="65" name="PlaceHolder 3"/>
+            <a:endParaRPr b="0" lang="en-US" sz="3200" spc="-1" strike="noStrike">
+              <a:latin typeface="Arial"/>
+            </a:endParaRPr>
+          </a:p>
+        </p:txBody>
+      </p:sp>
+      <p:sp>
+        <p:nvSpPr>
+          <p:cNvPr id="59" name="PlaceHolder 3"/>
           <p:cNvSpPr>
             <a:spLocks noGrp="1"/>
           </p:cNvSpPr>
@@ -1515,8 +1427,8 @@
         </p:nvSpPr>
         <p:spPr>
           <a:xfrm>
-            <a:off x="6226200" y="1825560"/>
-            <a:ext cx="5131080" cy="2075040"/>
+            <a:off x="6231960" y="1604520"/>
+            <a:ext cx="5354280" cy="1896840"/>
           </a:xfrm>
           <a:prstGeom prst="rect">
             <a:avLst/>
@@ -1527,18 +1439,15 @@
             <a:normAutofit/>
           </a:bodyPr>
           <a:p>
-            <a:endParaRPr b="0" lang="en-US" sz="2800" spc="-1" strike="noStrike">
-              <a:solidFill>
-                <a:srgbClr val="000000"/>
-              </a:solidFill>
-              <a:latin typeface="Calibri"/>
-            </a:endParaRPr>
-          </a:p>
-        </p:txBody>
-      </p:sp>
-      <p:sp>
-        <p:nvSpPr>
-          <p:cNvPr id="66" name="PlaceHolder 4"/>
+            <a:endParaRPr b="0" lang="en-US" sz="3200" spc="-1" strike="noStrike">
+              <a:latin typeface="Arial"/>
+            </a:endParaRPr>
+          </a:p>
+        </p:txBody>
+      </p:sp>
+      <p:sp>
+        <p:nvSpPr>
+          <p:cNvPr id="60" name="PlaceHolder 4"/>
           <p:cNvSpPr>
             <a:spLocks noGrp="1"/>
           </p:cNvSpPr>
@@ -1548,8 +1457,8 @@
         </p:nvSpPr>
         <p:spPr>
           <a:xfrm>
-            <a:off x="838080" y="4098240"/>
-            <a:ext cx="10515240" cy="2075040"/>
+            <a:off x="609480" y="3682080"/>
+            <a:ext cx="10972440" cy="1896840"/>
           </a:xfrm>
           <a:prstGeom prst="rect">
             <a:avLst/>
@@ -1560,11 +1469,8 @@
             <a:normAutofit/>
           </a:bodyPr>
           <a:p>
-            <a:endParaRPr b="0" lang="en-US" sz="2800" spc="-1" strike="noStrike">
-              <a:solidFill>
-                <a:srgbClr val="000000"/>
-              </a:solidFill>
-              <a:latin typeface="Calibri"/>
+            <a:endParaRPr b="0" lang="en-US" sz="3200" spc="-1" strike="noStrike">
+              <a:latin typeface="Arial"/>
             </a:endParaRPr>
           </a:p>
         </p:txBody>
@@ -1593,7 +1499,7 @@
       </p:grpSpPr>
       <p:sp>
         <p:nvSpPr>
-          <p:cNvPr id="67" name="PlaceHolder 1"/>
+          <p:cNvPr id="61" name="PlaceHolder 1"/>
           <p:cNvSpPr>
             <a:spLocks noGrp="1"/>
           </p:cNvSpPr>
@@ -1603,8 +1509,8 @@
         </p:nvSpPr>
         <p:spPr>
           <a:xfrm>
-            <a:off x="838080" y="365040"/>
-            <a:ext cx="10515240" cy="1325160"/>
+            <a:off x="609480" y="273600"/>
+            <a:ext cx="10972440" cy="1144800"/>
           </a:xfrm>
           <a:prstGeom prst="rect">
             <a:avLst/>
@@ -1615,18 +1521,16 @@
             <a:spAutoFit/>
           </a:bodyPr>
           <a:p>
-            <a:endParaRPr b="0" lang="en-US" sz="1800" spc="-1" strike="noStrike">
-              <a:solidFill>
-                <a:srgbClr val="000000"/>
-              </a:solidFill>
-              <a:latin typeface="Calibri"/>
-            </a:endParaRPr>
-          </a:p>
-        </p:txBody>
-      </p:sp>
-      <p:sp>
-        <p:nvSpPr>
-          <p:cNvPr id="68" name="PlaceHolder 2"/>
+            <a:pPr algn="ctr"/>
+            <a:endParaRPr b="0" lang="en-US" sz="4400" spc="-1" strike="noStrike">
+              <a:latin typeface="Arial"/>
+            </a:endParaRPr>
+          </a:p>
+        </p:txBody>
+      </p:sp>
+      <p:sp>
+        <p:nvSpPr>
+          <p:cNvPr id="62" name="PlaceHolder 2"/>
           <p:cNvSpPr>
             <a:spLocks noGrp="1"/>
           </p:cNvSpPr>
@@ -1636,8 +1540,8 @@
         </p:nvSpPr>
         <p:spPr>
           <a:xfrm>
-            <a:off x="838080" y="1825560"/>
-            <a:ext cx="10515240" cy="2075040"/>
+            <a:off x="609480" y="1604520"/>
+            <a:ext cx="10972440" cy="1896840"/>
           </a:xfrm>
           <a:prstGeom prst="rect">
             <a:avLst/>
@@ -1648,18 +1552,15 @@
             <a:normAutofit/>
           </a:bodyPr>
           <a:p>
-            <a:endParaRPr b="0" lang="en-US" sz="2800" spc="-1" strike="noStrike">
-              <a:solidFill>
-                <a:srgbClr val="000000"/>
-              </a:solidFill>
-              <a:latin typeface="Calibri"/>
-            </a:endParaRPr>
-          </a:p>
-        </p:txBody>
-      </p:sp>
-      <p:sp>
-        <p:nvSpPr>
-          <p:cNvPr id="69" name="PlaceHolder 3"/>
+            <a:endParaRPr b="0" lang="en-US" sz="3200" spc="-1" strike="noStrike">
+              <a:latin typeface="Arial"/>
+            </a:endParaRPr>
+          </a:p>
+        </p:txBody>
+      </p:sp>
+      <p:sp>
+        <p:nvSpPr>
+          <p:cNvPr id="63" name="PlaceHolder 3"/>
           <p:cNvSpPr>
             <a:spLocks noGrp="1"/>
           </p:cNvSpPr>
@@ -1669,8 +1570,8 @@
         </p:nvSpPr>
         <p:spPr>
           <a:xfrm>
-            <a:off x="838080" y="4098240"/>
-            <a:ext cx="10515240" cy="2075040"/>
+            <a:off x="609480" y="3682080"/>
+            <a:ext cx="10972440" cy="1896840"/>
           </a:xfrm>
           <a:prstGeom prst="rect">
             <a:avLst/>
@@ -1681,11 +1582,8 @@
             <a:normAutofit/>
           </a:bodyPr>
           <a:p>
-            <a:endParaRPr b="0" lang="en-US" sz="2800" spc="-1" strike="noStrike">
-              <a:solidFill>
-                <a:srgbClr val="000000"/>
-              </a:solidFill>
-              <a:latin typeface="Calibri"/>
+            <a:endParaRPr b="0" lang="en-US" sz="3200" spc="-1" strike="noStrike">
+              <a:latin typeface="Arial"/>
             </a:endParaRPr>
           </a:p>
         </p:txBody>
@@ -1714,7 +1612,7 @@
       </p:grpSpPr>
       <p:sp>
         <p:nvSpPr>
-          <p:cNvPr id="70" name="PlaceHolder 1"/>
+          <p:cNvPr id="64" name="PlaceHolder 1"/>
           <p:cNvSpPr>
             <a:spLocks noGrp="1"/>
           </p:cNvSpPr>
@@ -1724,8 +1622,8 @@
         </p:nvSpPr>
         <p:spPr>
           <a:xfrm>
-            <a:off x="838080" y="365040"/>
-            <a:ext cx="10515240" cy="1325160"/>
+            <a:off x="609480" y="273600"/>
+            <a:ext cx="10972440" cy="1144800"/>
           </a:xfrm>
           <a:prstGeom prst="rect">
             <a:avLst/>
@@ -1736,18 +1634,16 @@
             <a:spAutoFit/>
           </a:bodyPr>
           <a:p>
-            <a:endParaRPr b="0" lang="en-US" sz="1800" spc="-1" strike="noStrike">
-              <a:solidFill>
-                <a:srgbClr val="000000"/>
-              </a:solidFill>
-              <a:latin typeface="Calibri"/>
-            </a:endParaRPr>
-          </a:p>
-        </p:txBody>
-      </p:sp>
-      <p:sp>
-        <p:nvSpPr>
-          <p:cNvPr id="71" name="PlaceHolder 2"/>
+            <a:pPr algn="ctr"/>
+            <a:endParaRPr b="0" lang="en-US" sz="4400" spc="-1" strike="noStrike">
+              <a:latin typeface="Arial"/>
+            </a:endParaRPr>
+          </a:p>
+        </p:txBody>
+      </p:sp>
+      <p:sp>
+        <p:nvSpPr>
+          <p:cNvPr id="65" name="PlaceHolder 2"/>
           <p:cNvSpPr>
             <a:spLocks noGrp="1"/>
           </p:cNvSpPr>
@@ -1757,8 +1653,8 @@
         </p:nvSpPr>
         <p:spPr>
           <a:xfrm>
-            <a:off x="838080" y="1825560"/>
-            <a:ext cx="5131080" cy="2075040"/>
+            <a:off x="609480" y="1604520"/>
+            <a:ext cx="5354280" cy="1896840"/>
           </a:xfrm>
           <a:prstGeom prst="rect">
             <a:avLst/>
@@ -1769,18 +1665,15 @@
             <a:normAutofit/>
           </a:bodyPr>
           <a:p>
-            <a:endParaRPr b="0" lang="en-US" sz="2800" spc="-1" strike="noStrike">
-              <a:solidFill>
-                <a:srgbClr val="000000"/>
-              </a:solidFill>
-              <a:latin typeface="Calibri"/>
-            </a:endParaRPr>
-          </a:p>
-        </p:txBody>
-      </p:sp>
-      <p:sp>
-        <p:nvSpPr>
-          <p:cNvPr id="72" name="PlaceHolder 3"/>
+            <a:endParaRPr b="0" lang="en-US" sz="3200" spc="-1" strike="noStrike">
+              <a:latin typeface="Arial"/>
+            </a:endParaRPr>
+          </a:p>
+        </p:txBody>
+      </p:sp>
+      <p:sp>
+        <p:nvSpPr>
+          <p:cNvPr id="66" name="PlaceHolder 3"/>
           <p:cNvSpPr>
             <a:spLocks noGrp="1"/>
           </p:cNvSpPr>
@@ -1790,8 +1683,8 @@
         </p:nvSpPr>
         <p:spPr>
           <a:xfrm>
-            <a:off x="6226200" y="1825560"/>
-            <a:ext cx="5131080" cy="2075040"/>
+            <a:off x="6231960" y="1604520"/>
+            <a:ext cx="5354280" cy="1896840"/>
           </a:xfrm>
           <a:prstGeom prst="rect">
             <a:avLst/>
@@ -1802,18 +1695,15 @@
             <a:normAutofit/>
           </a:bodyPr>
           <a:p>
-            <a:endParaRPr b="0" lang="en-US" sz="2800" spc="-1" strike="noStrike">
-              <a:solidFill>
-                <a:srgbClr val="000000"/>
-              </a:solidFill>
-              <a:latin typeface="Calibri"/>
-            </a:endParaRPr>
-          </a:p>
-        </p:txBody>
-      </p:sp>
-      <p:sp>
-        <p:nvSpPr>
-          <p:cNvPr id="73" name="PlaceHolder 4"/>
+            <a:endParaRPr b="0" lang="en-US" sz="3200" spc="-1" strike="noStrike">
+              <a:latin typeface="Arial"/>
+            </a:endParaRPr>
+          </a:p>
+        </p:txBody>
+      </p:sp>
+      <p:sp>
+        <p:nvSpPr>
+          <p:cNvPr id="67" name="PlaceHolder 4"/>
           <p:cNvSpPr>
             <a:spLocks noGrp="1"/>
           </p:cNvSpPr>
@@ -1823,8 +1713,8 @@
         </p:nvSpPr>
         <p:spPr>
           <a:xfrm>
-            <a:off x="838080" y="4098240"/>
-            <a:ext cx="5131080" cy="2075040"/>
+            <a:off x="609480" y="3682080"/>
+            <a:ext cx="5354280" cy="1896840"/>
           </a:xfrm>
           <a:prstGeom prst="rect">
             <a:avLst/>
@@ -1835,18 +1725,15 @@
             <a:normAutofit/>
           </a:bodyPr>
           <a:p>
-            <a:endParaRPr b="0" lang="en-US" sz="2800" spc="-1" strike="noStrike">
-              <a:solidFill>
-                <a:srgbClr val="000000"/>
-              </a:solidFill>
-              <a:latin typeface="Calibri"/>
-            </a:endParaRPr>
-          </a:p>
-        </p:txBody>
-      </p:sp>
-      <p:sp>
-        <p:nvSpPr>
-          <p:cNvPr id="74" name="PlaceHolder 5"/>
+            <a:endParaRPr b="0" lang="en-US" sz="3200" spc="-1" strike="noStrike">
+              <a:latin typeface="Arial"/>
+            </a:endParaRPr>
+          </a:p>
+        </p:txBody>
+      </p:sp>
+      <p:sp>
+        <p:nvSpPr>
+          <p:cNvPr id="68" name="PlaceHolder 5"/>
           <p:cNvSpPr>
             <a:spLocks noGrp="1"/>
           </p:cNvSpPr>
@@ -1856,8 +1743,8 @@
         </p:nvSpPr>
         <p:spPr>
           <a:xfrm>
-            <a:off x="6226200" y="4098240"/>
-            <a:ext cx="5131080" cy="2075040"/>
+            <a:off x="6231960" y="3682080"/>
+            <a:ext cx="5354280" cy="1896840"/>
           </a:xfrm>
           <a:prstGeom prst="rect">
             <a:avLst/>
@@ -1868,11 +1755,8 @@
             <a:normAutofit/>
           </a:bodyPr>
           <a:p>
-            <a:endParaRPr b="0" lang="en-US" sz="2800" spc="-1" strike="noStrike">
-              <a:solidFill>
-                <a:srgbClr val="000000"/>
-              </a:solidFill>
-              <a:latin typeface="Calibri"/>
+            <a:endParaRPr b="0" lang="en-US" sz="3200" spc="-1" strike="noStrike">
+              <a:latin typeface="Arial"/>
             </a:endParaRPr>
           </a:p>
         </p:txBody>
@@ -1901,7 +1785,7 @@
       </p:grpSpPr>
       <p:sp>
         <p:nvSpPr>
-          <p:cNvPr id="75" name="PlaceHolder 1"/>
+          <p:cNvPr id="69" name="PlaceHolder 1"/>
           <p:cNvSpPr>
             <a:spLocks noGrp="1"/>
           </p:cNvSpPr>
@@ -1911,8 +1795,8 @@
         </p:nvSpPr>
         <p:spPr>
           <a:xfrm>
-            <a:off x="838080" y="365040"/>
-            <a:ext cx="10515240" cy="1325160"/>
+            <a:off x="609480" y="273600"/>
+            <a:ext cx="10972440" cy="1144800"/>
           </a:xfrm>
           <a:prstGeom prst="rect">
             <a:avLst/>
@@ -1923,18 +1807,16 @@
             <a:spAutoFit/>
           </a:bodyPr>
           <a:p>
-            <a:endParaRPr b="0" lang="en-US" sz="1800" spc="-1" strike="noStrike">
-              <a:solidFill>
-                <a:srgbClr val="000000"/>
-              </a:solidFill>
-              <a:latin typeface="Calibri"/>
-            </a:endParaRPr>
-          </a:p>
-        </p:txBody>
-      </p:sp>
-      <p:sp>
-        <p:nvSpPr>
-          <p:cNvPr id="76" name="PlaceHolder 2"/>
+            <a:pPr algn="ctr"/>
+            <a:endParaRPr b="0" lang="en-US" sz="4400" spc="-1" strike="noStrike">
+              <a:latin typeface="Arial"/>
+            </a:endParaRPr>
+          </a:p>
+        </p:txBody>
+      </p:sp>
+      <p:sp>
+        <p:nvSpPr>
+          <p:cNvPr id="70" name="PlaceHolder 2"/>
           <p:cNvSpPr>
             <a:spLocks noGrp="1"/>
           </p:cNvSpPr>
@@ -1944,8 +1826,8 @@
         </p:nvSpPr>
         <p:spPr>
           <a:xfrm>
-            <a:off x="838080" y="1825560"/>
-            <a:ext cx="3385800" cy="2075040"/>
+            <a:off x="609480" y="1604520"/>
+            <a:ext cx="3533040" cy="1896840"/>
           </a:xfrm>
           <a:prstGeom prst="rect">
             <a:avLst/>
@@ -1956,18 +1838,15 @@
             <a:normAutofit/>
           </a:bodyPr>
           <a:p>
-            <a:endParaRPr b="0" lang="en-US" sz="2800" spc="-1" strike="noStrike">
-              <a:solidFill>
-                <a:srgbClr val="000000"/>
-              </a:solidFill>
-              <a:latin typeface="Calibri"/>
-            </a:endParaRPr>
-          </a:p>
-        </p:txBody>
-      </p:sp>
-      <p:sp>
-        <p:nvSpPr>
-          <p:cNvPr id="77" name="PlaceHolder 3"/>
+            <a:endParaRPr b="0" lang="en-US" sz="3200" spc="-1" strike="noStrike">
+              <a:latin typeface="Arial"/>
+            </a:endParaRPr>
+          </a:p>
+        </p:txBody>
+      </p:sp>
+      <p:sp>
+        <p:nvSpPr>
+          <p:cNvPr id="71" name="PlaceHolder 3"/>
           <p:cNvSpPr>
             <a:spLocks noGrp="1"/>
           </p:cNvSpPr>
@@ -1977,8 +1856,8 @@
         </p:nvSpPr>
         <p:spPr>
           <a:xfrm>
-            <a:off x="4393440" y="1825560"/>
-            <a:ext cx="3385800" cy="2075040"/>
+            <a:off x="4319640" y="1604520"/>
+            <a:ext cx="3533040" cy="1896840"/>
           </a:xfrm>
           <a:prstGeom prst="rect">
             <a:avLst/>
@@ -1989,18 +1868,15 @@
             <a:normAutofit/>
           </a:bodyPr>
           <a:p>
-            <a:endParaRPr b="0" lang="en-US" sz="2800" spc="-1" strike="noStrike">
-              <a:solidFill>
-                <a:srgbClr val="000000"/>
-              </a:solidFill>
-              <a:latin typeface="Calibri"/>
-            </a:endParaRPr>
-          </a:p>
-        </p:txBody>
-      </p:sp>
-      <p:sp>
-        <p:nvSpPr>
-          <p:cNvPr id="78" name="PlaceHolder 4"/>
+            <a:endParaRPr b="0" lang="en-US" sz="3200" spc="-1" strike="noStrike">
+              <a:latin typeface="Arial"/>
+            </a:endParaRPr>
+          </a:p>
+        </p:txBody>
+      </p:sp>
+      <p:sp>
+        <p:nvSpPr>
+          <p:cNvPr id="72" name="PlaceHolder 4"/>
           <p:cNvSpPr>
             <a:spLocks noGrp="1"/>
           </p:cNvSpPr>
@@ -2010,8 +1886,8 @@
         </p:nvSpPr>
         <p:spPr>
           <a:xfrm>
-            <a:off x="7949160" y="1825560"/>
-            <a:ext cx="3385800" cy="2075040"/>
+            <a:off x="8029800" y="1604520"/>
+            <a:ext cx="3533040" cy="1896840"/>
           </a:xfrm>
           <a:prstGeom prst="rect">
             <a:avLst/>
@@ -2022,18 +1898,15 @@
             <a:normAutofit/>
           </a:bodyPr>
           <a:p>
-            <a:endParaRPr b="0" lang="en-US" sz="2800" spc="-1" strike="noStrike">
-              <a:solidFill>
-                <a:srgbClr val="000000"/>
-              </a:solidFill>
-              <a:latin typeface="Calibri"/>
-            </a:endParaRPr>
-          </a:p>
-        </p:txBody>
-      </p:sp>
-      <p:sp>
-        <p:nvSpPr>
-          <p:cNvPr id="79" name="PlaceHolder 5"/>
+            <a:endParaRPr b="0" lang="en-US" sz="3200" spc="-1" strike="noStrike">
+              <a:latin typeface="Arial"/>
+            </a:endParaRPr>
+          </a:p>
+        </p:txBody>
+      </p:sp>
+      <p:sp>
+        <p:nvSpPr>
+          <p:cNvPr id="73" name="PlaceHolder 5"/>
           <p:cNvSpPr>
             <a:spLocks noGrp="1"/>
           </p:cNvSpPr>
@@ -2043,8 +1916,8 @@
         </p:nvSpPr>
         <p:spPr>
           <a:xfrm>
-            <a:off x="838080" y="4098240"/>
-            <a:ext cx="3385800" cy="2075040"/>
+            <a:off x="609480" y="3682080"/>
+            <a:ext cx="3533040" cy="1896840"/>
           </a:xfrm>
           <a:prstGeom prst="rect">
             <a:avLst/>
@@ -2055,18 +1928,15 @@
             <a:normAutofit/>
           </a:bodyPr>
           <a:p>
-            <a:endParaRPr b="0" lang="en-US" sz="2800" spc="-1" strike="noStrike">
-              <a:solidFill>
-                <a:srgbClr val="000000"/>
-              </a:solidFill>
-              <a:latin typeface="Calibri"/>
-            </a:endParaRPr>
-          </a:p>
-        </p:txBody>
-      </p:sp>
-      <p:sp>
-        <p:nvSpPr>
-          <p:cNvPr id="80" name="PlaceHolder 6"/>
+            <a:endParaRPr b="0" lang="en-US" sz="3200" spc="-1" strike="noStrike">
+              <a:latin typeface="Arial"/>
+            </a:endParaRPr>
+          </a:p>
+        </p:txBody>
+      </p:sp>
+      <p:sp>
+        <p:nvSpPr>
+          <p:cNvPr id="74" name="PlaceHolder 6"/>
           <p:cNvSpPr>
             <a:spLocks noGrp="1"/>
           </p:cNvSpPr>
@@ -2076,8 +1946,8 @@
         </p:nvSpPr>
         <p:spPr>
           <a:xfrm>
-            <a:off x="4393440" y="4098240"/>
-            <a:ext cx="3385800" cy="2075040"/>
+            <a:off x="4319640" y="3682080"/>
+            <a:ext cx="3533040" cy="1896840"/>
           </a:xfrm>
           <a:prstGeom prst="rect">
             <a:avLst/>
@@ -2088,18 +1958,15 @@
             <a:normAutofit/>
           </a:bodyPr>
           <a:p>
-            <a:endParaRPr b="0" lang="en-US" sz="2800" spc="-1" strike="noStrike">
-              <a:solidFill>
-                <a:srgbClr val="000000"/>
-              </a:solidFill>
-              <a:latin typeface="Calibri"/>
-            </a:endParaRPr>
-          </a:p>
-        </p:txBody>
-      </p:sp>
-      <p:sp>
-        <p:nvSpPr>
-          <p:cNvPr id="81" name="PlaceHolder 7"/>
+            <a:endParaRPr b="0" lang="en-US" sz="3200" spc="-1" strike="noStrike">
+              <a:latin typeface="Arial"/>
+            </a:endParaRPr>
+          </a:p>
+        </p:txBody>
+      </p:sp>
+      <p:sp>
+        <p:nvSpPr>
+          <p:cNvPr id="75" name="PlaceHolder 7"/>
           <p:cNvSpPr>
             <a:spLocks noGrp="1"/>
           </p:cNvSpPr>
@@ -2109,8 +1976,8 @@
         </p:nvSpPr>
         <p:spPr>
           <a:xfrm>
-            <a:off x="7949160" y="4098240"/>
-            <a:ext cx="3385800" cy="2075040"/>
+            <a:off x="8029800" y="3682080"/>
+            <a:ext cx="3533040" cy="1896840"/>
           </a:xfrm>
           <a:prstGeom prst="rect">
             <a:avLst/>
@@ -2121,11 +1988,8 @@
             <a:normAutofit/>
           </a:bodyPr>
           <a:p>
-            <a:endParaRPr b="0" lang="en-US" sz="2800" spc="-1" strike="noStrike">
-              <a:solidFill>
-                <a:srgbClr val="000000"/>
-              </a:solidFill>
-              <a:latin typeface="Calibri"/>
+            <a:endParaRPr b="0" lang="en-US" sz="3200" spc="-1" strike="noStrike">
+              <a:latin typeface="Arial"/>
             </a:endParaRPr>
           </a:p>
         </p:txBody>
@@ -2154,7 +2018,7 @@
       </p:grpSpPr>
       <p:sp>
         <p:nvSpPr>
-          <p:cNvPr id="7" name="PlaceHolder 1"/>
+          <p:cNvPr id="4" name="PlaceHolder 1"/>
           <p:cNvSpPr>
             <a:spLocks noGrp="1"/>
           </p:cNvSpPr>
@@ -2164,8 +2028,8 @@
         </p:nvSpPr>
         <p:spPr>
           <a:xfrm>
-            <a:off x="838080" y="365040"/>
-            <a:ext cx="10515240" cy="1325160"/>
+            <a:off x="609480" y="273600"/>
+            <a:ext cx="10972440" cy="1144800"/>
           </a:xfrm>
           <a:prstGeom prst="rect">
             <a:avLst/>
@@ -2176,18 +2040,16 @@
             <a:spAutoFit/>
           </a:bodyPr>
           <a:p>
-            <a:endParaRPr b="0" lang="en-US" sz="1800" spc="-1" strike="noStrike">
-              <a:solidFill>
-                <a:srgbClr val="000000"/>
-              </a:solidFill>
-              <a:latin typeface="Calibri"/>
-            </a:endParaRPr>
-          </a:p>
-        </p:txBody>
-      </p:sp>
-      <p:sp>
-        <p:nvSpPr>
-          <p:cNvPr id="8" name="PlaceHolder 2"/>
+            <a:pPr algn="ctr"/>
+            <a:endParaRPr b="0" lang="en-US" sz="4400" spc="-1" strike="noStrike">
+              <a:latin typeface="Arial"/>
+            </a:endParaRPr>
+          </a:p>
+        </p:txBody>
+      </p:sp>
+      <p:sp>
+        <p:nvSpPr>
+          <p:cNvPr id="5" name="PlaceHolder 2"/>
           <p:cNvSpPr>
             <a:spLocks noGrp="1"/>
           </p:cNvSpPr>
@@ -2197,8 +2059,8 @@
         </p:nvSpPr>
         <p:spPr>
           <a:xfrm>
-            <a:off x="838080" y="1825560"/>
-            <a:ext cx="10515240" cy="4350960"/>
+            <a:off x="609480" y="1604520"/>
+            <a:ext cx="10972440" cy="3977280"/>
           </a:xfrm>
           <a:prstGeom prst="rect">
             <a:avLst/>
@@ -2209,11 +2071,8 @@
             <a:normAutofit/>
           </a:bodyPr>
           <a:p>
-            <a:endParaRPr b="0" lang="en-US" sz="2800" spc="-1" strike="noStrike">
-              <a:solidFill>
-                <a:srgbClr val="000000"/>
-              </a:solidFill>
-              <a:latin typeface="Calibri"/>
+            <a:endParaRPr b="0" lang="en-US" sz="3200" spc="-1" strike="noStrike">
+              <a:latin typeface="Arial"/>
             </a:endParaRPr>
           </a:p>
         </p:txBody>
@@ -2242,7 +2101,7 @@
       </p:grpSpPr>
       <p:sp>
         <p:nvSpPr>
-          <p:cNvPr id="9" name="PlaceHolder 1"/>
+          <p:cNvPr id="6" name="PlaceHolder 1"/>
           <p:cNvSpPr>
             <a:spLocks noGrp="1"/>
           </p:cNvSpPr>
@@ -2252,8 +2111,8 @@
         </p:nvSpPr>
         <p:spPr>
           <a:xfrm>
-            <a:off x="838080" y="365040"/>
-            <a:ext cx="10515240" cy="1325160"/>
+            <a:off x="609480" y="273600"/>
+            <a:ext cx="10972440" cy="1144800"/>
           </a:xfrm>
           <a:prstGeom prst="rect">
             <a:avLst/>
@@ -2264,18 +2123,16 @@
             <a:spAutoFit/>
           </a:bodyPr>
           <a:p>
-            <a:endParaRPr b="0" lang="en-US" sz="1800" spc="-1" strike="noStrike">
-              <a:solidFill>
-                <a:srgbClr val="000000"/>
-              </a:solidFill>
-              <a:latin typeface="Calibri"/>
-            </a:endParaRPr>
-          </a:p>
-        </p:txBody>
-      </p:sp>
-      <p:sp>
-        <p:nvSpPr>
-          <p:cNvPr id="10" name="PlaceHolder 2"/>
+            <a:pPr algn="ctr"/>
+            <a:endParaRPr b="0" lang="en-US" sz="4400" spc="-1" strike="noStrike">
+              <a:latin typeface="Arial"/>
+            </a:endParaRPr>
+          </a:p>
+        </p:txBody>
+      </p:sp>
+      <p:sp>
+        <p:nvSpPr>
+          <p:cNvPr id="7" name="PlaceHolder 2"/>
           <p:cNvSpPr>
             <a:spLocks noGrp="1"/>
           </p:cNvSpPr>
@@ -2285,8 +2142,8 @@
         </p:nvSpPr>
         <p:spPr>
           <a:xfrm>
-            <a:off x="838080" y="1825560"/>
-            <a:ext cx="5131080" cy="4350960"/>
+            <a:off x="609480" y="1604520"/>
+            <a:ext cx="5354280" cy="3977280"/>
           </a:xfrm>
           <a:prstGeom prst="rect">
             <a:avLst/>
@@ -2297,18 +2154,15 @@
             <a:normAutofit/>
           </a:bodyPr>
           <a:p>
-            <a:endParaRPr b="0" lang="en-US" sz="2800" spc="-1" strike="noStrike">
-              <a:solidFill>
-                <a:srgbClr val="000000"/>
-              </a:solidFill>
-              <a:latin typeface="Calibri"/>
-            </a:endParaRPr>
-          </a:p>
-        </p:txBody>
-      </p:sp>
-      <p:sp>
-        <p:nvSpPr>
-          <p:cNvPr id="11" name="PlaceHolder 3"/>
+            <a:endParaRPr b="0" lang="en-US" sz="3200" spc="-1" strike="noStrike">
+              <a:latin typeface="Arial"/>
+            </a:endParaRPr>
+          </a:p>
+        </p:txBody>
+      </p:sp>
+      <p:sp>
+        <p:nvSpPr>
+          <p:cNvPr id="8" name="PlaceHolder 3"/>
           <p:cNvSpPr>
             <a:spLocks noGrp="1"/>
           </p:cNvSpPr>
@@ -2318,8 +2172,8 @@
         </p:nvSpPr>
         <p:spPr>
           <a:xfrm>
-            <a:off x="6226200" y="1825560"/>
-            <a:ext cx="5131080" cy="4350960"/>
+            <a:off x="6231960" y="1604520"/>
+            <a:ext cx="5354280" cy="3977280"/>
           </a:xfrm>
           <a:prstGeom prst="rect">
             <a:avLst/>
@@ -2330,11 +2184,8 @@
             <a:normAutofit/>
           </a:bodyPr>
           <a:p>
-            <a:endParaRPr b="0" lang="en-US" sz="2800" spc="-1" strike="noStrike">
-              <a:solidFill>
-                <a:srgbClr val="000000"/>
-              </a:solidFill>
-              <a:latin typeface="Calibri"/>
+            <a:endParaRPr b="0" lang="en-US" sz="3200" spc="-1" strike="noStrike">
+              <a:latin typeface="Arial"/>
             </a:endParaRPr>
           </a:p>
         </p:txBody>
@@ -2363,7 +2214,7 @@
       </p:grpSpPr>
       <p:sp>
         <p:nvSpPr>
-          <p:cNvPr id="12" name="PlaceHolder 1"/>
+          <p:cNvPr id="9" name="PlaceHolder 1"/>
           <p:cNvSpPr>
             <a:spLocks noGrp="1"/>
           </p:cNvSpPr>
@@ -2373,8 +2224,8 @@
         </p:nvSpPr>
         <p:spPr>
           <a:xfrm>
-            <a:off x="838080" y="365040"/>
-            <a:ext cx="10515240" cy="1325160"/>
+            <a:off x="609480" y="273600"/>
+            <a:ext cx="10972440" cy="1144800"/>
           </a:xfrm>
           <a:prstGeom prst="rect">
             <a:avLst/>
@@ -2385,11 +2236,9 @@
             <a:spAutoFit/>
           </a:bodyPr>
           <a:p>
-            <a:endParaRPr b="0" lang="en-US" sz="1800" spc="-1" strike="noStrike">
-              <a:solidFill>
-                <a:srgbClr val="000000"/>
-              </a:solidFill>
-              <a:latin typeface="Calibri"/>
+            <a:pPr algn="ctr"/>
+            <a:endParaRPr b="0" lang="en-US" sz="4400" spc="-1" strike="noStrike">
+              <a:latin typeface="Arial"/>
             </a:endParaRPr>
           </a:p>
         </p:txBody>
@@ -2418,7 +2267,7 @@
       </p:grpSpPr>
       <p:sp>
         <p:nvSpPr>
-          <p:cNvPr id="13" name="PlaceHolder 1"/>
+          <p:cNvPr id="10" name="PlaceHolder 1"/>
           <p:cNvSpPr>
             <a:spLocks noGrp="1"/>
           </p:cNvSpPr>
@@ -2428,8 +2277,8 @@
         </p:nvSpPr>
         <p:spPr>
           <a:xfrm>
-            <a:off x="838080" y="365040"/>
-            <a:ext cx="10515240" cy="6144120"/>
+            <a:off x="609480" y="273600"/>
+            <a:ext cx="10972440" cy="5307840"/>
           </a:xfrm>
           <a:prstGeom prst="rect">
             <a:avLst/>
@@ -2471,7 +2320,7 @@
       </p:grpSpPr>
       <p:sp>
         <p:nvSpPr>
-          <p:cNvPr id="14" name="PlaceHolder 1"/>
+          <p:cNvPr id="11" name="PlaceHolder 1"/>
           <p:cNvSpPr>
             <a:spLocks noGrp="1"/>
           </p:cNvSpPr>
@@ -2481,8 +2330,8 @@
         </p:nvSpPr>
         <p:spPr>
           <a:xfrm>
-            <a:off x="838080" y="365040"/>
-            <a:ext cx="10515240" cy="1325160"/>
+            <a:off x="609480" y="273600"/>
+            <a:ext cx="10972440" cy="1144800"/>
           </a:xfrm>
           <a:prstGeom prst="rect">
             <a:avLst/>
@@ -2493,18 +2342,16 @@
             <a:spAutoFit/>
           </a:bodyPr>
           <a:p>
-            <a:endParaRPr b="0" lang="en-US" sz="1800" spc="-1" strike="noStrike">
-              <a:solidFill>
-                <a:srgbClr val="000000"/>
-              </a:solidFill>
-              <a:latin typeface="Calibri"/>
-            </a:endParaRPr>
-          </a:p>
-        </p:txBody>
-      </p:sp>
-      <p:sp>
-        <p:nvSpPr>
-          <p:cNvPr id="15" name="PlaceHolder 2"/>
+            <a:pPr algn="ctr"/>
+            <a:endParaRPr b="0" lang="en-US" sz="4400" spc="-1" strike="noStrike">
+              <a:latin typeface="Arial"/>
+            </a:endParaRPr>
+          </a:p>
+        </p:txBody>
+      </p:sp>
+      <p:sp>
+        <p:nvSpPr>
+          <p:cNvPr id="12" name="PlaceHolder 2"/>
           <p:cNvSpPr>
             <a:spLocks noGrp="1"/>
           </p:cNvSpPr>
@@ -2514,8 +2361,8 @@
         </p:nvSpPr>
         <p:spPr>
           <a:xfrm>
-            <a:off x="838080" y="1825560"/>
-            <a:ext cx="5131080" cy="2075040"/>
+            <a:off x="609480" y="1604520"/>
+            <a:ext cx="5354280" cy="1896840"/>
           </a:xfrm>
           <a:prstGeom prst="rect">
             <a:avLst/>
@@ -2526,18 +2373,15 @@
             <a:normAutofit/>
           </a:bodyPr>
           <a:p>
-            <a:endParaRPr b="0" lang="en-US" sz="2800" spc="-1" strike="noStrike">
-              <a:solidFill>
-                <a:srgbClr val="000000"/>
-              </a:solidFill>
-              <a:latin typeface="Calibri"/>
-            </a:endParaRPr>
-          </a:p>
-        </p:txBody>
-      </p:sp>
-      <p:sp>
-        <p:nvSpPr>
-          <p:cNvPr id="16" name="PlaceHolder 3"/>
+            <a:endParaRPr b="0" lang="en-US" sz="3200" spc="-1" strike="noStrike">
+              <a:latin typeface="Arial"/>
+            </a:endParaRPr>
+          </a:p>
+        </p:txBody>
+      </p:sp>
+      <p:sp>
+        <p:nvSpPr>
+          <p:cNvPr id="13" name="PlaceHolder 3"/>
           <p:cNvSpPr>
             <a:spLocks noGrp="1"/>
           </p:cNvSpPr>
@@ -2547,8 +2391,8 @@
         </p:nvSpPr>
         <p:spPr>
           <a:xfrm>
-            <a:off x="6226200" y="1825560"/>
-            <a:ext cx="5131080" cy="4350960"/>
+            <a:off x="6231960" y="1604520"/>
+            <a:ext cx="5354280" cy="3977280"/>
           </a:xfrm>
           <a:prstGeom prst="rect">
             <a:avLst/>
@@ -2559,18 +2403,15 @@
             <a:normAutofit/>
           </a:bodyPr>
           <a:p>
-            <a:endParaRPr b="0" lang="en-US" sz="2800" spc="-1" strike="noStrike">
-              <a:solidFill>
-                <a:srgbClr val="000000"/>
-              </a:solidFill>
-              <a:latin typeface="Calibri"/>
-            </a:endParaRPr>
-          </a:p>
-        </p:txBody>
-      </p:sp>
-      <p:sp>
-        <p:nvSpPr>
-          <p:cNvPr id="17" name="PlaceHolder 4"/>
+            <a:endParaRPr b="0" lang="en-US" sz="3200" spc="-1" strike="noStrike">
+              <a:latin typeface="Arial"/>
+            </a:endParaRPr>
+          </a:p>
+        </p:txBody>
+      </p:sp>
+      <p:sp>
+        <p:nvSpPr>
+          <p:cNvPr id="14" name="PlaceHolder 4"/>
           <p:cNvSpPr>
             <a:spLocks noGrp="1"/>
           </p:cNvSpPr>
@@ -2580,8 +2421,8 @@
         </p:nvSpPr>
         <p:spPr>
           <a:xfrm>
-            <a:off x="838080" y="4098240"/>
-            <a:ext cx="5131080" cy="2075040"/>
+            <a:off x="609480" y="3682080"/>
+            <a:ext cx="5354280" cy="1896840"/>
           </a:xfrm>
           <a:prstGeom prst="rect">
             <a:avLst/>
@@ -2592,11 +2433,8 @@
             <a:normAutofit/>
           </a:bodyPr>
           <a:p>
-            <a:endParaRPr b="0" lang="en-US" sz="2800" spc="-1" strike="noStrike">
-              <a:solidFill>
-                <a:srgbClr val="000000"/>
-              </a:solidFill>
-              <a:latin typeface="Calibri"/>
+            <a:endParaRPr b="0" lang="en-US" sz="3200" spc="-1" strike="noStrike">
+              <a:latin typeface="Arial"/>
             </a:endParaRPr>
           </a:p>
         </p:txBody>
@@ -2625,7 +2463,7 @@
       </p:grpSpPr>
       <p:sp>
         <p:nvSpPr>
-          <p:cNvPr id="18" name="PlaceHolder 1"/>
+          <p:cNvPr id="15" name="PlaceHolder 1"/>
           <p:cNvSpPr>
             <a:spLocks noGrp="1"/>
           </p:cNvSpPr>
@@ -2635,8 +2473,8 @@
         </p:nvSpPr>
         <p:spPr>
           <a:xfrm>
-            <a:off x="838080" y="365040"/>
-            <a:ext cx="10515240" cy="1325160"/>
+            <a:off x="609480" y="273600"/>
+            <a:ext cx="10972440" cy="1144800"/>
           </a:xfrm>
           <a:prstGeom prst="rect">
             <a:avLst/>
@@ -2647,18 +2485,16 @@
             <a:spAutoFit/>
           </a:bodyPr>
           <a:p>
-            <a:endParaRPr b="0" lang="en-US" sz="1800" spc="-1" strike="noStrike">
-              <a:solidFill>
-                <a:srgbClr val="000000"/>
-              </a:solidFill>
-              <a:latin typeface="Calibri"/>
-            </a:endParaRPr>
-          </a:p>
-        </p:txBody>
-      </p:sp>
-      <p:sp>
-        <p:nvSpPr>
-          <p:cNvPr id="19" name="PlaceHolder 2"/>
+            <a:pPr algn="ctr"/>
+            <a:endParaRPr b="0" lang="en-US" sz="4400" spc="-1" strike="noStrike">
+              <a:latin typeface="Arial"/>
+            </a:endParaRPr>
+          </a:p>
+        </p:txBody>
+      </p:sp>
+      <p:sp>
+        <p:nvSpPr>
+          <p:cNvPr id="16" name="PlaceHolder 2"/>
           <p:cNvSpPr>
             <a:spLocks noGrp="1"/>
           </p:cNvSpPr>
@@ -2668,8 +2504,8 @@
         </p:nvSpPr>
         <p:spPr>
           <a:xfrm>
-            <a:off x="838080" y="1825560"/>
-            <a:ext cx="5131080" cy="4350960"/>
+            <a:off x="609480" y="1604520"/>
+            <a:ext cx="5354280" cy="3977280"/>
           </a:xfrm>
           <a:prstGeom prst="rect">
             <a:avLst/>
@@ -2680,18 +2516,15 @@
             <a:normAutofit/>
           </a:bodyPr>
           <a:p>
-            <a:endParaRPr b="0" lang="en-US" sz="2800" spc="-1" strike="noStrike">
-              <a:solidFill>
-                <a:srgbClr val="000000"/>
-              </a:solidFill>
-              <a:latin typeface="Calibri"/>
-            </a:endParaRPr>
-          </a:p>
-        </p:txBody>
-      </p:sp>
-      <p:sp>
-        <p:nvSpPr>
-          <p:cNvPr id="20" name="PlaceHolder 3"/>
+            <a:endParaRPr b="0" lang="en-US" sz="3200" spc="-1" strike="noStrike">
+              <a:latin typeface="Arial"/>
+            </a:endParaRPr>
+          </a:p>
+        </p:txBody>
+      </p:sp>
+      <p:sp>
+        <p:nvSpPr>
+          <p:cNvPr id="17" name="PlaceHolder 3"/>
           <p:cNvSpPr>
             <a:spLocks noGrp="1"/>
           </p:cNvSpPr>
@@ -2701,8 +2534,8 @@
         </p:nvSpPr>
         <p:spPr>
           <a:xfrm>
-            <a:off x="6226200" y="1825560"/>
-            <a:ext cx="5131080" cy="2075040"/>
+            <a:off x="6231960" y="1604520"/>
+            <a:ext cx="5354280" cy="1896840"/>
           </a:xfrm>
           <a:prstGeom prst="rect">
             <a:avLst/>
@@ -2713,18 +2546,15 @@
             <a:normAutofit/>
           </a:bodyPr>
           <a:p>
-            <a:endParaRPr b="0" lang="en-US" sz="2800" spc="-1" strike="noStrike">
-              <a:solidFill>
-                <a:srgbClr val="000000"/>
-              </a:solidFill>
-              <a:latin typeface="Calibri"/>
-            </a:endParaRPr>
-          </a:p>
-        </p:txBody>
-      </p:sp>
-      <p:sp>
-        <p:nvSpPr>
-          <p:cNvPr id="21" name="PlaceHolder 4"/>
+            <a:endParaRPr b="0" lang="en-US" sz="3200" spc="-1" strike="noStrike">
+              <a:latin typeface="Arial"/>
+            </a:endParaRPr>
+          </a:p>
+        </p:txBody>
+      </p:sp>
+      <p:sp>
+        <p:nvSpPr>
+          <p:cNvPr id="18" name="PlaceHolder 4"/>
           <p:cNvSpPr>
             <a:spLocks noGrp="1"/>
           </p:cNvSpPr>
@@ -2734,8 +2564,8 @@
         </p:nvSpPr>
         <p:spPr>
           <a:xfrm>
-            <a:off x="6226200" y="4098240"/>
-            <a:ext cx="5131080" cy="2075040"/>
+            <a:off x="6231960" y="3682080"/>
+            <a:ext cx="5354280" cy="1896840"/>
           </a:xfrm>
           <a:prstGeom prst="rect">
             <a:avLst/>
@@ -2746,11 +2576,8 @@
             <a:normAutofit/>
           </a:bodyPr>
           <a:p>
-            <a:endParaRPr b="0" lang="en-US" sz="2800" spc="-1" strike="noStrike">
-              <a:solidFill>
-                <a:srgbClr val="000000"/>
-              </a:solidFill>
-              <a:latin typeface="Calibri"/>
+            <a:endParaRPr b="0" lang="en-US" sz="3200" spc="-1" strike="noStrike">
+              <a:latin typeface="Arial"/>
             </a:endParaRPr>
           </a:p>
         </p:txBody>
@@ -2779,7 +2606,7 @@
       </p:grpSpPr>
       <p:sp>
         <p:nvSpPr>
-          <p:cNvPr id="22" name="PlaceHolder 1"/>
+          <p:cNvPr id="19" name="PlaceHolder 1"/>
           <p:cNvSpPr>
             <a:spLocks noGrp="1"/>
           </p:cNvSpPr>
@@ -2789,8 +2616,8 @@
         </p:nvSpPr>
         <p:spPr>
           <a:xfrm>
-            <a:off x="838080" y="365040"/>
-            <a:ext cx="10515240" cy="1325160"/>
+            <a:off x="609480" y="273600"/>
+            <a:ext cx="10972440" cy="1144800"/>
           </a:xfrm>
           <a:prstGeom prst="rect">
             <a:avLst/>
@@ -2801,18 +2628,16 @@
             <a:spAutoFit/>
           </a:bodyPr>
           <a:p>
-            <a:endParaRPr b="0" lang="en-US" sz="1800" spc="-1" strike="noStrike">
-              <a:solidFill>
-                <a:srgbClr val="000000"/>
-              </a:solidFill>
-              <a:latin typeface="Calibri"/>
-            </a:endParaRPr>
-          </a:p>
-        </p:txBody>
-      </p:sp>
-      <p:sp>
-        <p:nvSpPr>
-          <p:cNvPr id="23" name="PlaceHolder 2"/>
+            <a:pPr algn="ctr"/>
+            <a:endParaRPr b="0" lang="en-US" sz="4400" spc="-1" strike="noStrike">
+              <a:latin typeface="Arial"/>
+            </a:endParaRPr>
+          </a:p>
+        </p:txBody>
+      </p:sp>
+      <p:sp>
+        <p:nvSpPr>
+          <p:cNvPr id="20" name="PlaceHolder 2"/>
           <p:cNvSpPr>
             <a:spLocks noGrp="1"/>
           </p:cNvSpPr>
@@ -2822,8 +2647,8 @@
         </p:nvSpPr>
         <p:spPr>
           <a:xfrm>
-            <a:off x="838080" y="1825560"/>
-            <a:ext cx="5131080" cy="2075040"/>
+            <a:off x="609480" y="1604520"/>
+            <a:ext cx="5354280" cy="1896840"/>
           </a:xfrm>
           <a:prstGeom prst="rect">
             <a:avLst/>
@@ -2834,18 +2659,15 @@
             <a:normAutofit/>
           </a:bodyPr>
           <a:p>
-            <a:endParaRPr b="0" lang="en-US" sz="2800" spc="-1" strike="noStrike">
-              <a:solidFill>
-                <a:srgbClr val="000000"/>
-              </a:solidFill>
-              <a:latin typeface="Calibri"/>
-            </a:endParaRPr>
-          </a:p>
-        </p:txBody>
-      </p:sp>
-      <p:sp>
-        <p:nvSpPr>
-          <p:cNvPr id="24" name="PlaceHolder 3"/>
+            <a:endParaRPr b="0" lang="en-US" sz="3200" spc="-1" strike="noStrike">
+              <a:latin typeface="Arial"/>
+            </a:endParaRPr>
+          </a:p>
+        </p:txBody>
+      </p:sp>
+      <p:sp>
+        <p:nvSpPr>
+          <p:cNvPr id="21" name="PlaceHolder 3"/>
           <p:cNvSpPr>
             <a:spLocks noGrp="1"/>
           </p:cNvSpPr>
@@ -2855,8 +2677,8 @@
         </p:nvSpPr>
         <p:spPr>
           <a:xfrm>
-            <a:off x="6226200" y="1825560"/>
-            <a:ext cx="5131080" cy="2075040"/>
+            <a:off x="6231960" y="1604520"/>
+            <a:ext cx="5354280" cy="1896840"/>
           </a:xfrm>
           <a:prstGeom prst="rect">
             <a:avLst/>
@@ -2867,18 +2689,15 @@
             <a:normAutofit/>
           </a:bodyPr>
           <a:p>
-            <a:endParaRPr b="0" lang="en-US" sz="2800" spc="-1" strike="noStrike">
-              <a:solidFill>
-                <a:srgbClr val="000000"/>
-              </a:solidFill>
-              <a:latin typeface="Calibri"/>
-            </a:endParaRPr>
-          </a:p>
-        </p:txBody>
-      </p:sp>
-      <p:sp>
-        <p:nvSpPr>
-          <p:cNvPr id="25" name="PlaceHolder 4"/>
+            <a:endParaRPr b="0" lang="en-US" sz="3200" spc="-1" strike="noStrike">
+              <a:latin typeface="Arial"/>
+            </a:endParaRPr>
+          </a:p>
+        </p:txBody>
+      </p:sp>
+      <p:sp>
+        <p:nvSpPr>
+          <p:cNvPr id="22" name="PlaceHolder 4"/>
           <p:cNvSpPr>
             <a:spLocks noGrp="1"/>
           </p:cNvSpPr>
@@ -2888,8 +2707,8 @@
         </p:nvSpPr>
         <p:spPr>
           <a:xfrm>
-            <a:off x="838080" y="4098240"/>
-            <a:ext cx="10515240" cy="2075040"/>
+            <a:off x="609480" y="3682080"/>
+            <a:ext cx="10972440" cy="1896840"/>
           </a:xfrm>
           <a:prstGeom prst="rect">
             <a:avLst/>
@@ -2900,11 +2719,8 @@
             <a:normAutofit/>
           </a:bodyPr>
           <a:p>
-            <a:endParaRPr b="0" lang="en-US" sz="2800" spc="-1" strike="noStrike">
-              <a:solidFill>
-                <a:srgbClr val="000000"/>
-              </a:solidFill>
-              <a:latin typeface="Calibri"/>
+            <a:endParaRPr b="0" lang="en-US" sz="3200" spc="-1" strike="noStrike">
+              <a:latin typeface="Arial"/>
             </a:endParaRPr>
           </a:p>
         </p:txBody>
@@ -2950,46 +2766,26 @@
         </p:nvSpPr>
         <p:spPr>
           <a:xfrm>
-            <a:off x="1523880" y="1122480"/>
-            <a:ext cx="9143640" cy="2387160"/>
-          </a:xfrm>
-          <a:prstGeom prst="rect">
-            <a:avLst/>
-          </a:prstGeom>
-        </p:spPr>
-        <p:txBody>
-          <a:bodyPr anchor="b">
-            <a:noAutofit/>
-          </a:bodyPr>
-          <a:p>
-            <a:pPr algn="ctr">
-              <a:lnSpc>
-                <a:spcPct val="90000"/>
-              </a:lnSpc>
-            </a:pPr>
+            <a:off x="838080" y="454680"/>
+            <a:ext cx="10514880" cy="1145160"/>
+          </a:xfrm>
+          <a:prstGeom prst="rect">
+            <a:avLst/>
+          </a:prstGeom>
+        </p:spPr>
+        <p:txBody>
+          <a:bodyPr lIns="0" rIns="0" tIns="0" bIns="0" anchor="ctr">
+            <a:spAutoFit/>
+          </a:bodyPr>
+          <a:p>
             <a:r>
-              <a:rPr b="0" lang="en-US" sz="6000" spc="-1" strike="noStrike">
-                <a:solidFill>
-                  <a:srgbClr val="000000"/>
-                </a:solidFill>
-                <a:latin typeface="Calibri Light"/>
+              <a:rPr b="0" lang="en-US" sz="1800" spc="-1" strike="noStrike">
+                <a:latin typeface="Arial"/>
               </a:rPr>
-              <a:t>Click to edit Master title </a:t>
+              <a:t>Click to edit the title text format</a:t>
             </a:r>
-            <a:r>
-              <a:rPr b="0" lang="en-US" sz="6000" spc="-1" strike="noStrike">
-                <a:solidFill>
-                  <a:srgbClr val="000000"/>
-                </a:solidFill>
-                <a:latin typeface="Calibri Light"/>
-              </a:rPr>
-              <a:t>style</a:t>
-            </a:r>
-            <a:endParaRPr b="0" lang="en-US" sz="6000" spc="-1" strike="noStrike">
-              <a:solidFill>
-                <a:srgbClr val="000000"/>
-              </a:solidFill>
-              <a:latin typeface="Calibri"/>
+            <a:endParaRPr b="0" lang="en-US" sz="1800" spc="-1" strike="noStrike">
+              <a:latin typeface="Arial"/>
             </a:endParaRPr>
           </a:p>
         </p:txBody>
@@ -2997,124 +2793,6 @@
       <p:sp>
         <p:nvSpPr>
           <p:cNvPr id="1" name="PlaceHolder 2"/>
-          <p:cNvSpPr>
-            <a:spLocks noGrp="1"/>
-          </p:cNvSpPr>
-          <p:nvPr>
-            <p:ph type="dt"/>
-          </p:nvPr>
-        </p:nvSpPr>
-        <p:spPr>
-          <a:xfrm>
-            <a:off x="838080" y="6356520"/>
-            <a:ext cx="2742840" cy="364680"/>
-          </a:xfrm>
-          <a:prstGeom prst="rect">
-            <a:avLst/>
-          </a:prstGeom>
-        </p:spPr>
-        <p:txBody>
-          <a:bodyPr anchor="ctr">
-            <a:noAutofit/>
-          </a:bodyPr>
-          <a:p>
-            <a:pPr>
-              <a:lnSpc>
-                <a:spcPct val="100000"/>
-              </a:lnSpc>
-            </a:pPr>
-            <a:fld id="{21F2534E-F528-4C0F-9208-F612FCC5695B}" type="datetime">
-              <a:rPr b="0" lang="en-US" sz="1200" spc="-1" strike="noStrike">
-                <a:solidFill>
-                  <a:srgbClr val="8b8b8b"/>
-                </a:solidFill>
-                <a:latin typeface="Calibri"/>
-              </a:rPr>
-              <a:t>2/18/19</a:t>
-            </a:fld>
-            <a:endParaRPr b="0" lang="en-US" sz="1200" spc="-1" strike="noStrike">
-              <a:latin typeface="Times New Roman"/>
-            </a:endParaRPr>
-          </a:p>
-        </p:txBody>
-      </p:sp>
-      <p:sp>
-        <p:nvSpPr>
-          <p:cNvPr id="2" name="PlaceHolder 3"/>
-          <p:cNvSpPr>
-            <a:spLocks noGrp="1"/>
-          </p:cNvSpPr>
-          <p:nvPr>
-            <p:ph type="ftr"/>
-          </p:nvPr>
-        </p:nvSpPr>
-        <p:spPr>
-          <a:xfrm>
-            <a:off x="4038480" y="6356520"/>
-            <a:ext cx="4114440" cy="364680"/>
-          </a:xfrm>
-          <a:prstGeom prst="rect">
-            <a:avLst/>
-          </a:prstGeom>
-        </p:spPr>
-        <p:txBody>
-          <a:bodyPr anchor="ctr">
-            <a:noAutofit/>
-          </a:bodyPr>
-          <a:p>
-            <a:endParaRPr b="0" lang="en-US" sz="2400" spc="-1" strike="noStrike">
-              <a:latin typeface="Times New Roman"/>
-            </a:endParaRPr>
-          </a:p>
-        </p:txBody>
-      </p:sp>
-      <p:sp>
-        <p:nvSpPr>
-          <p:cNvPr id="3" name="PlaceHolder 4"/>
-          <p:cNvSpPr>
-            <a:spLocks noGrp="1"/>
-          </p:cNvSpPr>
-          <p:nvPr>
-            <p:ph type="sldNum"/>
-          </p:nvPr>
-        </p:nvSpPr>
-        <p:spPr>
-          <a:xfrm>
-            <a:off x="8610480" y="6356520"/>
-            <a:ext cx="2742840" cy="364680"/>
-          </a:xfrm>
-          <a:prstGeom prst="rect">
-            <a:avLst/>
-          </a:prstGeom>
-        </p:spPr>
-        <p:txBody>
-          <a:bodyPr anchor="ctr">
-            <a:noAutofit/>
-          </a:bodyPr>
-          <a:p>
-            <a:pPr algn="r">
-              <a:lnSpc>
-                <a:spcPct val="100000"/>
-              </a:lnSpc>
-            </a:pPr>
-            <a:fld id="{563F28B8-5D0D-4544-A0CC-3717A9F1CBD8}" type="slidenum">
-              <a:rPr b="0" lang="en-US" sz="1200" spc="-1" strike="noStrike">
-                <a:solidFill>
-                  <a:srgbClr val="8b8b8b"/>
-                </a:solidFill>
-                <a:latin typeface="Calibri"/>
-              </a:rPr>
-              <a:t>&lt;number&gt;</a:t>
-            </a:fld>
-            <a:endParaRPr b="0" lang="en-US" sz="1200" spc="-1" strike="noStrike">
-              <a:latin typeface="Times New Roman"/>
-            </a:endParaRPr>
-          </a:p>
-        </p:txBody>
-      </p:sp>
-      <p:sp>
-        <p:nvSpPr>
-          <p:cNvPr id="4" name="PlaceHolder 5"/>
           <p:cNvSpPr>
             <a:spLocks noGrp="1"/>
           </p:cNvSpPr>
@@ -3148,19 +2826,13 @@
               <a:buChar char=""/>
             </a:pPr>
             <a:r>
-              <a:rPr b="0" lang="en-US" sz="2800" spc="-1" strike="noStrike">
-                <a:solidFill>
-                  <a:srgbClr val="000000"/>
-                </a:solidFill>
-                <a:latin typeface="Calibri"/>
+              <a:rPr b="0" lang="en-US" sz="3200" spc="-1" strike="noStrike">
+                <a:latin typeface="Arial"/>
               </a:rPr>
               <a:t>Click to edit the outline text format</a:t>
             </a:r>
-            <a:endParaRPr b="0" lang="en-US" sz="2800" spc="-1" strike="noStrike">
-              <a:solidFill>
-                <a:srgbClr val="000000"/>
-              </a:solidFill>
-              <a:latin typeface="Calibri"/>
+            <a:endParaRPr b="0" lang="en-US" sz="3200" spc="-1" strike="noStrike">
+              <a:latin typeface="Arial"/>
             </a:endParaRPr>
           </a:p>
           <a:p>
@@ -3176,19 +2848,13 @@
               <a:buChar char=""/>
             </a:pPr>
             <a:r>
-              <a:rPr b="0" lang="en-US" sz="2000" spc="-1" strike="noStrike">
-                <a:solidFill>
-                  <a:srgbClr val="000000"/>
-                </a:solidFill>
-                <a:latin typeface="Calibri"/>
+              <a:rPr b="0" lang="en-US" sz="2800" spc="-1" strike="noStrike">
+                <a:latin typeface="Arial"/>
               </a:rPr>
               <a:t>Second Outline Level</a:t>
             </a:r>
-            <a:endParaRPr b="0" lang="en-US" sz="2000" spc="-1" strike="noStrike">
-              <a:solidFill>
-                <a:srgbClr val="000000"/>
-              </a:solidFill>
-              <a:latin typeface="Calibri"/>
+            <a:endParaRPr b="0" lang="en-US" sz="2800" spc="-1" strike="noStrike">
+              <a:latin typeface="Arial"/>
             </a:endParaRPr>
           </a:p>
           <a:p>
@@ -3204,19 +2870,13 @@
               <a:buChar char=""/>
             </a:pPr>
             <a:r>
-              <a:rPr b="0" lang="en-US" sz="1800" spc="-1" strike="noStrike">
-                <a:solidFill>
-                  <a:srgbClr val="000000"/>
-                </a:solidFill>
-                <a:latin typeface="Calibri"/>
+              <a:rPr b="0" lang="en-US" sz="2400" spc="-1" strike="noStrike">
+                <a:latin typeface="Arial"/>
               </a:rPr>
               <a:t>Third Outline Level</a:t>
             </a:r>
-            <a:endParaRPr b="0" lang="en-US" sz="1800" spc="-1" strike="noStrike">
-              <a:solidFill>
-                <a:srgbClr val="000000"/>
-              </a:solidFill>
-              <a:latin typeface="Calibri"/>
+            <a:endParaRPr b="0" lang="en-US" sz="2400" spc="-1" strike="noStrike">
+              <a:latin typeface="Arial"/>
             </a:endParaRPr>
           </a:p>
           <a:p>
@@ -3232,19 +2892,13 @@
               <a:buChar char=""/>
             </a:pPr>
             <a:r>
-              <a:rPr b="0" lang="en-US" sz="1800" spc="-1" strike="noStrike">
-                <a:solidFill>
-                  <a:srgbClr val="000000"/>
-                </a:solidFill>
-                <a:latin typeface="Calibri"/>
+              <a:rPr b="0" lang="en-US" sz="2000" spc="-1" strike="noStrike">
+                <a:latin typeface="Arial"/>
               </a:rPr>
               <a:t>Fourth Outline Level</a:t>
             </a:r>
-            <a:endParaRPr b="0" lang="en-US" sz="1800" spc="-1" strike="noStrike">
-              <a:solidFill>
-                <a:srgbClr val="000000"/>
-              </a:solidFill>
-              <a:latin typeface="Calibri"/>
+            <a:endParaRPr b="0" lang="en-US" sz="2000" spc="-1" strike="noStrike">
+              <a:latin typeface="Arial"/>
             </a:endParaRPr>
           </a:p>
           <a:p>
@@ -3261,18 +2915,12 @@
             </a:pPr>
             <a:r>
               <a:rPr b="0" lang="en-US" sz="2000" spc="-1" strike="noStrike">
-                <a:solidFill>
-                  <a:srgbClr val="000000"/>
-                </a:solidFill>
-                <a:latin typeface="Calibri"/>
+                <a:latin typeface="Arial"/>
               </a:rPr>
               <a:t>Fifth Outline Level</a:t>
             </a:r>
             <a:endParaRPr b="0" lang="en-US" sz="2000" spc="-1" strike="noStrike">
-              <a:solidFill>
-                <a:srgbClr val="000000"/>
-              </a:solidFill>
-              <a:latin typeface="Calibri"/>
+              <a:latin typeface="Arial"/>
             </a:endParaRPr>
           </a:p>
           <a:p>
@@ -3289,18 +2937,12 @@
             </a:pPr>
             <a:r>
               <a:rPr b="0" lang="en-US" sz="2000" spc="-1" strike="noStrike">
-                <a:solidFill>
-                  <a:srgbClr val="000000"/>
-                </a:solidFill>
-                <a:latin typeface="Calibri"/>
+                <a:latin typeface="Arial"/>
               </a:rPr>
               <a:t>Sixth Outline Level</a:t>
             </a:r>
             <a:endParaRPr b="0" lang="en-US" sz="2000" spc="-1" strike="noStrike">
-              <a:solidFill>
-                <a:srgbClr val="000000"/>
-              </a:solidFill>
-              <a:latin typeface="Calibri"/>
+              <a:latin typeface="Arial"/>
             </a:endParaRPr>
           </a:p>
           <a:p>
@@ -3317,18 +2959,12 @@
             </a:pPr>
             <a:r>
               <a:rPr b="0" lang="en-US" sz="2000" spc="-1" strike="noStrike">
-                <a:solidFill>
-                  <a:srgbClr val="000000"/>
-                </a:solidFill>
-                <a:latin typeface="Calibri"/>
+                <a:latin typeface="Arial"/>
               </a:rPr>
               <a:t>Seventh Outline Level</a:t>
             </a:r>
             <a:endParaRPr b="0" lang="en-US" sz="2000" spc="-1" strike="noStrike">
-              <a:solidFill>
-                <a:srgbClr val="000000"/>
-              </a:solidFill>
-              <a:latin typeface="Calibri"/>
+              <a:latin typeface="Arial"/>
             </a:endParaRPr>
           </a:p>
         </p:txBody>
@@ -3379,7 +3015,7 @@
       </p:grpSpPr>
       <p:sp>
         <p:nvSpPr>
-          <p:cNvPr id="41" name="PlaceHolder 1"/>
+          <p:cNvPr id="38" name="PlaceHolder 1"/>
           <p:cNvSpPr>
             <a:spLocks noGrp="1"/>
           </p:cNvSpPr>
@@ -3389,44 +3025,34 @@
         </p:nvSpPr>
         <p:spPr>
           <a:xfrm>
-            <a:off x="838080" y="365040"/>
-            <a:ext cx="10515240" cy="1325160"/>
-          </a:xfrm>
-          <a:prstGeom prst="rect">
-            <a:avLst/>
-          </a:prstGeom>
-        </p:spPr>
-        <p:txBody>
-          <a:bodyPr anchor="ctr">
+            <a:off x="609480" y="273600"/>
+            <a:ext cx="10972440" cy="1144800"/>
+          </a:xfrm>
+          <a:prstGeom prst="rect">
+            <a:avLst/>
+          </a:prstGeom>
+        </p:spPr>
+        <p:txBody>
+          <a:bodyPr lIns="0" rIns="0" tIns="0" bIns="0" anchor="ctr">
             <a:noAutofit/>
           </a:bodyPr>
           <a:p>
-            <a:pPr>
-              <a:lnSpc>
-                <a:spcPct val="90000"/>
-              </a:lnSpc>
-            </a:pPr>
+            <a:pPr algn="ctr"/>
             <a:r>
               <a:rPr b="0" lang="en-US" sz="4400" spc="-1" strike="noStrike">
-                <a:solidFill>
-                  <a:srgbClr val="000000"/>
-                </a:solidFill>
-                <a:latin typeface="Calibri Light"/>
+                <a:latin typeface="Arial"/>
               </a:rPr>
-              <a:t>Click to edit Master title style</a:t>
+              <a:t>Click to edit the title text format</a:t>
             </a:r>
             <a:endParaRPr b="0" lang="en-US" sz="4400" spc="-1" strike="noStrike">
-              <a:solidFill>
-                <a:srgbClr val="000000"/>
-              </a:solidFill>
-              <a:latin typeface="Calibri"/>
-            </a:endParaRPr>
-          </a:p>
-        </p:txBody>
-      </p:sp>
-      <p:sp>
-        <p:nvSpPr>
-          <p:cNvPr id="42" name="PlaceHolder 2"/>
+              <a:latin typeface="Arial"/>
+            </a:endParaRPr>
+          </a:p>
+        </p:txBody>
+      </p:sp>
+      <p:sp>
+        <p:nvSpPr>
+          <p:cNvPr id="39" name="PlaceHolder 2"/>
           <p:cNvSpPr>
             <a:spLocks noGrp="1"/>
           </p:cNvSpPr>
@@ -3436,283 +3062,169 @@
         </p:nvSpPr>
         <p:spPr>
           <a:xfrm>
-            <a:off x="838080" y="1825560"/>
-            <a:ext cx="10515240" cy="4350960"/>
-          </a:xfrm>
-          <a:prstGeom prst="rect">
-            <a:avLst/>
-          </a:prstGeom>
-        </p:spPr>
-        <p:txBody>
-          <a:bodyPr>
-            <a:noAutofit/>
-          </a:bodyPr>
-          <a:p>
-            <a:pPr marL="228600" indent="-228240">
-              <a:lnSpc>
-                <a:spcPct val="90000"/>
-              </a:lnSpc>
+            <a:off x="609480" y="1604520"/>
+            <a:ext cx="10972440" cy="3977280"/>
+          </a:xfrm>
+          <a:prstGeom prst="rect">
+            <a:avLst/>
+          </a:prstGeom>
+        </p:spPr>
+        <p:txBody>
+          <a:bodyPr lIns="0" rIns="0" tIns="0" bIns="0">
+            <a:normAutofit/>
+          </a:bodyPr>
+          <a:p>
+            <a:pPr marL="432000" indent="-324000">
               <a:spcBef>
-                <a:spcPts val="1001"/>
+                <a:spcPts val="1417"/>
               </a:spcBef>
               <a:buClr>
                 <a:srgbClr val="000000"/>
               </a:buClr>
-              <a:buFont typeface="Arial"/>
-              <a:buChar char="•"/>
+              <a:buSzPct val="45000"/>
+              <a:buFont typeface="Wingdings" charset="2"/>
+              <a:buChar char=""/>
             </a:pPr>
             <a:r>
-              <a:rPr b="0" lang="en-US" sz="2800" spc="-1" strike="noStrike">
-                <a:solidFill>
-                  <a:srgbClr val="000000"/>
-                </a:solidFill>
-                <a:latin typeface="Calibri"/>
+              <a:rPr b="0" lang="en-US" sz="3200" spc="-1" strike="noStrike">
+                <a:latin typeface="Arial"/>
               </a:rPr>
-              <a:t>Click to edit Master text styles</a:t>
+              <a:t>Click to edit the outline text format</a:t>
             </a:r>
-            <a:endParaRPr b="0" lang="en-US" sz="2800" spc="-1" strike="noStrike">
-              <a:solidFill>
-                <a:srgbClr val="000000"/>
-              </a:solidFill>
-              <a:latin typeface="Calibri"/>
-            </a:endParaRPr>
-          </a:p>
-          <a:p>
-            <a:pPr lvl="1" marL="685800" indent="-228240">
-              <a:lnSpc>
-                <a:spcPct val="90000"/>
-              </a:lnSpc>
+            <a:endParaRPr b="0" lang="en-US" sz="3200" spc="-1" strike="noStrike">
+              <a:latin typeface="Arial"/>
+            </a:endParaRPr>
+          </a:p>
+          <a:p>
+            <a:pPr lvl="1" marL="864000" indent="-324000">
               <a:spcBef>
-                <a:spcPts val="499"/>
+                <a:spcPts val="1134"/>
               </a:spcBef>
               <a:buClr>
                 <a:srgbClr val="000000"/>
               </a:buClr>
-              <a:buFont typeface="Arial"/>
-              <a:buChar char="•"/>
+              <a:buSzPct val="75000"/>
+              <a:buFont typeface="Symbol" charset="2"/>
+              <a:buChar char=""/>
             </a:pPr>
             <a:r>
-              <a:rPr b="0" lang="en-US" sz="2400" spc="-1" strike="noStrike">
-                <a:solidFill>
-                  <a:srgbClr val="000000"/>
-                </a:solidFill>
-                <a:latin typeface="Calibri"/>
+              <a:rPr b="0" lang="en-US" sz="2800" spc="-1" strike="noStrike">
+                <a:latin typeface="Arial"/>
               </a:rPr>
-              <a:t>Second level</a:t>
+              <a:t>Second Outline Level</a:t>
             </a:r>
-            <a:endParaRPr b="0" lang="en-US" sz="2400" spc="-1" strike="noStrike">
-              <a:solidFill>
-                <a:srgbClr val="000000"/>
-              </a:solidFill>
-              <a:latin typeface="Calibri"/>
-            </a:endParaRPr>
-          </a:p>
-          <a:p>
-            <a:pPr lvl="2" marL="1143000" indent="-228240">
-              <a:lnSpc>
-                <a:spcPct val="90000"/>
-              </a:lnSpc>
+            <a:endParaRPr b="0" lang="en-US" sz="2800" spc="-1" strike="noStrike">
+              <a:latin typeface="Arial"/>
+            </a:endParaRPr>
+          </a:p>
+          <a:p>
+            <a:pPr lvl="2" marL="1296000" indent="-288000">
               <a:spcBef>
-                <a:spcPts val="499"/>
+                <a:spcPts val="850"/>
               </a:spcBef>
               <a:buClr>
                 <a:srgbClr val="000000"/>
               </a:buClr>
-              <a:buFont typeface="Arial"/>
-              <a:buChar char="•"/>
+              <a:buSzPct val="45000"/>
+              <a:buFont typeface="Wingdings" charset="2"/>
+              <a:buChar char=""/>
             </a:pPr>
             <a:r>
-              <a:rPr b="0" lang="en-US" sz="2000" spc="-1" strike="noStrike">
-                <a:solidFill>
-                  <a:srgbClr val="000000"/>
-                </a:solidFill>
-                <a:latin typeface="Calibri"/>
+              <a:rPr b="0" lang="en-US" sz="2400" spc="-1" strike="noStrike">
+                <a:latin typeface="Arial"/>
               </a:rPr>
-              <a:t>Third level</a:t>
+              <a:t>Third Outline Level</a:t>
             </a:r>
-            <a:endParaRPr b="0" lang="en-US" sz="2000" spc="-1" strike="noStrike">
-              <a:solidFill>
-                <a:srgbClr val="000000"/>
-              </a:solidFill>
-              <a:latin typeface="Calibri"/>
-            </a:endParaRPr>
-          </a:p>
-          <a:p>
-            <a:pPr lvl="3" marL="1600200" indent="-228240">
-              <a:lnSpc>
-                <a:spcPct val="90000"/>
-              </a:lnSpc>
+            <a:endParaRPr b="0" lang="en-US" sz="2400" spc="-1" strike="noStrike">
+              <a:latin typeface="Arial"/>
+            </a:endParaRPr>
+          </a:p>
+          <a:p>
+            <a:pPr lvl="3" marL="1728000" indent="-216000">
               <a:spcBef>
-                <a:spcPts val="499"/>
+                <a:spcPts val="567"/>
               </a:spcBef>
               <a:buClr>
                 <a:srgbClr val="000000"/>
               </a:buClr>
-              <a:buFont typeface="Arial"/>
-              <a:buChar char="•"/>
+              <a:buSzPct val="75000"/>
+              <a:buFont typeface="Symbol" charset="2"/>
+              <a:buChar char=""/>
             </a:pPr>
             <a:r>
-              <a:rPr b="0" lang="en-US" sz="1800" spc="-1" strike="noStrike">
-                <a:solidFill>
-                  <a:srgbClr val="000000"/>
-                </a:solidFill>
-                <a:latin typeface="Calibri"/>
+              <a:rPr b="0" lang="en-US" sz="2000" spc="-1" strike="noStrike">
+                <a:latin typeface="Arial"/>
               </a:rPr>
-              <a:t>Fourth level</a:t>
+              <a:t>Fourth Outline Level</a:t>
             </a:r>
-            <a:endParaRPr b="0" lang="en-US" sz="1800" spc="-1" strike="noStrike">
-              <a:solidFill>
-                <a:srgbClr val="000000"/>
-              </a:solidFill>
-              <a:latin typeface="Calibri"/>
-            </a:endParaRPr>
-          </a:p>
-          <a:p>
-            <a:pPr lvl="4" marL="2057400" indent="-228240">
-              <a:lnSpc>
-                <a:spcPct val="90000"/>
-              </a:lnSpc>
+            <a:endParaRPr b="0" lang="en-US" sz="2000" spc="-1" strike="noStrike">
+              <a:latin typeface="Arial"/>
+            </a:endParaRPr>
+          </a:p>
+          <a:p>
+            <a:pPr lvl="4" marL="2160000" indent="-216000">
               <a:spcBef>
-                <a:spcPts val="499"/>
+                <a:spcPts val="283"/>
               </a:spcBef>
               <a:buClr>
                 <a:srgbClr val="000000"/>
               </a:buClr>
-              <a:buFont typeface="Arial"/>
-              <a:buChar char="•"/>
+              <a:buSzPct val="45000"/>
+              <a:buFont typeface="Wingdings" charset="2"/>
+              <a:buChar char=""/>
             </a:pPr>
             <a:r>
-              <a:rPr b="0" lang="en-US" sz="1800" spc="-1" strike="noStrike">
-                <a:solidFill>
-                  <a:srgbClr val="000000"/>
-                </a:solidFill>
-                <a:latin typeface="Calibri"/>
+              <a:rPr b="0" lang="en-US" sz="2000" spc="-1" strike="noStrike">
+                <a:latin typeface="Arial"/>
               </a:rPr>
-              <a:t>Fifth level</a:t>
+              <a:t>Fifth Outline Level</a:t>
             </a:r>
-            <a:endParaRPr b="0" lang="en-US" sz="1800" spc="-1" strike="noStrike">
-              <a:solidFill>
+            <a:endParaRPr b="0" lang="en-US" sz="2000" spc="-1" strike="noStrike">
+              <a:latin typeface="Arial"/>
+            </a:endParaRPr>
+          </a:p>
+          <a:p>
+            <a:pPr lvl="5" marL="2592000" indent="-216000">
+              <a:spcBef>
+                <a:spcPts val="283"/>
+              </a:spcBef>
+              <a:buClr>
                 <a:srgbClr val="000000"/>
-              </a:solidFill>
-              <a:latin typeface="Calibri"/>
-            </a:endParaRPr>
-          </a:p>
-        </p:txBody>
-      </p:sp>
-      <p:sp>
-        <p:nvSpPr>
-          <p:cNvPr id="43" name="PlaceHolder 3"/>
-          <p:cNvSpPr>
-            <a:spLocks noGrp="1"/>
-          </p:cNvSpPr>
-          <p:nvPr>
-            <p:ph type="dt"/>
-          </p:nvPr>
-        </p:nvSpPr>
-        <p:spPr>
-          <a:xfrm>
-            <a:off x="838080" y="6356520"/>
-            <a:ext cx="2742840" cy="364680"/>
-          </a:xfrm>
-          <a:prstGeom prst="rect">
-            <a:avLst/>
-          </a:prstGeom>
-        </p:spPr>
-        <p:txBody>
-          <a:bodyPr anchor="ctr">
-            <a:noAutofit/>
-          </a:bodyPr>
-          <a:p>
-            <a:pPr>
-              <a:lnSpc>
-                <a:spcPct val="100000"/>
-              </a:lnSpc>
+              </a:buClr>
+              <a:buSzPct val="45000"/>
+              <a:buFont typeface="Wingdings" charset="2"/>
+              <a:buChar char=""/>
             </a:pPr>
-            <a:fld id="{4F0D293B-2A7D-4E97-A57F-E571EFE8060A}" type="datetime">
-              <a:rPr b="0" lang="en-US" sz="1200" spc="-1" strike="noStrike">
-                <a:solidFill>
-                  <a:srgbClr val="8b8b8b"/>
-                </a:solidFill>
-                <a:latin typeface="Calibri"/>
+            <a:r>
+              <a:rPr b="0" lang="en-US" sz="2000" spc="-1" strike="noStrike">
+                <a:latin typeface="Arial"/>
               </a:rPr>
-              <a:t>2/18/19</a:t>
-            </a:fld>
-            <a:endParaRPr b="0" lang="en-US" sz="1200" spc="-1" strike="noStrike">
-              <a:latin typeface="Times New Roman"/>
-            </a:endParaRPr>
-          </a:p>
-        </p:txBody>
-      </p:sp>
-      <p:sp>
-        <p:nvSpPr>
-          <p:cNvPr id="44" name="PlaceHolder 4"/>
-          <p:cNvSpPr>
-            <a:spLocks noGrp="1"/>
-          </p:cNvSpPr>
-          <p:nvPr>
-            <p:ph type="ftr"/>
-          </p:nvPr>
-        </p:nvSpPr>
-        <p:spPr>
-          <a:xfrm>
-            <a:off x="4038480" y="6356520"/>
-            <a:ext cx="4114440" cy="364680"/>
-          </a:xfrm>
-          <a:prstGeom prst="rect">
-            <a:avLst/>
-          </a:prstGeom>
-        </p:spPr>
-        <p:txBody>
-          <a:bodyPr anchor="ctr">
-            <a:noAutofit/>
-          </a:bodyPr>
-          <a:p>
-            <a:endParaRPr b="0" lang="en-US" sz="2400" spc="-1" strike="noStrike">
-              <a:latin typeface="Times New Roman"/>
-            </a:endParaRPr>
-          </a:p>
-        </p:txBody>
-      </p:sp>
-      <p:sp>
-        <p:nvSpPr>
-          <p:cNvPr id="45" name="PlaceHolder 5"/>
-          <p:cNvSpPr>
-            <a:spLocks noGrp="1"/>
-          </p:cNvSpPr>
-          <p:nvPr>
-            <p:ph type="sldNum"/>
-          </p:nvPr>
-        </p:nvSpPr>
-        <p:spPr>
-          <a:xfrm>
-            <a:off x="8610480" y="6356520"/>
-            <a:ext cx="2742840" cy="364680"/>
-          </a:xfrm>
-          <a:prstGeom prst="rect">
-            <a:avLst/>
-          </a:prstGeom>
-        </p:spPr>
-        <p:txBody>
-          <a:bodyPr anchor="ctr">
-            <a:noAutofit/>
-          </a:bodyPr>
-          <a:p>
-            <a:pPr algn="r">
-              <a:lnSpc>
-                <a:spcPct val="100000"/>
-              </a:lnSpc>
+              <a:t>Sixth Outline Level</a:t>
+            </a:r>
+            <a:endParaRPr b="0" lang="en-US" sz="2000" spc="-1" strike="noStrike">
+              <a:latin typeface="Arial"/>
+            </a:endParaRPr>
+          </a:p>
+          <a:p>
+            <a:pPr lvl="6" marL="3024000" indent="-216000">
+              <a:spcBef>
+                <a:spcPts val="283"/>
+              </a:spcBef>
+              <a:buClr>
+                <a:srgbClr val="000000"/>
+              </a:buClr>
+              <a:buSzPct val="45000"/>
+              <a:buFont typeface="Wingdings" charset="2"/>
+              <a:buChar char=""/>
             </a:pPr>
-            <a:fld id="{2A157648-933B-46A8-9A83-7DA3D1529935}" type="slidenum">
-              <a:rPr b="0" lang="en-US" sz="1200" spc="-1" strike="noStrike">
-                <a:solidFill>
-                  <a:srgbClr val="8b8b8b"/>
-                </a:solidFill>
-                <a:latin typeface="Calibri"/>
+            <a:r>
+              <a:rPr b="0" lang="en-US" sz="2000" spc="-1" strike="noStrike">
+                <a:latin typeface="Arial"/>
               </a:rPr>
-              <a:t>&lt;number&gt;</a:t>
-            </a:fld>
-            <a:endParaRPr b="0" lang="en-US" sz="1200" spc="-1" strike="noStrike">
-              <a:latin typeface="Times New Roman"/>
+              <a:t>Seventh Outline Level</a:t>
+            </a:r>
+            <a:endParaRPr b="0" lang="en-US" sz="2000" spc="-1" strike="noStrike">
+              <a:latin typeface="Arial"/>
             </a:endParaRPr>
           </a:p>
         </p:txBody>
@@ -3756,14 +3268,14 @@
       </p:grpSpPr>
       <p:sp>
         <p:nvSpPr>
-          <p:cNvPr id="82" name="TextShape 1"/>
-          <p:cNvSpPr txBox="1"/>
+          <p:cNvPr id="76" name="CustomShape 1"/>
+          <p:cNvSpPr/>
           <p:nvPr/>
         </p:nvSpPr>
         <p:spPr>
           <a:xfrm>
             <a:off x="1523880" y="1122480"/>
-            <a:ext cx="9143640" cy="2387160"/>
+            <a:ext cx="9143280" cy="2386800"/>
           </a:xfrm>
           <a:prstGeom prst="rect">
             <a:avLst/>
@@ -3773,8 +3285,14 @@
             <a:noFill/>
           </a:ln>
         </p:spPr>
-        <p:txBody>
-          <a:bodyPr anchor="b">
+        <p:style>
+          <a:lnRef idx="0"/>
+          <a:fillRef idx="0"/>
+          <a:effectRef idx="0"/>
+          <a:fontRef idx="minor"/>
+        </p:style>
+        <p:txBody>
+          <a:bodyPr lIns="90000" rIns="90000" tIns="45000" bIns="45000" anchor="b">
             <a:normAutofit/>
           </a:bodyPr>
           <a:p>
@@ -3803,17 +3321,14 @@
               <a:t>Meetup Volume 7</a:t>
             </a:r>
             <a:endParaRPr b="0" lang="en-US" sz="6000" spc="-1" strike="noStrike">
-              <a:solidFill>
-                <a:srgbClr val="000000"/>
-              </a:solidFill>
-              <a:latin typeface="Calibri"/>
+              <a:latin typeface="Arial"/>
             </a:endParaRPr>
           </a:p>
         </p:txBody>
       </p:sp>
       <p:pic>
         <p:nvPicPr>
-          <p:cNvPr id="83" name="Picture 2" descr=""/>
+          <p:cNvPr id="77" name="Picture 2" descr=""/>
           <p:cNvPicPr/>
           <p:nvPr/>
         </p:nvPicPr>
@@ -3824,7 +3339,7 @@
         <p:spPr>
           <a:xfrm>
             <a:off x="178200" y="116280"/>
-            <a:ext cx="2066760" cy="1268280"/>
+            <a:ext cx="2066400" cy="1267920"/>
           </a:xfrm>
           <a:prstGeom prst="rect">
             <a:avLst/>
@@ -3893,14 +3408,14 @@
       </p:grpSpPr>
       <p:sp>
         <p:nvSpPr>
-          <p:cNvPr id="84" name="TextShape 1"/>
-          <p:cNvSpPr txBox="1"/>
+          <p:cNvPr id="78" name="CustomShape 1"/>
+          <p:cNvSpPr/>
           <p:nvPr/>
         </p:nvSpPr>
         <p:spPr>
           <a:xfrm>
             <a:off x="838080" y="365040"/>
-            <a:ext cx="10515240" cy="1325160"/>
+            <a:ext cx="10514880" cy="1324800"/>
           </a:xfrm>
           <a:prstGeom prst="rect">
             <a:avLst/>
@@ -3910,8 +3425,14 @@
             <a:noFill/>
           </a:ln>
         </p:spPr>
-        <p:txBody>
-          <a:bodyPr anchor="ctr">
+        <p:style>
+          <a:lnRef idx="0"/>
+          <a:fillRef idx="0"/>
+          <a:effectRef idx="0"/>
+          <a:fontRef idx="minor"/>
+        </p:style>
+        <p:txBody>
+          <a:bodyPr lIns="90000" rIns="90000" tIns="45000" bIns="45000" anchor="ctr">
             <a:noAutofit/>
           </a:bodyPr>
           <a:p>
@@ -3930,24 +3451,21 @@
               <a:t>Generelles Vorgehen</a:t>
             </a:r>
             <a:endParaRPr b="0" lang="en-US" sz="4400" spc="-1" strike="noStrike">
-              <a:solidFill>
-                <a:srgbClr val="000000"/>
-              </a:solidFill>
-              <a:latin typeface="Calibri"/>
-            </a:endParaRPr>
-          </a:p>
-        </p:txBody>
-      </p:sp>
-      <p:sp>
-        <p:nvSpPr>
-          <p:cNvPr id="85" name="TextShape 2"/>
-          <p:cNvSpPr txBox="1"/>
+              <a:latin typeface="Arial"/>
+            </a:endParaRPr>
+          </a:p>
+        </p:txBody>
+      </p:sp>
+      <p:sp>
+        <p:nvSpPr>
+          <p:cNvPr id="79" name="CustomShape 2"/>
+          <p:cNvSpPr/>
           <p:nvPr/>
         </p:nvSpPr>
         <p:spPr>
           <a:xfrm>
             <a:off x="838080" y="1825560"/>
-            <a:ext cx="10515240" cy="4350960"/>
+            <a:ext cx="10514880" cy="4350600"/>
           </a:xfrm>
           <a:prstGeom prst="rect">
             <a:avLst/>
@@ -3957,12 +3475,18 @@
             <a:noFill/>
           </a:ln>
         </p:spPr>
-        <p:txBody>
-          <a:bodyPr>
+        <p:style>
+          <a:lnRef idx="0"/>
+          <a:fillRef idx="0"/>
+          <a:effectRef idx="0"/>
+          <a:fontRef idx="minor"/>
+        </p:style>
+        <p:txBody>
+          <a:bodyPr lIns="90000" rIns="90000" tIns="45000" bIns="45000">
             <a:noAutofit/>
           </a:bodyPr>
           <a:p>
-            <a:pPr marL="228600" indent="-228240">
+            <a:pPr marL="228600" indent="-227880">
               <a:lnSpc>
                 <a:spcPct val="90000"/>
               </a:lnSpc>
@@ -4003,14 +3527,11 @@
               <a:t> </a:t>
             </a:r>
             <a:endParaRPr b="0" lang="en-US" sz="2800" spc="-1" strike="noStrike">
-              <a:solidFill>
-                <a:srgbClr val="000000"/>
-              </a:solidFill>
-              <a:latin typeface="Calibri"/>
-            </a:endParaRPr>
-          </a:p>
-          <a:p>
-            <a:pPr marL="228600" indent="-228240">
+              <a:latin typeface="Arial"/>
+            </a:endParaRPr>
+          </a:p>
+          <a:p>
+            <a:pPr marL="228600" indent="-227880">
               <a:lnSpc>
                 <a:spcPct val="90000"/>
               </a:lnSpc>
@@ -4033,14 +3554,11 @@
               <a:t>Themen / Vorträge kommen von euch</a:t>
             </a:r>
             <a:endParaRPr b="0" lang="en-US" sz="2800" spc="-1" strike="noStrike">
-              <a:solidFill>
-                <a:srgbClr val="000000"/>
-              </a:solidFill>
-              <a:latin typeface="Calibri"/>
-            </a:endParaRPr>
-          </a:p>
-          <a:p>
-            <a:pPr lvl="1" marL="685800" indent="-228240">
+              <a:latin typeface="Arial"/>
+            </a:endParaRPr>
+          </a:p>
+          <a:p>
+            <a:pPr lvl="1" marL="685800" indent="-227880">
               <a:lnSpc>
                 <a:spcPct val="90000"/>
               </a:lnSpc>
@@ -4063,14 +3581,11 @@
               <a:t>20-40min pro Vortrag (+5min Q&amp;A)</a:t>
             </a:r>
             <a:endParaRPr b="0" lang="en-US" sz="2400" spc="-1" strike="noStrike">
-              <a:solidFill>
-                <a:srgbClr val="000000"/>
-              </a:solidFill>
-              <a:latin typeface="Calibri"/>
-            </a:endParaRPr>
-          </a:p>
-          <a:p>
-            <a:pPr lvl="1" marL="685800" indent="-228240">
+              <a:latin typeface="Arial"/>
+            </a:endParaRPr>
+          </a:p>
+          <a:p>
+            <a:pPr lvl="1" marL="685800" indent="-227880">
               <a:lnSpc>
                 <a:spcPct val="90000"/>
               </a:lnSpc>
@@ -4093,14 +3608,11 @@
               <a:t>Themen aus dem Data (-Science) Spektrum</a:t>
             </a:r>
             <a:endParaRPr b="0" lang="en-US" sz="2400" spc="-1" strike="noStrike">
-              <a:solidFill>
-                <a:srgbClr val="000000"/>
-              </a:solidFill>
-              <a:latin typeface="Calibri"/>
-            </a:endParaRPr>
-          </a:p>
-          <a:p>
-            <a:pPr lvl="1" marL="685800" indent="-228240">
+              <a:latin typeface="Arial"/>
+            </a:endParaRPr>
+          </a:p>
+          <a:p>
+            <a:pPr lvl="1" marL="685800" indent="-227880">
               <a:lnSpc>
                 <a:spcPct val="90000"/>
               </a:lnSpc>
@@ -4123,14 +3635,11 @@
               <a:t>Folien / Snippets werden zur Verfügung gestellt auf Github (MIT License)</a:t>
             </a:r>
             <a:endParaRPr b="0" lang="en-US" sz="2400" spc="-1" strike="noStrike">
-              <a:solidFill>
-                <a:srgbClr val="000000"/>
-              </a:solidFill>
-              <a:latin typeface="Calibri"/>
-            </a:endParaRPr>
-          </a:p>
-          <a:p>
-            <a:pPr marL="228600" indent="-228240">
+              <a:latin typeface="Arial"/>
+            </a:endParaRPr>
+          </a:p>
+          <a:p>
+            <a:pPr marL="228600" indent="-227880">
               <a:lnSpc>
                 <a:spcPct val="90000"/>
               </a:lnSpc>
@@ -4153,14 +3662,11 @@
               <a:t>Location im Science Park</a:t>
             </a:r>
             <a:endParaRPr b="0" lang="en-US" sz="2800" spc="-1" strike="noStrike">
-              <a:solidFill>
-                <a:srgbClr val="000000"/>
-              </a:solidFill>
-              <a:latin typeface="Calibri"/>
-            </a:endParaRPr>
-          </a:p>
-          <a:p>
-            <a:pPr marL="228600" indent="-228240">
+              <a:latin typeface="Arial"/>
+            </a:endParaRPr>
+          </a:p>
+          <a:p>
+            <a:pPr marL="228600" indent="-227880">
               <a:lnSpc>
                 <a:spcPct val="90000"/>
               </a:lnSpc>
@@ -4183,10 +3689,7 @@
               <a:t>Pizza, Getränke und Raum werden durch Sponsoren gestellt</a:t>
             </a:r>
             <a:endParaRPr b="0" lang="en-US" sz="2800" spc="-1" strike="noStrike">
-              <a:solidFill>
-                <a:srgbClr val="000000"/>
-              </a:solidFill>
-              <a:latin typeface="Calibri"/>
+              <a:latin typeface="Arial"/>
             </a:endParaRPr>
           </a:p>
         </p:txBody>
@@ -4250,14 +3753,14 @@
       </p:grpSpPr>
       <p:sp>
         <p:nvSpPr>
-          <p:cNvPr id="86" name="TextShape 1"/>
-          <p:cNvSpPr txBox="1"/>
+          <p:cNvPr id="80" name="CustomShape 1"/>
+          <p:cNvSpPr/>
           <p:nvPr/>
         </p:nvSpPr>
         <p:spPr>
           <a:xfrm>
             <a:off x="838080" y="365040"/>
-            <a:ext cx="10515240" cy="1325160"/>
+            <a:ext cx="10514880" cy="1324800"/>
           </a:xfrm>
           <a:prstGeom prst="rect">
             <a:avLst/>
@@ -4267,8 +3770,14 @@
             <a:noFill/>
           </a:ln>
         </p:spPr>
-        <p:txBody>
-          <a:bodyPr anchor="ctr">
+        <p:style>
+          <a:lnRef idx="0"/>
+          <a:fillRef idx="0"/>
+          <a:effectRef idx="0"/>
+          <a:fontRef idx="minor"/>
+        </p:style>
+        <p:txBody>
+          <a:bodyPr lIns="90000" rIns="90000" tIns="45000" bIns="45000" anchor="ctr">
             <a:noAutofit/>
           </a:bodyPr>
           <a:p>
@@ -4287,17 +3796,14 @@
               <a:t>Sponsor</a:t>
             </a:r>
             <a:endParaRPr b="0" lang="en-US" sz="4400" spc="-1" strike="noStrike">
-              <a:solidFill>
-                <a:srgbClr val="000000"/>
-              </a:solidFill>
-              <a:latin typeface="Calibri"/>
+              <a:latin typeface="Arial"/>
             </a:endParaRPr>
           </a:p>
         </p:txBody>
       </p:sp>
       <p:pic>
         <p:nvPicPr>
-          <p:cNvPr id="87" name="Content Placeholder 4" descr=""/>
+          <p:cNvPr id="81" name="Content Placeholder 4" descr=""/>
           <p:cNvPicPr/>
           <p:nvPr/>
         </p:nvPicPr>
@@ -4308,7 +3814,7 @@
         <p:spPr>
           <a:xfrm>
             <a:off x="838080" y="2142000"/>
-            <a:ext cx="10515240" cy="3718440"/>
+            <a:ext cx="10514880" cy="3718080"/>
           </a:xfrm>
           <a:prstGeom prst="rect">
             <a:avLst/>
@@ -4320,7 +3826,7 @@
       </p:pic>
       <p:pic>
         <p:nvPicPr>
-          <p:cNvPr id="88" name="Picture 3" descr=""/>
+          <p:cNvPr id="82" name="Picture 3" descr=""/>
           <p:cNvPicPr/>
           <p:nvPr/>
         </p:nvPicPr>
@@ -4331,7 +3837,7 @@
         <p:spPr>
           <a:xfrm>
             <a:off x="-6840" y="0"/>
-            <a:ext cx="12191760" cy="6857640"/>
+            <a:ext cx="12191400" cy="6857280"/>
           </a:xfrm>
           <a:prstGeom prst="rect">
             <a:avLst/>
@@ -4343,21 +3849,21 @@
       </p:pic>
       <p:grpSp>
         <p:nvGrpSpPr>
-          <p:cNvPr id="89" name="Group 2"/>
+          <p:cNvPr id="83" name="Group 2"/>
           <p:cNvGrpSpPr/>
           <p:nvPr/>
         </p:nvGrpSpPr>
         <p:grpSpPr>
           <a:xfrm>
             <a:off x="3648960" y="2142000"/>
-            <a:ext cx="4119120" cy="2088000"/>
+            <a:ext cx="4118760" cy="2087640"/>
             <a:chOff x="3648960" y="2142000"/>
-            <a:chExt cx="4119120" cy="2088000"/>
+            <a:chExt cx="4118760" cy="2087640"/>
           </a:xfrm>
         </p:grpSpPr>
         <p:pic>
           <p:nvPicPr>
-            <p:cNvPr id="90" name="Picture 5" descr=""/>
+            <p:cNvPr id="84" name="Picture 5" descr=""/>
             <p:cNvPicPr/>
             <p:nvPr/>
           </p:nvPicPr>
@@ -4368,7 +3874,7 @@
           <p:spPr>
             <a:xfrm>
               <a:off x="3648960" y="2142000"/>
-              <a:ext cx="4119120" cy="1456560"/>
+              <a:ext cx="4118760" cy="1456200"/>
             </a:xfrm>
             <a:prstGeom prst="rect">
               <a:avLst/>
@@ -4380,14 +3886,14 @@
         </p:pic>
         <p:sp>
           <p:nvSpPr>
-            <p:cNvPr id="91" name="CustomShape 3"/>
+            <p:cNvPr id="85" name="CustomShape 3"/>
             <p:cNvSpPr/>
             <p:nvPr/>
           </p:nvSpPr>
           <p:spPr>
             <a:xfrm>
               <a:off x="4686480" y="3865320"/>
-              <a:ext cx="1775160" cy="364680"/>
+              <a:ext cx="1775160" cy="364320"/>
             </a:xfrm>
             <a:prstGeom prst="rect">
               <a:avLst/>
@@ -4420,6 +3926,7 @@
                   </a:solidFill>
                   <a:uFillTx/>
                   <a:latin typeface="Calibri"/>
+                  <a:ea typeface="DejaVu Sans"/>
                   <a:hlinkClick r:id="rId4"/>
                 </a:rPr>
                 <a:t>https://fino.ai</a:t>
@@ -4430,6 +3937,7 @@
                     <a:srgbClr val="000000"/>
                   </a:solidFill>
                   <a:latin typeface="Calibri"/>
+                  <a:ea typeface="DejaVu Sans"/>
                 </a:rPr>
                 <a:t> </a:t>
               </a:r>
@@ -4499,14 +4007,14 @@
       </p:grpSpPr>
       <p:sp>
         <p:nvSpPr>
-          <p:cNvPr id="92" name="TextShape 1"/>
-          <p:cNvSpPr txBox="1"/>
+          <p:cNvPr id="86" name="CustomShape 1"/>
+          <p:cNvSpPr/>
           <p:nvPr/>
         </p:nvSpPr>
         <p:spPr>
           <a:xfrm>
             <a:off x="838080" y="365040"/>
-            <a:ext cx="10515240" cy="1325160"/>
+            <a:ext cx="10514880" cy="1324800"/>
           </a:xfrm>
           <a:prstGeom prst="rect">
             <a:avLst/>
@@ -4516,8 +4024,14 @@
             <a:noFill/>
           </a:ln>
         </p:spPr>
-        <p:txBody>
-          <a:bodyPr anchor="ctr">
+        <p:style>
+          <a:lnRef idx="0"/>
+          <a:fillRef idx="0"/>
+          <a:effectRef idx="0"/>
+          <a:fontRef idx="minor"/>
+        </p:style>
+        <p:txBody>
+          <a:bodyPr lIns="90000" rIns="90000" tIns="45000" bIns="45000" anchor="ctr">
             <a:noAutofit/>
           </a:bodyPr>
           <a:p>
@@ -4536,24 +4050,21 @@
               <a:t>Agenda</a:t>
             </a:r>
             <a:endParaRPr b="0" lang="en-US" sz="4400" spc="-1" strike="noStrike">
-              <a:solidFill>
-                <a:srgbClr val="000000"/>
-              </a:solidFill>
-              <a:latin typeface="Calibri"/>
-            </a:endParaRPr>
-          </a:p>
-        </p:txBody>
-      </p:sp>
-      <p:sp>
-        <p:nvSpPr>
-          <p:cNvPr id="93" name="TextShape 2"/>
-          <p:cNvSpPr txBox="1"/>
+              <a:latin typeface="Arial"/>
+            </a:endParaRPr>
+          </a:p>
+        </p:txBody>
+      </p:sp>
+      <p:sp>
+        <p:nvSpPr>
+          <p:cNvPr id="87" name="CustomShape 2"/>
+          <p:cNvSpPr/>
           <p:nvPr/>
         </p:nvSpPr>
         <p:spPr>
           <a:xfrm>
             <a:off x="838080" y="1825560"/>
-            <a:ext cx="10515240" cy="4350960"/>
+            <a:ext cx="10514880" cy="4350600"/>
           </a:xfrm>
           <a:prstGeom prst="rect">
             <a:avLst/>
@@ -4563,12 +4074,18 @@
             <a:noFill/>
           </a:ln>
         </p:spPr>
-        <p:txBody>
-          <a:bodyPr>
+        <p:style>
+          <a:lnRef idx="0"/>
+          <a:fillRef idx="0"/>
+          <a:effectRef idx="0"/>
+          <a:fontRef idx="minor"/>
+        </p:style>
+        <p:txBody>
+          <a:bodyPr lIns="90000" rIns="90000" tIns="45000" bIns="45000">
             <a:noAutofit/>
           </a:bodyPr>
           <a:p>
-            <a:pPr marL="228600" indent="-228240">
+            <a:pPr marL="228600" indent="-227880">
               <a:lnSpc>
                 <a:spcPct val="90000"/>
               </a:lnSpc>
@@ -4591,14 +4108,11 @@
               <a:t>Intro (Merlin)</a:t>
             </a:r>
             <a:endParaRPr b="0" lang="en-US" sz="2800" spc="-1" strike="noStrike">
-              <a:solidFill>
-                <a:srgbClr val="000000"/>
-              </a:solidFill>
-              <a:latin typeface="Calibri"/>
-            </a:endParaRPr>
-          </a:p>
-          <a:p>
-            <a:pPr marL="228600" indent="-228240">
+              <a:latin typeface="Arial"/>
+            </a:endParaRPr>
+          </a:p>
+          <a:p>
+            <a:pPr marL="228600" indent="-227880">
               <a:lnSpc>
                 <a:spcPct val="90000"/>
               </a:lnSpc>
@@ -4621,14 +4135,11 @@
               <a:t>Fooling Neural Networks (Fabian) </a:t>
             </a:r>
             <a:endParaRPr b="0" lang="en-US" sz="2800" spc="-1" strike="noStrike">
-              <a:solidFill>
-                <a:srgbClr val="000000"/>
-              </a:solidFill>
-              <a:latin typeface="Calibri"/>
-            </a:endParaRPr>
-          </a:p>
-          <a:p>
-            <a:pPr marL="228600" indent="-228240">
+              <a:latin typeface="Arial"/>
+            </a:endParaRPr>
+          </a:p>
+          <a:p>
+            <a:pPr marL="228600" indent="-227880">
               <a:lnSpc>
                 <a:spcPct val="90000"/>
               </a:lnSpc>
@@ -4651,14 +4162,11 @@
               <a:t>Pizza [30min]</a:t>
             </a:r>
             <a:endParaRPr b="0" lang="en-US" sz="2800" spc="-1" strike="noStrike">
-              <a:solidFill>
-                <a:srgbClr val="000000"/>
-              </a:solidFill>
-              <a:latin typeface="Calibri"/>
-            </a:endParaRPr>
-          </a:p>
-          <a:p>
-            <a:pPr marL="228600" indent="-228240">
+              <a:latin typeface="Arial"/>
+            </a:endParaRPr>
+          </a:p>
+          <a:p>
+            <a:pPr marL="228600" indent="-227880">
               <a:lnSpc>
                 <a:spcPct val="90000"/>
               </a:lnSpc>
@@ -4681,14 +4189,11 @@
               <a:t>Wie man einer KI das Spielen bei bringt </a:t>
             </a:r>
             <a:endParaRPr b="0" lang="en-US" sz="2800" spc="-1" strike="noStrike">
-              <a:solidFill>
-                <a:srgbClr val="000000"/>
-              </a:solidFill>
-              <a:latin typeface="Calibri"/>
-            </a:endParaRPr>
-          </a:p>
-          <a:p>
-            <a:pPr marL="228600" indent="-228240">
+              <a:latin typeface="Arial"/>
+            </a:endParaRPr>
+          </a:p>
+          <a:p>
+            <a:pPr marL="228600" indent="-227880">
               <a:lnSpc>
                 <a:spcPct val="90000"/>
               </a:lnSpc>
@@ -4711,10 +4216,7 @@
               <a:t>(Martin &amp; Florian)</a:t>
             </a:r>
             <a:endParaRPr b="0" lang="en-US" sz="2800" spc="-1" strike="noStrike">
-              <a:solidFill>
-                <a:srgbClr val="000000"/>
-              </a:solidFill>
-              <a:latin typeface="Calibri"/>
+              <a:latin typeface="Arial"/>
             </a:endParaRPr>
           </a:p>
           <a:p>
@@ -4727,24 +4229,21 @@
               </a:spcBef>
             </a:pPr>
             <a:endParaRPr b="0" lang="en-US" sz="2800" spc="-1" strike="noStrike">
-              <a:solidFill>
-                <a:srgbClr val="000000"/>
-              </a:solidFill>
-              <a:latin typeface="Calibri"/>
-            </a:endParaRPr>
-          </a:p>
-        </p:txBody>
-      </p:sp>
-      <p:sp>
-        <p:nvSpPr>
-          <p:cNvPr id="94" name="CustomShape 3"/>
+              <a:latin typeface="Arial"/>
+            </a:endParaRPr>
+          </a:p>
+        </p:txBody>
+      </p:sp>
+      <p:sp>
+        <p:nvSpPr>
+          <p:cNvPr id="88" name="CustomShape 3"/>
           <p:cNvSpPr/>
           <p:nvPr/>
         </p:nvSpPr>
         <p:spPr>
           <a:xfrm>
             <a:off x="1828440" y="6311880"/>
-            <a:ext cx="8399880" cy="364680"/>
+            <a:ext cx="8399880" cy="364320"/>
           </a:xfrm>
           <a:prstGeom prst="rect">
             <a:avLst/>
@@ -4776,6 +4275,7 @@
                   <a:srgbClr val="000000"/>
                 </a:solidFill>
                 <a:latin typeface="Calibri"/>
+                <a:ea typeface="DejaVu Sans"/>
               </a:rPr>
               <a:t>Slides unter </a:t>
             </a:r>
@@ -4786,6 +4286,7 @@
                 </a:solidFill>
                 <a:uFillTx/>
                 <a:latin typeface="Calibri"/>
+                <a:ea typeface="DejaVu Sans"/>
                 <a:hlinkClick r:id="rId1"/>
               </a:rPr>
               <a:t>https://github.com/fino-digital/kassel-data-science-meetup</a:t>
@@ -4796,6 +4297,7 @@
                   <a:srgbClr val="000000"/>
                 </a:solidFill>
                 <a:latin typeface="Calibri"/>
+                <a:ea typeface="DejaVu Sans"/>
               </a:rPr>
               <a:t> </a:t>
             </a:r>
@@ -4864,14 +4366,14 @@
       </p:grpSpPr>
       <p:sp>
         <p:nvSpPr>
-          <p:cNvPr id="95" name="TextShape 1"/>
-          <p:cNvSpPr txBox="1"/>
+          <p:cNvPr id="89" name="CustomShape 1"/>
+          <p:cNvSpPr/>
           <p:nvPr/>
         </p:nvSpPr>
         <p:spPr>
           <a:xfrm>
             <a:off x="838080" y="365040"/>
-            <a:ext cx="10515240" cy="1325160"/>
+            <a:ext cx="10514880" cy="1324800"/>
           </a:xfrm>
           <a:prstGeom prst="rect">
             <a:avLst/>
@@ -4881,8 +4383,14 @@
             <a:noFill/>
           </a:ln>
         </p:spPr>
-        <p:txBody>
-          <a:bodyPr anchor="ctr">
+        <p:style>
+          <a:lnRef idx="0"/>
+          <a:fillRef idx="0"/>
+          <a:effectRef idx="0"/>
+          <a:fontRef idx="minor"/>
+        </p:style>
+        <p:txBody>
+          <a:bodyPr lIns="90000" rIns="90000" tIns="45000" bIns="45000" anchor="ctr">
             <a:noAutofit/>
           </a:bodyPr>
           <a:p>
@@ -4901,24 +4409,21 @@
               <a:t>Nächster Termin</a:t>
             </a:r>
             <a:endParaRPr b="0" lang="en-US" sz="4400" spc="-1" strike="noStrike">
-              <a:solidFill>
-                <a:srgbClr val="000000"/>
-              </a:solidFill>
-              <a:latin typeface="Calibri"/>
-            </a:endParaRPr>
-          </a:p>
-        </p:txBody>
-      </p:sp>
-      <p:sp>
-        <p:nvSpPr>
-          <p:cNvPr id="96" name="TextShape 2"/>
-          <p:cNvSpPr txBox="1"/>
+              <a:latin typeface="Arial"/>
+            </a:endParaRPr>
+          </a:p>
+        </p:txBody>
+      </p:sp>
+      <p:sp>
+        <p:nvSpPr>
+          <p:cNvPr id="90" name="CustomShape 2"/>
+          <p:cNvSpPr/>
           <p:nvPr/>
         </p:nvSpPr>
         <p:spPr>
           <a:xfrm>
             <a:off x="838080" y="1825560"/>
-            <a:ext cx="10515240" cy="4350960"/>
+            <a:ext cx="10514880" cy="4350600"/>
           </a:xfrm>
           <a:prstGeom prst="rect">
             <a:avLst/>
@@ -4928,12 +4433,18 @@
             <a:noFill/>
           </a:ln>
         </p:spPr>
-        <p:txBody>
-          <a:bodyPr>
+        <p:style>
+          <a:lnRef idx="0"/>
+          <a:fillRef idx="0"/>
+          <a:effectRef idx="0"/>
+          <a:fontRef idx="minor"/>
+        </p:style>
+        <p:txBody>
+          <a:bodyPr lIns="90000" rIns="90000" tIns="45000" bIns="45000">
             <a:noAutofit/>
           </a:bodyPr>
           <a:p>
-            <a:pPr marL="228600" indent="-228240">
+            <a:pPr marL="228600" indent="-227880">
               <a:lnSpc>
                 <a:spcPct val="90000"/>
               </a:lnSpc>
@@ -4953,13 +4464,10 @@
                 </a:solidFill>
                 <a:latin typeface="Calibri"/>
               </a:rPr>
-              <a:t>~Ende November im Science Park</a:t>
+              <a:t>~Anfang Mai im Science Park</a:t>
             </a:r>
             <a:endParaRPr b="0" lang="en-US" sz="2800" spc="-1" strike="noStrike">
-              <a:solidFill>
-                <a:srgbClr val="000000"/>
-              </a:solidFill>
-              <a:latin typeface="Calibri"/>
+              <a:latin typeface="Arial"/>
             </a:endParaRPr>
           </a:p>
         </p:txBody>
@@ -5023,14 +4531,14 @@
       </p:grpSpPr>
       <p:sp>
         <p:nvSpPr>
-          <p:cNvPr id="97" name="TextShape 1"/>
-          <p:cNvSpPr txBox="1"/>
+          <p:cNvPr id="91" name="CustomShape 1"/>
+          <p:cNvSpPr/>
           <p:nvPr/>
         </p:nvSpPr>
         <p:spPr>
           <a:xfrm>
             <a:off x="838080" y="365040"/>
-            <a:ext cx="10515240" cy="1325160"/>
+            <a:ext cx="10514880" cy="1324800"/>
           </a:xfrm>
           <a:prstGeom prst="rect">
             <a:avLst/>
@@ -5040,8 +4548,14 @@
             <a:noFill/>
           </a:ln>
         </p:spPr>
-        <p:txBody>
-          <a:bodyPr anchor="ctr">
+        <p:style>
+          <a:lnRef idx="0"/>
+          <a:fillRef idx="0"/>
+          <a:effectRef idx="0"/>
+          <a:fontRef idx="minor"/>
+        </p:style>
+        <p:txBody>
+          <a:bodyPr lIns="90000" rIns="90000" tIns="45000" bIns="45000" anchor="ctr">
             <a:noAutofit/>
           </a:bodyPr>
           <a:p>
@@ -5060,24 +4574,21 @@
               <a:t>Feedback</a:t>
             </a:r>
             <a:endParaRPr b="0" lang="en-US" sz="4400" spc="-1" strike="noStrike">
-              <a:solidFill>
-                <a:srgbClr val="000000"/>
-              </a:solidFill>
-              <a:latin typeface="Calibri"/>
-            </a:endParaRPr>
-          </a:p>
-        </p:txBody>
-      </p:sp>
-      <p:sp>
-        <p:nvSpPr>
-          <p:cNvPr id="98" name="TextShape 2"/>
-          <p:cNvSpPr txBox="1"/>
+              <a:latin typeface="Arial"/>
+            </a:endParaRPr>
+          </a:p>
+        </p:txBody>
+      </p:sp>
+      <p:sp>
+        <p:nvSpPr>
+          <p:cNvPr id="92" name="CustomShape 2"/>
+          <p:cNvSpPr/>
           <p:nvPr/>
         </p:nvSpPr>
         <p:spPr>
           <a:xfrm>
             <a:off x="838080" y="1825560"/>
-            <a:ext cx="10515240" cy="4350960"/>
+            <a:ext cx="10514880" cy="4350600"/>
           </a:xfrm>
           <a:prstGeom prst="rect">
             <a:avLst/>
@@ -5087,12 +4598,18 @@
             <a:noFill/>
           </a:ln>
         </p:spPr>
-        <p:txBody>
-          <a:bodyPr>
+        <p:style>
+          <a:lnRef idx="0"/>
+          <a:fillRef idx="0"/>
+          <a:effectRef idx="0"/>
+          <a:fontRef idx="minor"/>
+        </p:style>
+        <p:txBody>
+          <a:bodyPr lIns="90000" rIns="90000" tIns="45000" bIns="45000">
             <a:noAutofit/>
           </a:bodyPr>
           <a:p>
-            <a:pPr marL="228600" indent="-228240">
+            <a:pPr marL="228600" indent="-227880">
               <a:lnSpc>
                 <a:spcPct val="90000"/>
               </a:lnSpc>
@@ -5115,14 +4632,11 @@
               <a:t>Kommentare auf meetup.com</a:t>
             </a:r>
             <a:endParaRPr b="0" lang="en-US" sz="2800" spc="-1" strike="noStrike">
-              <a:solidFill>
-                <a:srgbClr val="000000"/>
-              </a:solidFill>
-              <a:latin typeface="Calibri"/>
-            </a:endParaRPr>
-          </a:p>
-          <a:p>
-            <a:pPr marL="228600" indent="-228240">
+              <a:latin typeface="Arial"/>
+            </a:endParaRPr>
+          </a:p>
+          <a:p>
+            <a:pPr marL="228600" indent="-227880">
               <a:lnSpc>
                 <a:spcPct val="90000"/>
               </a:lnSpc>
@@ -5165,14 +4679,11 @@
               <a:t> </a:t>
             </a:r>
             <a:endParaRPr b="0" lang="en-US" sz="2800" spc="-1" strike="noStrike">
-              <a:solidFill>
-                <a:srgbClr val="000000"/>
-              </a:solidFill>
-              <a:latin typeface="Calibri"/>
-            </a:endParaRPr>
-          </a:p>
-          <a:p>
-            <a:pPr marL="228600" indent="-228240">
+              <a:latin typeface="Arial"/>
+            </a:endParaRPr>
+          </a:p>
+          <a:p>
+            <a:pPr marL="228600" indent="-227880">
               <a:lnSpc>
                 <a:spcPct val="90000"/>
               </a:lnSpc>
@@ -5195,10 +4706,7 @@
               <a:t>…</a:t>
             </a:r>
             <a:endParaRPr b="0" lang="en-US" sz="2800" spc="-1" strike="noStrike">
-              <a:solidFill>
-                <a:srgbClr val="000000"/>
-              </a:solidFill>
-              <a:latin typeface="Calibri"/>
+              <a:latin typeface="Arial"/>
             </a:endParaRPr>
           </a:p>
         </p:txBody>

--- a/2019-02-19/1_intro/intro.pptx
+++ b/2019-02-19/1_intro/intro.pptx
@@ -12,6 +12,7 @@
     <p:sldId id="259" r:id="rId7"/>
     <p:sldId id="260" r:id="rId8"/>
     <p:sldId id="261" r:id="rId9"/>
+    <p:sldId id="262" r:id="rId10"/>
   </p:sldIdLst>
   <p:sldSz cx="12192000" cy="6858000"/>
   <p:notesSz cx="7559675" cy="10691812"/>
@@ -2766,8 +2767,8 @@
         </p:nvSpPr>
         <p:spPr>
           <a:xfrm>
-            <a:off x="838080" y="454680"/>
-            <a:ext cx="10514880" cy="1145160"/>
+            <a:off x="609480" y="273240"/>
+            <a:ext cx="10972080" cy="1145160"/>
           </a:xfrm>
           <a:prstGeom prst="rect">
             <a:avLst/>
@@ -2803,7 +2804,7 @@
         <p:spPr>
           <a:xfrm>
             <a:off x="609480" y="1604520"/>
-            <a:ext cx="10972440" cy="3977280"/>
+            <a:ext cx="10972080" cy="3976920"/>
           </a:xfrm>
           <a:prstGeom prst="rect">
             <a:avLst/>
@@ -2826,12 +2827,12 @@
               <a:buChar char=""/>
             </a:pPr>
             <a:r>
-              <a:rPr b="0" lang="en-US" sz="3200" spc="-1" strike="noStrike">
+              <a:rPr b="0" lang="en-US" sz="1800" spc="-1" strike="noStrike">
                 <a:latin typeface="Arial"/>
               </a:rPr>
               <a:t>Click to edit the outline text format</a:t>
             </a:r>
-            <a:endParaRPr b="0" lang="en-US" sz="3200" spc="-1" strike="noStrike">
+            <a:endParaRPr b="0" lang="en-US" sz="1800" spc="-1" strike="noStrike">
               <a:latin typeface="Arial"/>
             </a:endParaRPr>
           </a:p>
@@ -2848,12 +2849,12 @@
               <a:buChar char=""/>
             </a:pPr>
             <a:r>
-              <a:rPr b="0" lang="en-US" sz="2800" spc="-1" strike="noStrike">
+              <a:rPr b="0" lang="en-US" sz="1800" spc="-1" strike="noStrike">
                 <a:latin typeface="Arial"/>
               </a:rPr>
               <a:t>Second Outline Level</a:t>
             </a:r>
-            <a:endParaRPr b="0" lang="en-US" sz="2800" spc="-1" strike="noStrike">
+            <a:endParaRPr b="0" lang="en-US" sz="1800" spc="-1" strike="noStrike">
               <a:latin typeface="Arial"/>
             </a:endParaRPr>
           </a:p>
@@ -2870,12 +2871,12 @@
               <a:buChar char=""/>
             </a:pPr>
             <a:r>
-              <a:rPr b="0" lang="en-US" sz="2400" spc="-1" strike="noStrike">
+              <a:rPr b="0" lang="en-US" sz="1800" spc="-1" strike="noStrike">
                 <a:latin typeface="Arial"/>
               </a:rPr>
               <a:t>Third Outline Level</a:t>
             </a:r>
-            <a:endParaRPr b="0" lang="en-US" sz="2400" spc="-1" strike="noStrike">
+            <a:endParaRPr b="0" lang="en-US" sz="1800" spc="-1" strike="noStrike">
               <a:latin typeface="Arial"/>
             </a:endParaRPr>
           </a:p>
@@ -2892,12 +2893,12 @@
               <a:buChar char=""/>
             </a:pPr>
             <a:r>
-              <a:rPr b="0" lang="en-US" sz="2000" spc="-1" strike="noStrike">
+              <a:rPr b="0" lang="en-US" sz="1800" spc="-1" strike="noStrike">
                 <a:latin typeface="Arial"/>
               </a:rPr>
               <a:t>Fourth Outline Level</a:t>
             </a:r>
-            <a:endParaRPr b="0" lang="en-US" sz="2000" spc="-1" strike="noStrike">
+            <a:endParaRPr b="0" lang="en-US" sz="1800" spc="-1" strike="noStrike">
               <a:latin typeface="Arial"/>
             </a:endParaRPr>
           </a:p>
@@ -2914,12 +2915,12 @@
               <a:buChar char=""/>
             </a:pPr>
             <a:r>
-              <a:rPr b="0" lang="en-US" sz="2000" spc="-1" strike="noStrike">
+              <a:rPr b="0" lang="en-US" sz="1800" spc="-1" strike="noStrike">
                 <a:latin typeface="Arial"/>
               </a:rPr>
               <a:t>Fifth Outline Level</a:t>
             </a:r>
-            <a:endParaRPr b="0" lang="en-US" sz="2000" spc="-1" strike="noStrike">
+            <a:endParaRPr b="0" lang="en-US" sz="1800" spc="-1" strike="noStrike">
               <a:latin typeface="Arial"/>
             </a:endParaRPr>
           </a:p>
@@ -2936,12 +2937,12 @@
               <a:buChar char=""/>
             </a:pPr>
             <a:r>
-              <a:rPr b="0" lang="en-US" sz="2000" spc="-1" strike="noStrike">
+              <a:rPr b="0" lang="en-US" sz="1800" spc="-1" strike="noStrike">
                 <a:latin typeface="Arial"/>
               </a:rPr>
               <a:t>Sixth Outline Level</a:t>
             </a:r>
-            <a:endParaRPr b="0" lang="en-US" sz="2000" spc="-1" strike="noStrike">
+            <a:endParaRPr b="0" lang="en-US" sz="1800" spc="-1" strike="noStrike">
               <a:latin typeface="Arial"/>
             </a:endParaRPr>
           </a:p>
@@ -2958,12 +2959,12 @@
               <a:buChar char=""/>
             </a:pPr>
             <a:r>
-              <a:rPr b="0" lang="en-US" sz="2000" spc="-1" strike="noStrike">
+              <a:rPr b="0" lang="en-US" sz="1800" spc="-1" strike="noStrike">
                 <a:latin typeface="Arial"/>
               </a:rPr>
               <a:t>Seventh Outline Level</a:t>
             </a:r>
-            <a:endParaRPr b="0" lang="en-US" sz="2000" spc="-1" strike="noStrike">
+            <a:endParaRPr b="0" lang="en-US" sz="1800" spc="-1" strike="noStrike">
               <a:latin typeface="Arial"/>
             </a:endParaRPr>
           </a:p>
@@ -3275,7 +3276,7 @@
         <p:spPr>
           <a:xfrm>
             <a:off x="1523880" y="1122480"/>
-            <a:ext cx="9143280" cy="2386800"/>
+            <a:ext cx="9142920" cy="2386440"/>
           </a:xfrm>
           <a:prstGeom prst="rect">
             <a:avLst/>
@@ -3307,6 +3308,7 @@
                   <a:srgbClr val="000000"/>
                 </a:solidFill>
                 <a:latin typeface="Calibri Light"/>
+                <a:ea typeface="DejaVu Sans"/>
               </a:rPr>
               <a:t>Kassel Data-Science </a:t>
             </a:r>
@@ -3317,6 +3319,7 @@
                   <a:srgbClr val="000000"/>
                 </a:solidFill>
                 <a:latin typeface="Calibri Light"/>
+                <a:ea typeface="DejaVu Sans"/>
               </a:rPr>
               <a:t>Meetup Volume 7</a:t>
             </a:r>
@@ -3339,7 +3342,7 @@
         <p:spPr>
           <a:xfrm>
             <a:off x="178200" y="116280"/>
-            <a:ext cx="2066400" cy="1267920"/>
+            <a:ext cx="2066040" cy="1267560"/>
           </a:xfrm>
           <a:prstGeom prst="rect">
             <a:avLst/>
@@ -3415,7 +3418,7 @@
         <p:spPr>
           <a:xfrm>
             <a:off x="838080" y="365040"/>
-            <a:ext cx="10514880" cy="1324800"/>
+            <a:ext cx="10514520" cy="1324440"/>
           </a:xfrm>
           <a:prstGeom prst="rect">
             <a:avLst/>
@@ -3447,8 +3450,9 @@
                   <a:srgbClr val="000000"/>
                 </a:solidFill>
                 <a:latin typeface="Calibri Light"/>
+                <a:ea typeface="DejaVu Sans"/>
               </a:rPr>
-              <a:t>Generelles Vorgehen</a:t>
+              <a:t>WLAN</a:t>
             </a:r>
             <a:endParaRPr b="0" lang="en-US" sz="4400" spc="-1" strike="noStrike">
               <a:latin typeface="Arial"/>
@@ -3465,7 +3469,7 @@
         <p:spPr>
           <a:xfrm>
             <a:off x="838080" y="1825560"/>
-            <a:ext cx="10514880" cy="4350600"/>
+            <a:ext cx="10514520" cy="4350240"/>
           </a:xfrm>
           <a:prstGeom prst="rect">
             <a:avLst/>
@@ -3486,7 +3490,25 @@
             <a:noAutofit/>
           </a:bodyPr>
           <a:p>
-            <a:pPr marL="228600" indent="-227880">
+            <a:pPr marL="228600" indent="-227520">
+              <a:lnSpc>
+                <a:spcPct val="90000"/>
+              </a:lnSpc>
+              <a:spcBef>
+                <a:spcPts val="1001"/>
+              </a:spcBef>
+              <a:buClr>
+                <a:srgbClr val="000000"/>
+              </a:buClr>
+              <a:buFont typeface="Arial"/>
+              <a:buChar char="•"/>
+            </a:pPr>
+            <a:endParaRPr b="0" lang="en-US" sz="1800" spc="-1" strike="noStrike">
+              <a:latin typeface="Arial"/>
+            </a:endParaRPr>
+          </a:p>
+          <a:p>
+            <a:pPr marL="228600" indent="-227520">
               <a:lnSpc>
                 <a:spcPct val="90000"/>
               </a:lnSpc>
@@ -3505,33 +3527,16 @@
                   <a:srgbClr val="000000"/>
                 </a:solidFill>
                 <a:latin typeface="Calibri"/>
+                <a:ea typeface="DejaVu Sans"/>
               </a:rPr>
-              <a:t>Terminmanagement über Meetup.com (Gruppe beitreten) / Twitter </a:t>
-            </a:r>
-            <a:r>
-              <a:rPr b="0" lang="en-US" sz="2000" spc="-1" strike="noStrike">
-                <a:solidFill>
-                  <a:srgbClr val="000000"/>
-                </a:solidFill>
-                <a:latin typeface="Calibri"/>
-              </a:rPr>
-              <a:t>(@dataScienceKs)</a:t>
-            </a:r>
-            <a:r>
-              <a:rPr b="0" lang="en-US" sz="2800" spc="-1" strike="noStrike">
-                <a:solidFill>
-                  <a:srgbClr val="000000"/>
-                </a:solidFill>
-                <a:latin typeface="Calibri"/>
-              </a:rPr>
-              <a:t> </a:t>
+              <a:t>Name: SPK-Hotspot</a:t>
             </a:r>
             <a:endParaRPr b="0" lang="en-US" sz="2800" spc="-1" strike="noStrike">
               <a:latin typeface="Arial"/>
             </a:endParaRPr>
           </a:p>
           <a:p>
-            <a:pPr marL="228600" indent="-227880">
+            <a:pPr marL="228600" indent="-227520">
               <a:lnSpc>
                 <a:spcPct val="90000"/>
               </a:lnSpc>
@@ -3550,96 +3555,16 @@
                   <a:srgbClr val="000000"/>
                 </a:solidFill>
                 <a:latin typeface="Calibri"/>
+                <a:ea typeface="DejaVu Sans"/>
               </a:rPr>
-              <a:t>Themen / Vorträge kommen von euch</a:t>
+              <a:t>Anmelde Seite: hotspot.sciencepark-kassel.de</a:t>
             </a:r>
             <a:endParaRPr b="0" lang="en-US" sz="2800" spc="-1" strike="noStrike">
               <a:latin typeface="Arial"/>
             </a:endParaRPr>
           </a:p>
           <a:p>
-            <a:pPr lvl="1" marL="685800" indent="-227880">
-              <a:lnSpc>
-                <a:spcPct val="90000"/>
-              </a:lnSpc>
-              <a:spcBef>
-                <a:spcPts val="499"/>
-              </a:spcBef>
-              <a:buClr>
-                <a:srgbClr val="000000"/>
-              </a:buClr>
-              <a:buFont typeface="Arial"/>
-              <a:buChar char="•"/>
-            </a:pPr>
-            <a:r>
-              <a:rPr b="0" lang="en-US" sz="2400" spc="-1" strike="noStrike">
-                <a:solidFill>
-                  <a:srgbClr val="000000"/>
-                </a:solidFill>
-                <a:latin typeface="Calibri"/>
-              </a:rPr>
-              <a:t>20-40min pro Vortrag (+5min Q&amp;A)</a:t>
-            </a:r>
-            <a:endParaRPr b="0" lang="en-US" sz="2400" spc="-1" strike="noStrike">
-              <a:latin typeface="Arial"/>
-            </a:endParaRPr>
-          </a:p>
-          <a:p>
-            <a:pPr lvl="1" marL="685800" indent="-227880">
-              <a:lnSpc>
-                <a:spcPct val="90000"/>
-              </a:lnSpc>
-              <a:spcBef>
-                <a:spcPts val="499"/>
-              </a:spcBef>
-              <a:buClr>
-                <a:srgbClr val="000000"/>
-              </a:buClr>
-              <a:buFont typeface="Arial"/>
-              <a:buChar char="•"/>
-            </a:pPr>
-            <a:r>
-              <a:rPr b="0" lang="en-US" sz="2400" spc="-1" strike="noStrike">
-                <a:solidFill>
-                  <a:srgbClr val="000000"/>
-                </a:solidFill>
-                <a:latin typeface="Calibri"/>
-              </a:rPr>
-              <a:t>Themen aus dem Data (-Science) Spektrum</a:t>
-            </a:r>
-            <a:endParaRPr b="0" lang="en-US" sz="2400" spc="-1" strike="noStrike">
-              <a:latin typeface="Arial"/>
-            </a:endParaRPr>
-          </a:p>
-          <a:p>
-            <a:pPr lvl="1" marL="685800" indent="-227880">
-              <a:lnSpc>
-                <a:spcPct val="90000"/>
-              </a:lnSpc>
-              <a:spcBef>
-                <a:spcPts val="499"/>
-              </a:spcBef>
-              <a:buClr>
-                <a:srgbClr val="000000"/>
-              </a:buClr>
-              <a:buFont typeface="Arial"/>
-              <a:buChar char="•"/>
-            </a:pPr>
-            <a:r>
-              <a:rPr b="0" lang="en-US" sz="2400" spc="-1" strike="noStrike">
-                <a:solidFill>
-                  <a:srgbClr val="000000"/>
-                </a:solidFill>
-                <a:latin typeface="Calibri"/>
-              </a:rPr>
-              <a:t>Folien / Snippets werden zur Verfügung gestellt auf Github (MIT License)</a:t>
-            </a:r>
-            <a:endParaRPr b="0" lang="en-US" sz="2400" spc="-1" strike="noStrike">
-              <a:latin typeface="Arial"/>
-            </a:endParaRPr>
-          </a:p>
-          <a:p>
-            <a:pPr marL="228600" indent="-227880">
+            <a:pPr marL="228600" indent="-227520">
               <a:lnSpc>
                 <a:spcPct val="90000"/>
               </a:lnSpc>
@@ -3658,15 +3583,16 @@
                   <a:srgbClr val="000000"/>
                 </a:solidFill>
                 <a:latin typeface="Calibri"/>
+                <a:ea typeface="DejaVu Sans"/>
               </a:rPr>
-              <a:t>Location im Science Park</a:t>
+              <a:t>Benutzername: user9756</a:t>
             </a:r>
             <a:endParaRPr b="0" lang="en-US" sz="2800" spc="-1" strike="noStrike">
               <a:latin typeface="Arial"/>
             </a:endParaRPr>
           </a:p>
           <a:p>
-            <a:pPr marL="228600" indent="-227880">
+            <a:pPr marL="228600" indent="-227520">
               <a:lnSpc>
                 <a:spcPct val="90000"/>
               </a:lnSpc>
@@ -3685,9 +3611,74 @@
                   <a:srgbClr val="000000"/>
                 </a:solidFill>
                 <a:latin typeface="Calibri"/>
+                <a:ea typeface="DejaVu Sans"/>
               </a:rPr>
-              <a:t>Pizza, Getränke und Raum werden durch Sponsoren gestellt</a:t>
+              <a:t>Passwort: ucpag11m</a:t>
             </a:r>
+            <a:endParaRPr b="0" lang="en-US" sz="2800" spc="-1" strike="noStrike">
+              <a:latin typeface="Arial"/>
+            </a:endParaRPr>
+          </a:p>
+          <a:p>
+            <a:pPr marL="228600" indent="-227520">
+              <a:lnSpc>
+                <a:spcPct val="90000"/>
+              </a:lnSpc>
+              <a:spcBef>
+                <a:spcPts val="1001"/>
+              </a:spcBef>
+              <a:buClr>
+                <a:srgbClr val="000000"/>
+              </a:buClr>
+              <a:buFont typeface="Arial"/>
+              <a:buChar char="•"/>
+            </a:pPr>
+            <a:endParaRPr b="0" lang="en-US" sz="2800" spc="-1" strike="noStrike">
+              <a:latin typeface="Arial"/>
+            </a:endParaRPr>
+          </a:p>
+          <a:p>
+            <a:pPr marL="228600" indent="-227520">
+              <a:lnSpc>
+                <a:spcPct val="90000"/>
+              </a:lnSpc>
+              <a:spcBef>
+                <a:spcPts val="1001"/>
+              </a:spcBef>
+              <a:buClr>
+                <a:srgbClr val="000000"/>
+              </a:buClr>
+              <a:buFont typeface="Arial"/>
+              <a:buChar char="•"/>
+            </a:pPr>
+            <a:r>
+              <a:rPr b="0" lang="en-US" sz="2800" spc="-1" strike="noStrike">
+                <a:solidFill>
+                  <a:srgbClr val="000000"/>
+                </a:solidFill>
+                <a:latin typeface="Calibri"/>
+                <a:ea typeface="DejaVu Sans"/>
+              </a:rPr>
+              <a:t>Zu schnell ? Zettel liegt vorne !</a:t>
+            </a:r>
+            <a:endParaRPr b="0" lang="en-US" sz="2800" spc="-1" strike="noStrike">
+              <a:latin typeface="Arial"/>
+            </a:endParaRPr>
+          </a:p>
+          <a:p>
+            <a:pPr marL="228600" indent="-227520">
+              <a:lnSpc>
+                <a:spcPct val="90000"/>
+              </a:lnSpc>
+              <a:spcBef>
+                <a:spcPts val="1001"/>
+              </a:spcBef>
+              <a:buClr>
+                <a:srgbClr val="000000"/>
+              </a:buClr>
+              <a:buFont typeface="Arial"/>
+              <a:buChar char="•"/>
+            </a:pPr>
             <a:endParaRPr b="0" lang="en-US" sz="2800" spc="-1" strike="noStrike">
               <a:latin typeface="Arial"/>
             </a:endParaRPr>
@@ -3760,7 +3751,7 @@
         <p:spPr>
           <a:xfrm>
             <a:off x="838080" y="365040"/>
-            <a:ext cx="10514880" cy="1324800"/>
+            <a:ext cx="10514520" cy="1324440"/>
           </a:xfrm>
           <a:prstGeom prst="rect">
             <a:avLst/>
@@ -3792,6 +3783,362 @@
                   <a:srgbClr val="000000"/>
                 </a:solidFill>
                 <a:latin typeface="Calibri Light"/>
+                <a:ea typeface="DejaVu Sans"/>
+              </a:rPr>
+              <a:t>Generelles Vorgehen</a:t>
+            </a:r>
+            <a:endParaRPr b="0" lang="en-US" sz="4400" spc="-1" strike="noStrike">
+              <a:latin typeface="Arial"/>
+            </a:endParaRPr>
+          </a:p>
+        </p:txBody>
+      </p:sp>
+      <p:sp>
+        <p:nvSpPr>
+          <p:cNvPr id="81" name="CustomShape 2"/>
+          <p:cNvSpPr/>
+          <p:nvPr/>
+        </p:nvSpPr>
+        <p:spPr>
+          <a:xfrm>
+            <a:off x="838080" y="1825560"/>
+            <a:ext cx="10514520" cy="4350240"/>
+          </a:xfrm>
+          <a:prstGeom prst="rect">
+            <a:avLst/>
+          </a:prstGeom>
+          <a:noFill/>
+          <a:ln>
+            <a:noFill/>
+          </a:ln>
+        </p:spPr>
+        <p:style>
+          <a:lnRef idx="0"/>
+          <a:fillRef idx="0"/>
+          <a:effectRef idx="0"/>
+          <a:fontRef idx="minor"/>
+        </p:style>
+        <p:txBody>
+          <a:bodyPr lIns="90000" rIns="90000" tIns="45000" bIns="45000">
+            <a:noAutofit/>
+          </a:bodyPr>
+          <a:p>
+            <a:pPr marL="228600" indent="-227520">
+              <a:lnSpc>
+                <a:spcPct val="90000"/>
+              </a:lnSpc>
+              <a:spcBef>
+                <a:spcPts val="1001"/>
+              </a:spcBef>
+              <a:buClr>
+                <a:srgbClr val="000000"/>
+              </a:buClr>
+              <a:buFont typeface="Arial"/>
+              <a:buChar char="•"/>
+            </a:pPr>
+            <a:r>
+              <a:rPr b="0" lang="en-US" sz="2800" spc="-1" strike="noStrike">
+                <a:solidFill>
+                  <a:srgbClr val="000000"/>
+                </a:solidFill>
+                <a:latin typeface="Calibri"/>
+                <a:ea typeface="DejaVu Sans"/>
+              </a:rPr>
+              <a:t>Terminmanagement über Meetup.com (Gruppe beitreten) / Twitter </a:t>
+            </a:r>
+            <a:r>
+              <a:rPr b="0" lang="en-US" sz="2000" spc="-1" strike="noStrike">
+                <a:solidFill>
+                  <a:srgbClr val="000000"/>
+                </a:solidFill>
+                <a:latin typeface="Calibri"/>
+                <a:ea typeface="DejaVu Sans"/>
+              </a:rPr>
+              <a:t>(@dataScienceKs)</a:t>
+            </a:r>
+            <a:r>
+              <a:rPr b="0" lang="en-US" sz="2800" spc="-1" strike="noStrike">
+                <a:solidFill>
+                  <a:srgbClr val="000000"/>
+                </a:solidFill>
+                <a:latin typeface="Calibri"/>
+                <a:ea typeface="DejaVu Sans"/>
+              </a:rPr>
+              <a:t> </a:t>
+            </a:r>
+            <a:endParaRPr b="0" lang="en-US" sz="2800" spc="-1" strike="noStrike">
+              <a:latin typeface="Arial"/>
+            </a:endParaRPr>
+          </a:p>
+          <a:p>
+            <a:pPr marL="228600" indent="-227520">
+              <a:lnSpc>
+                <a:spcPct val="90000"/>
+              </a:lnSpc>
+              <a:spcBef>
+                <a:spcPts val="1001"/>
+              </a:spcBef>
+              <a:buClr>
+                <a:srgbClr val="000000"/>
+              </a:buClr>
+              <a:buFont typeface="Arial"/>
+              <a:buChar char="•"/>
+            </a:pPr>
+            <a:r>
+              <a:rPr b="0" lang="en-US" sz="2800" spc="-1" strike="noStrike">
+                <a:solidFill>
+                  <a:srgbClr val="000000"/>
+                </a:solidFill>
+                <a:latin typeface="Calibri"/>
+                <a:ea typeface="DejaVu Sans"/>
+              </a:rPr>
+              <a:t>Themen / Vorträge kommen von euch</a:t>
+            </a:r>
+            <a:endParaRPr b="0" lang="en-US" sz="2800" spc="-1" strike="noStrike">
+              <a:latin typeface="Arial"/>
+            </a:endParaRPr>
+          </a:p>
+          <a:p>
+            <a:pPr lvl="1" marL="685800" indent="-227520">
+              <a:lnSpc>
+                <a:spcPct val="90000"/>
+              </a:lnSpc>
+              <a:spcBef>
+                <a:spcPts val="499"/>
+              </a:spcBef>
+              <a:buClr>
+                <a:srgbClr val="000000"/>
+              </a:buClr>
+              <a:buFont typeface="Arial"/>
+              <a:buChar char="•"/>
+            </a:pPr>
+            <a:r>
+              <a:rPr b="0" lang="en-US" sz="2400" spc="-1" strike="noStrike">
+                <a:solidFill>
+                  <a:srgbClr val="000000"/>
+                </a:solidFill>
+                <a:latin typeface="Calibri"/>
+                <a:ea typeface="DejaVu Sans"/>
+              </a:rPr>
+              <a:t>20-40min pro Vortrag (+5min Q&amp;A)</a:t>
+            </a:r>
+            <a:endParaRPr b="0" lang="en-US" sz="2400" spc="-1" strike="noStrike">
+              <a:latin typeface="Arial"/>
+            </a:endParaRPr>
+          </a:p>
+          <a:p>
+            <a:pPr lvl="1" marL="685800" indent="-227520">
+              <a:lnSpc>
+                <a:spcPct val="90000"/>
+              </a:lnSpc>
+              <a:spcBef>
+                <a:spcPts val="499"/>
+              </a:spcBef>
+              <a:buClr>
+                <a:srgbClr val="000000"/>
+              </a:buClr>
+              <a:buFont typeface="Arial"/>
+              <a:buChar char="•"/>
+            </a:pPr>
+            <a:r>
+              <a:rPr b="0" lang="en-US" sz="2400" spc="-1" strike="noStrike">
+                <a:solidFill>
+                  <a:srgbClr val="000000"/>
+                </a:solidFill>
+                <a:latin typeface="Calibri"/>
+                <a:ea typeface="DejaVu Sans"/>
+              </a:rPr>
+              <a:t>Themen aus dem Data (-Science) Spektrum</a:t>
+            </a:r>
+            <a:endParaRPr b="0" lang="en-US" sz="2400" spc="-1" strike="noStrike">
+              <a:latin typeface="Arial"/>
+            </a:endParaRPr>
+          </a:p>
+          <a:p>
+            <a:pPr lvl="1" marL="685800" indent="-227520">
+              <a:lnSpc>
+                <a:spcPct val="90000"/>
+              </a:lnSpc>
+              <a:spcBef>
+                <a:spcPts val="499"/>
+              </a:spcBef>
+              <a:buClr>
+                <a:srgbClr val="000000"/>
+              </a:buClr>
+              <a:buFont typeface="Arial"/>
+              <a:buChar char="•"/>
+            </a:pPr>
+            <a:r>
+              <a:rPr b="0" lang="en-US" sz="2400" spc="-1" strike="noStrike">
+                <a:solidFill>
+                  <a:srgbClr val="000000"/>
+                </a:solidFill>
+                <a:latin typeface="Calibri"/>
+                <a:ea typeface="DejaVu Sans"/>
+              </a:rPr>
+              <a:t>Folien / Snippets werden zur Verfügung gestellt auf Github (MIT License)</a:t>
+            </a:r>
+            <a:endParaRPr b="0" lang="en-US" sz="2400" spc="-1" strike="noStrike">
+              <a:latin typeface="Arial"/>
+            </a:endParaRPr>
+          </a:p>
+          <a:p>
+            <a:pPr marL="228600" indent="-227520">
+              <a:lnSpc>
+                <a:spcPct val="90000"/>
+              </a:lnSpc>
+              <a:spcBef>
+                <a:spcPts val="1001"/>
+              </a:spcBef>
+              <a:buClr>
+                <a:srgbClr val="000000"/>
+              </a:buClr>
+              <a:buFont typeface="Arial"/>
+              <a:buChar char="•"/>
+            </a:pPr>
+            <a:r>
+              <a:rPr b="0" lang="en-US" sz="2800" spc="-1" strike="noStrike">
+                <a:solidFill>
+                  <a:srgbClr val="000000"/>
+                </a:solidFill>
+                <a:latin typeface="Calibri"/>
+                <a:ea typeface="DejaVu Sans"/>
+              </a:rPr>
+              <a:t>Location im Science Park</a:t>
+            </a:r>
+            <a:endParaRPr b="0" lang="en-US" sz="2800" spc="-1" strike="noStrike">
+              <a:latin typeface="Arial"/>
+            </a:endParaRPr>
+          </a:p>
+          <a:p>
+            <a:pPr marL="228600" indent="-227520">
+              <a:lnSpc>
+                <a:spcPct val="90000"/>
+              </a:lnSpc>
+              <a:spcBef>
+                <a:spcPts val="1001"/>
+              </a:spcBef>
+              <a:buClr>
+                <a:srgbClr val="000000"/>
+              </a:buClr>
+              <a:buFont typeface="Arial"/>
+              <a:buChar char="•"/>
+            </a:pPr>
+            <a:r>
+              <a:rPr b="0" lang="en-US" sz="2800" spc="-1" strike="noStrike">
+                <a:solidFill>
+                  <a:srgbClr val="000000"/>
+                </a:solidFill>
+                <a:latin typeface="Calibri"/>
+                <a:ea typeface="DejaVu Sans"/>
+              </a:rPr>
+              <a:t>Pizza, Getränke und Raum werden durch Sponsoren gestellt</a:t>
+            </a:r>
+            <a:endParaRPr b="0" lang="en-US" sz="2800" spc="-1" strike="noStrike">
+              <a:latin typeface="Arial"/>
+            </a:endParaRPr>
+          </a:p>
+        </p:txBody>
+      </p:sp>
+    </p:spTree>
+  </p:cSld>
+  <mc:AlternateContent>
+    <mc:Choice Requires="p14">
+      <p:transition spd="slow" p14:dur="2000"/>
+    </mc:Choice>
+    <mc:Fallback>
+      <p:transition spd="slow"/>
+    </mc:Fallback>
+  </mc:AlternateContent>
+  <p:timing>
+    <p:tnLst>
+      <p:par>
+        <p:cTn id="5" dur="indefinite" restart="never" nodeType="tmRoot">
+          <p:childTnLst>
+            <p:seq>
+              <p:cTn id="6" dur="indefinite" nodeType="mainSeq"/>
+              <p:prevCondLst>
+                <p:cond delay="0" evt="onPrev">
+                  <p:tgtEl>
+                    <p:sldTgt/>
+                  </p:tgtEl>
+                </p:cond>
+              </p:prevCondLst>
+              <p:nextCondLst>
+                <p:cond delay="0" evt="onNext">
+                  <p:tgtEl>
+                    <p:sldTgt/>
+                  </p:tgtEl>
+                </p:cond>
+              </p:nextCondLst>
+            </p:seq>
+          </p:childTnLst>
+        </p:cTn>
+      </p:par>
+    </p:tnLst>
+  </p:timing>
+</p:sld>
+</file>
+
+<file path=ppt/slides/slide4.xml><?xml version="1.0" encoding="utf-8"?>
+<p:sld xmlns:a="http://schemas.openxmlformats.org/drawingml/2006/main" xmlns:p="http://schemas.openxmlformats.org/presentationml/2006/main" xmlns:r="http://schemas.openxmlformats.org/officeDocument/2006/relationships" xmlns:p14="http://schemas.microsoft.com/office/powerpoint/2010/main" xmlns:p15="http://schemas.microsoft.com/office/powerpoint/2012/main" xmlns:mc="http://schemas.openxmlformats.org/markup-compatibility/2006">
+  <p:cSld>
+    <p:spTree>
+      <p:nvGrpSpPr>
+        <p:cNvPr id="1" name=""/>
+        <p:cNvGrpSpPr/>
+        <p:nvPr/>
+      </p:nvGrpSpPr>
+      <p:grpSpPr>
+        <a:xfrm>
+          <a:off x="0" y="0"/>
+          <a:ext cx="0" cy="0"/>
+          <a:chOff x="0" y="0"/>
+          <a:chExt cx="0" cy="0"/>
+        </a:xfrm>
+      </p:grpSpPr>
+      <p:sp>
+        <p:nvSpPr>
+          <p:cNvPr id="82" name="CustomShape 1"/>
+          <p:cNvSpPr/>
+          <p:nvPr/>
+        </p:nvSpPr>
+        <p:spPr>
+          <a:xfrm>
+            <a:off x="838080" y="365040"/>
+            <a:ext cx="10514520" cy="1324440"/>
+          </a:xfrm>
+          <a:prstGeom prst="rect">
+            <a:avLst/>
+          </a:prstGeom>
+          <a:noFill/>
+          <a:ln>
+            <a:noFill/>
+          </a:ln>
+        </p:spPr>
+        <p:style>
+          <a:lnRef idx="0"/>
+          <a:fillRef idx="0"/>
+          <a:effectRef idx="0"/>
+          <a:fontRef idx="minor"/>
+        </p:style>
+        <p:txBody>
+          <a:bodyPr lIns="90000" rIns="90000" tIns="45000" bIns="45000" anchor="ctr">
+            <a:noAutofit/>
+          </a:bodyPr>
+          <a:p>
+            <a:pPr>
+              <a:lnSpc>
+                <a:spcPct val="90000"/>
+              </a:lnSpc>
+            </a:pPr>
+            <a:r>
+              <a:rPr b="0" lang="en-US" sz="4400" spc="-1" strike="noStrike">
+                <a:solidFill>
+                  <a:srgbClr val="000000"/>
+                </a:solidFill>
+                <a:latin typeface="Calibri Light"/>
+                <a:ea typeface="DejaVu Sans"/>
               </a:rPr>
               <a:t>Sponsor</a:t>
             </a:r>
@@ -3803,7 +4150,7 @@
       </p:sp>
       <p:pic>
         <p:nvPicPr>
-          <p:cNvPr id="81" name="Content Placeholder 4" descr=""/>
+          <p:cNvPr id="83" name="Content Placeholder 4" descr=""/>
           <p:cNvPicPr/>
           <p:nvPr/>
         </p:nvPicPr>
@@ -3814,7 +4161,7 @@
         <p:spPr>
           <a:xfrm>
             <a:off x="838080" y="2142000"/>
-            <a:ext cx="10514880" cy="3718080"/>
+            <a:ext cx="10514520" cy="3717720"/>
           </a:xfrm>
           <a:prstGeom prst="rect">
             <a:avLst/>
@@ -3826,7 +4173,7 @@
       </p:pic>
       <p:pic>
         <p:nvPicPr>
-          <p:cNvPr id="82" name="Picture 3" descr=""/>
+          <p:cNvPr id="84" name="Picture 3" descr=""/>
           <p:cNvPicPr/>
           <p:nvPr/>
         </p:nvPicPr>
@@ -3837,7 +4184,7 @@
         <p:spPr>
           <a:xfrm>
             <a:off x="-6840" y="0"/>
-            <a:ext cx="12191400" cy="6857280"/>
+            <a:ext cx="12191040" cy="6856920"/>
           </a:xfrm>
           <a:prstGeom prst="rect">
             <a:avLst/>
@@ -3849,21 +4196,21 @@
       </p:pic>
       <p:grpSp>
         <p:nvGrpSpPr>
-          <p:cNvPr id="83" name="Group 2"/>
+          <p:cNvPr id="85" name="Group 2"/>
           <p:cNvGrpSpPr/>
           <p:nvPr/>
         </p:nvGrpSpPr>
         <p:grpSpPr>
           <a:xfrm>
             <a:off x="3648960" y="2142000"/>
-            <a:ext cx="4118760" cy="2087640"/>
+            <a:ext cx="4118400" cy="2087280"/>
             <a:chOff x="3648960" y="2142000"/>
-            <a:chExt cx="4118760" cy="2087640"/>
+            <a:chExt cx="4118400" cy="2087280"/>
           </a:xfrm>
         </p:grpSpPr>
         <p:pic>
           <p:nvPicPr>
-            <p:cNvPr id="84" name="Picture 5" descr=""/>
+            <p:cNvPr id="86" name="Picture 5" descr=""/>
             <p:cNvPicPr/>
             <p:nvPr/>
           </p:nvPicPr>
@@ -3874,7 +4221,7 @@
           <p:spPr>
             <a:xfrm>
               <a:off x="3648960" y="2142000"/>
-              <a:ext cx="4118760" cy="1456200"/>
+              <a:ext cx="4118400" cy="1455840"/>
             </a:xfrm>
             <a:prstGeom prst="rect">
               <a:avLst/>
@@ -3886,14 +4233,14 @@
         </p:pic>
         <p:sp>
           <p:nvSpPr>
-            <p:cNvPr id="85" name="CustomShape 3"/>
+            <p:cNvPr id="87" name="CustomShape 3"/>
             <p:cNvSpPr/>
             <p:nvPr/>
           </p:nvSpPr>
           <p:spPr>
             <a:xfrm>
               <a:off x="4686480" y="3865320"/>
-              <a:ext cx="1775160" cy="364320"/>
+              <a:ext cx="1775160" cy="363960"/>
             </a:xfrm>
             <a:prstGeom prst="rect">
               <a:avLst/>
@@ -3961,365 +4308,6 @@
   <p:timing>
     <p:tnLst>
       <p:par>
-        <p:cTn id="5" dur="indefinite" restart="never" nodeType="tmRoot">
-          <p:childTnLst>
-            <p:seq>
-              <p:cTn id="6" dur="indefinite" nodeType="mainSeq"/>
-              <p:prevCondLst>
-                <p:cond delay="0" evt="onPrev">
-                  <p:tgtEl>
-                    <p:sldTgt/>
-                  </p:tgtEl>
-                </p:cond>
-              </p:prevCondLst>
-              <p:nextCondLst>
-                <p:cond delay="0" evt="onNext">
-                  <p:tgtEl>
-                    <p:sldTgt/>
-                  </p:tgtEl>
-                </p:cond>
-              </p:nextCondLst>
-            </p:seq>
-          </p:childTnLst>
-        </p:cTn>
-      </p:par>
-    </p:tnLst>
-  </p:timing>
-</p:sld>
-</file>
-
-<file path=ppt/slides/slide4.xml><?xml version="1.0" encoding="utf-8"?>
-<p:sld xmlns:a="http://schemas.openxmlformats.org/drawingml/2006/main" xmlns:p="http://schemas.openxmlformats.org/presentationml/2006/main" xmlns:r="http://schemas.openxmlformats.org/officeDocument/2006/relationships" xmlns:p14="http://schemas.microsoft.com/office/powerpoint/2010/main" xmlns:p15="http://schemas.microsoft.com/office/powerpoint/2012/main" xmlns:mc="http://schemas.openxmlformats.org/markup-compatibility/2006">
-  <p:cSld>
-    <p:spTree>
-      <p:nvGrpSpPr>
-        <p:cNvPr id="1" name=""/>
-        <p:cNvGrpSpPr/>
-        <p:nvPr/>
-      </p:nvGrpSpPr>
-      <p:grpSpPr>
-        <a:xfrm>
-          <a:off x="0" y="0"/>
-          <a:ext cx="0" cy="0"/>
-          <a:chOff x="0" y="0"/>
-          <a:chExt cx="0" cy="0"/>
-        </a:xfrm>
-      </p:grpSpPr>
-      <p:sp>
-        <p:nvSpPr>
-          <p:cNvPr id="86" name="CustomShape 1"/>
-          <p:cNvSpPr/>
-          <p:nvPr/>
-        </p:nvSpPr>
-        <p:spPr>
-          <a:xfrm>
-            <a:off x="838080" y="365040"/>
-            <a:ext cx="10514880" cy="1324800"/>
-          </a:xfrm>
-          <a:prstGeom prst="rect">
-            <a:avLst/>
-          </a:prstGeom>
-          <a:noFill/>
-          <a:ln>
-            <a:noFill/>
-          </a:ln>
-        </p:spPr>
-        <p:style>
-          <a:lnRef idx="0"/>
-          <a:fillRef idx="0"/>
-          <a:effectRef idx="0"/>
-          <a:fontRef idx="minor"/>
-        </p:style>
-        <p:txBody>
-          <a:bodyPr lIns="90000" rIns="90000" tIns="45000" bIns="45000" anchor="ctr">
-            <a:noAutofit/>
-          </a:bodyPr>
-          <a:p>
-            <a:pPr>
-              <a:lnSpc>
-                <a:spcPct val="90000"/>
-              </a:lnSpc>
-            </a:pPr>
-            <a:r>
-              <a:rPr b="0" lang="en-US" sz="4400" spc="-1" strike="noStrike">
-                <a:solidFill>
-                  <a:srgbClr val="000000"/>
-                </a:solidFill>
-                <a:latin typeface="Calibri Light"/>
-              </a:rPr>
-              <a:t>Agenda</a:t>
-            </a:r>
-            <a:endParaRPr b="0" lang="en-US" sz="4400" spc="-1" strike="noStrike">
-              <a:latin typeface="Arial"/>
-            </a:endParaRPr>
-          </a:p>
-        </p:txBody>
-      </p:sp>
-      <p:sp>
-        <p:nvSpPr>
-          <p:cNvPr id="87" name="CustomShape 2"/>
-          <p:cNvSpPr/>
-          <p:nvPr/>
-        </p:nvSpPr>
-        <p:spPr>
-          <a:xfrm>
-            <a:off x="838080" y="1825560"/>
-            <a:ext cx="10514880" cy="4350600"/>
-          </a:xfrm>
-          <a:prstGeom prst="rect">
-            <a:avLst/>
-          </a:prstGeom>
-          <a:noFill/>
-          <a:ln>
-            <a:noFill/>
-          </a:ln>
-        </p:spPr>
-        <p:style>
-          <a:lnRef idx="0"/>
-          <a:fillRef idx="0"/>
-          <a:effectRef idx="0"/>
-          <a:fontRef idx="minor"/>
-        </p:style>
-        <p:txBody>
-          <a:bodyPr lIns="90000" rIns="90000" tIns="45000" bIns="45000">
-            <a:noAutofit/>
-          </a:bodyPr>
-          <a:p>
-            <a:pPr marL="228600" indent="-227880">
-              <a:lnSpc>
-                <a:spcPct val="90000"/>
-              </a:lnSpc>
-              <a:spcBef>
-                <a:spcPts val="1001"/>
-              </a:spcBef>
-              <a:buClr>
-                <a:srgbClr val="000000"/>
-              </a:buClr>
-              <a:buFont typeface="Arial"/>
-              <a:buChar char="•"/>
-            </a:pPr>
-            <a:r>
-              <a:rPr b="0" lang="en-US" sz="2800" spc="-1" strike="noStrike">
-                <a:solidFill>
-                  <a:srgbClr val="000000"/>
-                </a:solidFill>
-                <a:latin typeface="Calibri"/>
-              </a:rPr>
-              <a:t>Intro (Merlin)</a:t>
-            </a:r>
-            <a:endParaRPr b="0" lang="en-US" sz="2800" spc="-1" strike="noStrike">
-              <a:latin typeface="Arial"/>
-            </a:endParaRPr>
-          </a:p>
-          <a:p>
-            <a:pPr marL="228600" indent="-227880">
-              <a:lnSpc>
-                <a:spcPct val="90000"/>
-              </a:lnSpc>
-              <a:spcBef>
-                <a:spcPts val="1001"/>
-              </a:spcBef>
-              <a:buClr>
-                <a:srgbClr val="000000"/>
-              </a:buClr>
-              <a:buFont typeface="Arial"/>
-              <a:buChar char="•"/>
-            </a:pPr>
-            <a:r>
-              <a:rPr b="0" lang="en-US" sz="2800" spc="-1" strike="noStrike">
-                <a:solidFill>
-                  <a:srgbClr val="000000"/>
-                </a:solidFill>
-                <a:latin typeface="Calibri"/>
-              </a:rPr>
-              <a:t>Fooling Neural Networks (Fabian) </a:t>
-            </a:r>
-            <a:endParaRPr b="0" lang="en-US" sz="2800" spc="-1" strike="noStrike">
-              <a:latin typeface="Arial"/>
-            </a:endParaRPr>
-          </a:p>
-          <a:p>
-            <a:pPr marL="228600" indent="-227880">
-              <a:lnSpc>
-                <a:spcPct val="90000"/>
-              </a:lnSpc>
-              <a:spcBef>
-                <a:spcPts val="1001"/>
-              </a:spcBef>
-              <a:buClr>
-                <a:srgbClr val="000000"/>
-              </a:buClr>
-              <a:buFont typeface="Arial"/>
-              <a:buChar char="•"/>
-            </a:pPr>
-            <a:r>
-              <a:rPr b="0" lang="en-US" sz="2800" spc="-1" strike="noStrike">
-                <a:solidFill>
-                  <a:srgbClr val="000000"/>
-                </a:solidFill>
-                <a:latin typeface="Calibri"/>
-              </a:rPr>
-              <a:t>Pizza [30min]</a:t>
-            </a:r>
-            <a:endParaRPr b="0" lang="en-US" sz="2800" spc="-1" strike="noStrike">
-              <a:latin typeface="Arial"/>
-            </a:endParaRPr>
-          </a:p>
-          <a:p>
-            <a:pPr marL="228600" indent="-227880">
-              <a:lnSpc>
-                <a:spcPct val="90000"/>
-              </a:lnSpc>
-              <a:spcBef>
-                <a:spcPts val="1001"/>
-              </a:spcBef>
-              <a:buClr>
-                <a:srgbClr val="000000"/>
-              </a:buClr>
-              <a:buFont typeface="Arial"/>
-              <a:buChar char="•"/>
-            </a:pPr>
-            <a:r>
-              <a:rPr b="0" lang="en-US" sz="2800" spc="-1" strike="noStrike">
-                <a:solidFill>
-                  <a:srgbClr val="000000"/>
-                </a:solidFill>
-                <a:latin typeface="Calibri"/>
-              </a:rPr>
-              <a:t>Wie man einer KI das Spielen bei bringt </a:t>
-            </a:r>
-            <a:endParaRPr b="0" lang="en-US" sz="2800" spc="-1" strike="noStrike">
-              <a:latin typeface="Arial"/>
-            </a:endParaRPr>
-          </a:p>
-          <a:p>
-            <a:pPr marL="228600" indent="-227880">
-              <a:lnSpc>
-                <a:spcPct val="90000"/>
-              </a:lnSpc>
-              <a:spcBef>
-                <a:spcPts val="1001"/>
-              </a:spcBef>
-              <a:buClr>
-                <a:srgbClr val="000000"/>
-              </a:buClr>
-              <a:buFont typeface="Arial"/>
-              <a:buChar char="•"/>
-            </a:pPr>
-            <a:r>
-              <a:rPr b="0" lang="en-US" sz="2800" spc="-1" strike="noStrike">
-                <a:solidFill>
-                  <a:srgbClr val="000000"/>
-                </a:solidFill>
-                <a:latin typeface="Calibri"/>
-              </a:rPr>
-              <a:t>(Martin &amp; Florian)</a:t>
-            </a:r>
-            <a:endParaRPr b="0" lang="en-US" sz="2800" spc="-1" strike="noStrike">
-              <a:latin typeface="Arial"/>
-            </a:endParaRPr>
-          </a:p>
-          <a:p>
-            <a:pPr>
-              <a:lnSpc>
-                <a:spcPct val="90000"/>
-              </a:lnSpc>
-              <a:spcBef>
-                <a:spcPts val="1001"/>
-              </a:spcBef>
-            </a:pPr>
-            <a:endParaRPr b="0" lang="en-US" sz="2800" spc="-1" strike="noStrike">
-              <a:latin typeface="Arial"/>
-            </a:endParaRPr>
-          </a:p>
-        </p:txBody>
-      </p:sp>
-      <p:sp>
-        <p:nvSpPr>
-          <p:cNvPr id="88" name="CustomShape 3"/>
-          <p:cNvSpPr/>
-          <p:nvPr/>
-        </p:nvSpPr>
-        <p:spPr>
-          <a:xfrm>
-            <a:off x="1828440" y="6311880"/>
-            <a:ext cx="8399880" cy="364320"/>
-          </a:xfrm>
-          <a:prstGeom prst="rect">
-            <a:avLst/>
-          </a:prstGeom>
-          <a:noFill/>
-          <a:ln>
-            <a:noFill/>
-          </a:ln>
-        </p:spPr>
-        <p:style>
-          <a:lnRef idx="0"/>
-          <a:fillRef idx="0"/>
-          <a:effectRef idx="0"/>
-          <a:fontRef idx="minor"/>
-        </p:style>
-        <p:txBody>
-          <a:bodyPr wrap="none" lIns="90000" rIns="90000" tIns="45000" bIns="45000">
-            <a:spAutoFit/>
-          </a:bodyPr>
-          <a:p>
-            <a:pPr>
-              <a:lnSpc>
-                <a:spcPct val="100000"/>
-              </a:lnSpc>
-            </a:pPr>
-            <a:r>
-              <a:rPr b="0" lang="en-US" sz="1800" spc="-1" strike="noStrike">
-                <a:solidFill>
-                  <a:srgbClr val="000000"/>
-                </a:solidFill>
-                <a:latin typeface="Calibri"/>
-                <a:ea typeface="DejaVu Sans"/>
-              </a:rPr>
-              <a:t>Slides unter </a:t>
-            </a:r>
-            <a:r>
-              <a:rPr b="0" lang="en-US" sz="1800" spc="-1" strike="noStrike" u="sng">
-                <a:solidFill>
-                  <a:srgbClr val="0563c1"/>
-                </a:solidFill>
-                <a:uFillTx/>
-                <a:latin typeface="Calibri"/>
-                <a:ea typeface="DejaVu Sans"/>
-                <a:hlinkClick r:id="rId1"/>
-              </a:rPr>
-              <a:t>https://github.com/fino-digital/kassel-data-science-meetup</a:t>
-            </a:r>
-            <a:r>
-              <a:rPr b="0" lang="en-US" sz="1800" spc="-1" strike="noStrike">
-                <a:solidFill>
-                  <a:srgbClr val="000000"/>
-                </a:solidFill>
-                <a:latin typeface="Calibri"/>
-                <a:ea typeface="DejaVu Sans"/>
-              </a:rPr>
-              <a:t> </a:t>
-            </a:r>
-            <a:endParaRPr b="0" lang="en-US" sz="1800" spc="-1" strike="noStrike">
-              <a:latin typeface="Arial"/>
-            </a:endParaRPr>
-          </a:p>
-        </p:txBody>
-      </p:sp>
-    </p:spTree>
-  </p:cSld>
-  <mc:AlternateContent>
-    <mc:Choice Requires="p14">
-      <p:transition spd="slow" p14:dur="2000"/>
-    </mc:Choice>
-    <mc:Fallback>
-      <p:transition spd="slow"/>
-    </mc:Fallback>
-  </mc:AlternateContent>
-  <p:timing>
-    <p:tnLst>
-      <p:par>
         <p:cTn id="7" dur="indefinite" restart="never" nodeType="tmRoot">
           <p:childTnLst>
             <p:seq>
@@ -4366,14 +4354,14 @@
       </p:grpSpPr>
       <p:sp>
         <p:nvSpPr>
-          <p:cNvPr id="89" name="CustomShape 1"/>
+          <p:cNvPr id="88" name="CustomShape 1"/>
           <p:cNvSpPr/>
           <p:nvPr/>
         </p:nvSpPr>
         <p:spPr>
           <a:xfrm>
             <a:off x="838080" y="365040"/>
-            <a:ext cx="10514880" cy="1324800"/>
+            <a:ext cx="10514520" cy="1324440"/>
           </a:xfrm>
           <a:prstGeom prst="rect">
             <a:avLst/>
@@ -4405,8 +4393,9 @@
                   <a:srgbClr val="000000"/>
                 </a:solidFill>
                 <a:latin typeface="Calibri Light"/>
+                <a:ea typeface="DejaVu Sans"/>
               </a:rPr>
-              <a:t>Nächster Termin</a:t>
+              <a:t>Agenda</a:t>
             </a:r>
             <a:endParaRPr b="0" lang="en-US" sz="4400" spc="-1" strike="noStrike">
               <a:latin typeface="Arial"/>
@@ -4416,14 +4405,14 @@
       </p:sp>
       <p:sp>
         <p:nvSpPr>
-          <p:cNvPr id="90" name="CustomShape 2"/>
+          <p:cNvPr id="89" name="CustomShape 2"/>
           <p:cNvSpPr/>
           <p:nvPr/>
         </p:nvSpPr>
         <p:spPr>
           <a:xfrm>
             <a:off x="838080" y="1825560"/>
-            <a:ext cx="10514880" cy="4350600"/>
+            <a:ext cx="10514520" cy="4350240"/>
           </a:xfrm>
           <a:prstGeom prst="rect">
             <a:avLst/>
@@ -4444,7 +4433,7 @@
             <a:noAutofit/>
           </a:bodyPr>
           <a:p>
-            <a:pPr marL="228600" indent="-227880">
+            <a:pPr marL="228600" indent="-227520">
               <a:lnSpc>
                 <a:spcPct val="90000"/>
               </a:lnSpc>
@@ -4463,10 +4452,209 @@
                   <a:srgbClr val="000000"/>
                 </a:solidFill>
                 <a:latin typeface="Calibri"/>
+                <a:ea typeface="DejaVu Sans"/>
               </a:rPr>
-              <a:t>~Anfang Mai im Science Park</a:t>
+              <a:t>Intro (Merlin)</a:t>
             </a:r>
             <a:endParaRPr b="0" lang="en-US" sz="2800" spc="-1" strike="noStrike">
+              <a:latin typeface="Arial"/>
+            </a:endParaRPr>
+          </a:p>
+          <a:p>
+            <a:pPr marL="228600" indent="-227520">
+              <a:lnSpc>
+                <a:spcPct val="90000"/>
+              </a:lnSpc>
+              <a:spcBef>
+                <a:spcPts val="1001"/>
+              </a:spcBef>
+              <a:buClr>
+                <a:srgbClr val="000000"/>
+              </a:buClr>
+              <a:buFont typeface="Arial"/>
+              <a:buChar char="•"/>
+            </a:pPr>
+            <a:r>
+              <a:rPr b="0" lang="en-US" sz="2800" spc="-1" strike="noStrike">
+                <a:solidFill>
+                  <a:srgbClr val="000000"/>
+                </a:solidFill>
+                <a:latin typeface="Calibri"/>
+                <a:ea typeface="DejaVu Sans"/>
+              </a:rPr>
+              <a:t>Fooling Neural Networks (Fabian) </a:t>
+            </a:r>
+            <a:endParaRPr b="0" lang="en-US" sz="2800" spc="-1" strike="noStrike">
+              <a:latin typeface="Arial"/>
+            </a:endParaRPr>
+          </a:p>
+          <a:p>
+            <a:pPr marL="228600" indent="-227520">
+              <a:lnSpc>
+                <a:spcPct val="90000"/>
+              </a:lnSpc>
+              <a:spcBef>
+                <a:spcPts val="1001"/>
+              </a:spcBef>
+              <a:buClr>
+                <a:srgbClr val="000000"/>
+              </a:buClr>
+              <a:buFont typeface="Arial"/>
+              <a:buChar char="•"/>
+            </a:pPr>
+            <a:r>
+              <a:rPr b="0" lang="en-US" sz="2800" spc="-1" strike="noStrike">
+                <a:solidFill>
+                  <a:srgbClr val="000000"/>
+                </a:solidFill>
+                <a:latin typeface="Calibri"/>
+                <a:ea typeface="DejaVu Sans"/>
+              </a:rPr>
+              <a:t>Pizza [30min]</a:t>
+            </a:r>
+            <a:endParaRPr b="0" lang="en-US" sz="2800" spc="-1" strike="noStrike">
+              <a:latin typeface="Arial"/>
+            </a:endParaRPr>
+          </a:p>
+          <a:p>
+            <a:pPr marL="228600" indent="-227520">
+              <a:lnSpc>
+                <a:spcPct val="90000"/>
+              </a:lnSpc>
+              <a:spcBef>
+                <a:spcPts val="1001"/>
+              </a:spcBef>
+              <a:buClr>
+                <a:srgbClr val="000000"/>
+              </a:buClr>
+              <a:buFont typeface="Arial"/>
+              <a:buChar char="•"/>
+            </a:pPr>
+            <a:r>
+              <a:rPr b="0" lang="en-US" sz="2800" spc="-1" strike="noStrike">
+                <a:solidFill>
+                  <a:srgbClr val="000000"/>
+                </a:solidFill>
+                <a:latin typeface="Calibri"/>
+                <a:ea typeface="DejaVu Sans"/>
+              </a:rPr>
+              <a:t>Wie man einer KI das Spielen bei bringt </a:t>
+            </a:r>
+            <a:endParaRPr b="0" lang="en-US" sz="2800" spc="-1" strike="noStrike">
+              <a:latin typeface="Arial"/>
+            </a:endParaRPr>
+          </a:p>
+          <a:p>
+            <a:pPr marL="228600" indent="-227520">
+              <a:lnSpc>
+                <a:spcPct val="90000"/>
+              </a:lnSpc>
+              <a:spcBef>
+                <a:spcPts val="1001"/>
+              </a:spcBef>
+              <a:buClr>
+                <a:srgbClr val="000000"/>
+              </a:buClr>
+              <a:buFont typeface="Arial"/>
+              <a:buChar char="•"/>
+            </a:pPr>
+            <a:r>
+              <a:rPr b="0" lang="en-US" sz="2800" spc="-1" strike="noStrike">
+                <a:solidFill>
+                  <a:srgbClr val="000000"/>
+                </a:solidFill>
+                <a:latin typeface="Calibri"/>
+                <a:ea typeface="DejaVu Sans"/>
+              </a:rPr>
+              <a:t>(Martin &amp; Florian)</a:t>
+            </a:r>
+            <a:endParaRPr b="0" lang="en-US" sz="2800" spc="-1" strike="noStrike">
+              <a:latin typeface="Arial"/>
+            </a:endParaRPr>
+          </a:p>
+          <a:p>
+            <a:pPr>
+              <a:lnSpc>
+                <a:spcPct val="90000"/>
+              </a:lnSpc>
+              <a:spcBef>
+                <a:spcPts val="1001"/>
+              </a:spcBef>
+            </a:pPr>
+            <a:endParaRPr b="0" lang="en-US" sz="2800" spc="-1" strike="noStrike">
+              <a:latin typeface="Arial"/>
+            </a:endParaRPr>
+          </a:p>
+        </p:txBody>
+      </p:sp>
+      <p:sp>
+        <p:nvSpPr>
+          <p:cNvPr id="90" name="CustomShape 3"/>
+          <p:cNvSpPr/>
+          <p:nvPr/>
+        </p:nvSpPr>
+        <p:spPr>
+          <a:xfrm>
+            <a:off x="1828440" y="6311880"/>
+            <a:ext cx="8399880" cy="363960"/>
+          </a:xfrm>
+          <a:prstGeom prst="rect">
+            <a:avLst/>
+          </a:prstGeom>
+          <a:noFill/>
+          <a:ln>
+            <a:noFill/>
+          </a:ln>
+        </p:spPr>
+        <p:style>
+          <a:lnRef idx="0"/>
+          <a:fillRef idx="0"/>
+          <a:effectRef idx="0"/>
+          <a:fontRef idx="minor"/>
+        </p:style>
+        <p:txBody>
+          <a:bodyPr wrap="none" lIns="90000" rIns="90000" tIns="45000" bIns="45000">
+            <a:spAutoFit/>
+          </a:bodyPr>
+          <a:p>
+            <a:pPr>
+              <a:lnSpc>
+                <a:spcPct val="100000"/>
+              </a:lnSpc>
+            </a:pPr>
+            <a:r>
+              <a:rPr b="0" lang="en-US" sz="1800" spc="-1" strike="noStrike">
+                <a:solidFill>
+                  <a:srgbClr val="000000"/>
+                </a:solidFill>
+                <a:latin typeface="Calibri"/>
+                <a:ea typeface="DejaVu Sans"/>
+              </a:rPr>
+              <a:t>Slides unter </a:t>
+            </a:r>
+            <a:r>
+              <a:rPr b="0" lang="en-US" sz="1800" spc="-1" strike="noStrike" u="sng">
+                <a:solidFill>
+                  <a:srgbClr val="0563c1"/>
+                </a:solidFill>
+                <a:uFillTx/>
+                <a:latin typeface="Calibri"/>
+                <a:ea typeface="DejaVu Sans"/>
+                <a:hlinkClick r:id="rId1"/>
+              </a:rPr>
+              <a:t>https://github.com/fino-digital/kassel-data-science-meetup</a:t>
+            </a:r>
+            <a:r>
+              <a:rPr b="0" lang="en-US" sz="1800" spc="-1" strike="noStrike">
+                <a:solidFill>
+                  <a:srgbClr val="000000"/>
+                </a:solidFill>
+                <a:latin typeface="Calibri"/>
+                <a:ea typeface="DejaVu Sans"/>
+              </a:rPr>
+              <a:t> </a:t>
+            </a:r>
+            <a:endParaRPr b="0" lang="en-US" sz="1800" spc="-1" strike="noStrike">
               <a:latin typeface="Arial"/>
             </a:endParaRPr>
           </a:p>
@@ -4538,7 +4726,7 @@
         <p:spPr>
           <a:xfrm>
             <a:off x="838080" y="365040"/>
-            <a:ext cx="10514880" cy="1324800"/>
+            <a:ext cx="10514520" cy="1324440"/>
           </a:xfrm>
           <a:prstGeom prst="rect">
             <a:avLst/>
@@ -4570,8 +4758,9 @@
                   <a:srgbClr val="000000"/>
                 </a:solidFill>
                 <a:latin typeface="Calibri Light"/>
+                <a:ea typeface="DejaVu Sans"/>
               </a:rPr>
-              <a:t>Feedback</a:t>
+              <a:t>Nächster Termin</a:t>
             </a:r>
             <a:endParaRPr b="0" lang="en-US" sz="4400" spc="-1" strike="noStrike">
               <a:latin typeface="Arial"/>
@@ -4588,7 +4777,7 @@
         <p:spPr>
           <a:xfrm>
             <a:off x="838080" y="1825560"/>
-            <a:ext cx="10514880" cy="4350600"/>
+            <a:ext cx="10514520" cy="4350240"/>
           </a:xfrm>
           <a:prstGeom prst="rect">
             <a:avLst/>
@@ -4609,7 +4798,7 @@
             <a:noAutofit/>
           </a:bodyPr>
           <a:p>
-            <a:pPr marL="228600" indent="-227880">
+            <a:pPr marL="228600" indent="-227520">
               <a:lnSpc>
                 <a:spcPct val="90000"/>
               </a:lnSpc>
@@ -4628,15 +4817,155 @@
                   <a:srgbClr val="000000"/>
                 </a:solidFill>
                 <a:latin typeface="Calibri"/>
+                <a:ea typeface="DejaVu Sans"/>
               </a:rPr>
-              <a:t>Kommentare auf meetup.com</a:t>
+              <a:t>~Anfang Mai im Science Park</a:t>
             </a:r>
             <a:endParaRPr b="0" lang="en-US" sz="2800" spc="-1" strike="noStrike">
               <a:latin typeface="Arial"/>
             </a:endParaRPr>
           </a:p>
-          <a:p>
-            <a:pPr marL="228600" indent="-227880">
+        </p:txBody>
+      </p:sp>
+    </p:spTree>
+  </p:cSld>
+  <mc:AlternateContent>
+    <mc:Choice Requires="p14">
+      <p:transition spd="slow" p14:dur="2000"/>
+    </mc:Choice>
+    <mc:Fallback>
+      <p:transition spd="slow"/>
+    </mc:Fallback>
+  </mc:AlternateContent>
+  <p:timing>
+    <p:tnLst>
+      <p:par>
+        <p:cTn id="11" dur="indefinite" restart="never" nodeType="tmRoot">
+          <p:childTnLst>
+            <p:seq>
+              <p:cTn id="12" dur="indefinite" nodeType="mainSeq"/>
+              <p:prevCondLst>
+                <p:cond delay="0" evt="onPrev">
+                  <p:tgtEl>
+                    <p:sldTgt/>
+                  </p:tgtEl>
+                </p:cond>
+              </p:prevCondLst>
+              <p:nextCondLst>
+                <p:cond delay="0" evt="onNext">
+                  <p:tgtEl>
+                    <p:sldTgt/>
+                  </p:tgtEl>
+                </p:cond>
+              </p:nextCondLst>
+            </p:seq>
+          </p:childTnLst>
+        </p:cTn>
+      </p:par>
+    </p:tnLst>
+  </p:timing>
+</p:sld>
+</file>
+
+<file path=ppt/slides/slide7.xml><?xml version="1.0" encoding="utf-8"?>
+<p:sld xmlns:a="http://schemas.openxmlformats.org/drawingml/2006/main" xmlns:p="http://schemas.openxmlformats.org/presentationml/2006/main" xmlns:r="http://schemas.openxmlformats.org/officeDocument/2006/relationships" xmlns:p14="http://schemas.microsoft.com/office/powerpoint/2010/main" xmlns:p15="http://schemas.microsoft.com/office/powerpoint/2012/main" xmlns:mc="http://schemas.openxmlformats.org/markup-compatibility/2006">
+  <p:cSld>
+    <p:spTree>
+      <p:nvGrpSpPr>
+        <p:cNvPr id="1" name=""/>
+        <p:cNvGrpSpPr/>
+        <p:nvPr/>
+      </p:nvGrpSpPr>
+      <p:grpSpPr>
+        <a:xfrm>
+          <a:off x="0" y="0"/>
+          <a:ext cx="0" cy="0"/>
+          <a:chOff x="0" y="0"/>
+          <a:chExt cx="0" cy="0"/>
+        </a:xfrm>
+      </p:grpSpPr>
+      <p:sp>
+        <p:nvSpPr>
+          <p:cNvPr id="93" name="CustomShape 1"/>
+          <p:cNvSpPr/>
+          <p:nvPr/>
+        </p:nvSpPr>
+        <p:spPr>
+          <a:xfrm>
+            <a:off x="838080" y="365040"/>
+            <a:ext cx="10514520" cy="1324440"/>
+          </a:xfrm>
+          <a:prstGeom prst="rect">
+            <a:avLst/>
+          </a:prstGeom>
+          <a:noFill/>
+          <a:ln>
+            <a:noFill/>
+          </a:ln>
+        </p:spPr>
+        <p:style>
+          <a:lnRef idx="0"/>
+          <a:fillRef idx="0"/>
+          <a:effectRef idx="0"/>
+          <a:fontRef idx="minor"/>
+        </p:style>
+        <p:txBody>
+          <a:bodyPr lIns="90000" rIns="90000" tIns="45000" bIns="45000" anchor="ctr">
+            <a:noAutofit/>
+          </a:bodyPr>
+          <a:p>
+            <a:pPr>
+              <a:lnSpc>
+                <a:spcPct val="90000"/>
+              </a:lnSpc>
+            </a:pPr>
+            <a:r>
+              <a:rPr b="0" lang="en-US" sz="4400" spc="-1" strike="noStrike">
+                <a:solidFill>
+                  <a:srgbClr val="000000"/>
+                </a:solidFill>
+                <a:latin typeface="Calibri Light"/>
+                <a:ea typeface="DejaVu Sans"/>
+              </a:rPr>
+              <a:t>Feedback</a:t>
+            </a:r>
+            <a:endParaRPr b="0" lang="en-US" sz="4400" spc="-1" strike="noStrike">
+              <a:latin typeface="Arial"/>
+            </a:endParaRPr>
+          </a:p>
+        </p:txBody>
+      </p:sp>
+      <p:sp>
+        <p:nvSpPr>
+          <p:cNvPr id="94" name="CustomShape 2"/>
+          <p:cNvSpPr/>
+          <p:nvPr/>
+        </p:nvSpPr>
+        <p:spPr>
+          <a:xfrm>
+            <a:off x="838080" y="1825560"/>
+            <a:ext cx="10514520" cy="4350240"/>
+          </a:xfrm>
+          <a:prstGeom prst="rect">
+            <a:avLst/>
+          </a:prstGeom>
+          <a:noFill/>
+          <a:ln>
+            <a:noFill/>
+          </a:ln>
+        </p:spPr>
+        <p:style>
+          <a:lnRef idx="0"/>
+          <a:fillRef idx="0"/>
+          <a:effectRef idx="0"/>
+          <a:fontRef idx="minor"/>
+        </p:style>
+        <p:txBody>
+          <a:bodyPr lIns="90000" rIns="90000" tIns="45000" bIns="45000">
+            <a:noAutofit/>
+          </a:bodyPr>
+          <a:p>
+            <a:pPr marL="228600" indent="-227520">
               <a:lnSpc>
                 <a:spcPct val="90000"/>
               </a:lnSpc>
@@ -4655,35 +4984,16 @@
                   <a:srgbClr val="000000"/>
                 </a:solidFill>
                 <a:latin typeface="Calibri"/>
+                <a:ea typeface="DejaVu Sans"/>
               </a:rPr>
-              <a:t>E-Mail an </a:t>
-            </a:r>
-            <a:r>
-              <a:rPr b="0" lang="en-US" sz="2800" spc="-1" strike="noStrike" u="sng">
-                <a:solidFill>
-                  <a:srgbClr val="0563c1"/>
-                </a:solidFill>
-                <a:uFillTx/>
-                <a:latin typeface="Calibri"/>
-                <a:hlinkClick r:id="rId1"/>
-              </a:rPr>
-              <a:t>ak@fino.digital</a:t>
-            </a:r>
-            <a:r>
-              <a:rPr b="0" lang="en-US" sz="2800" spc="-1" strike="noStrike">
-                <a:solidFill>
-                  <a:srgbClr val="000000"/>
-                </a:solidFill>
-                <a:latin typeface="Calibri"/>
-              </a:rPr>
-              <a:t> </a:t>
+              <a:t>Kommentare auf meetup.com</a:t>
             </a:r>
             <a:endParaRPr b="0" lang="en-US" sz="2800" spc="-1" strike="noStrike">
               <a:latin typeface="Arial"/>
             </a:endParaRPr>
           </a:p>
           <a:p>
-            <a:pPr marL="228600" indent="-227880">
+            <a:pPr marL="228600" indent="-227520">
               <a:lnSpc>
                 <a:spcPct val="90000"/>
               </a:lnSpc>
@@ -4702,6 +5012,57 @@
                   <a:srgbClr val="000000"/>
                 </a:solidFill>
                 <a:latin typeface="Calibri"/>
+                <a:ea typeface="DejaVu Sans"/>
+              </a:rPr>
+              <a:t>E-Mail an </a:t>
+            </a:r>
+            <a:r>
+              <a:rPr b="0" lang="en-US" sz="2800" spc="-1" strike="noStrike" u="sng">
+                <a:solidFill>
+                  <a:srgbClr val="0563c1"/>
+                </a:solidFill>
+                <a:uFillTx/>
+                <a:latin typeface="Calibri"/>
+                <a:ea typeface="DejaVu Sans"/>
+                <a:hlinkClick r:id="rId1"/>
+              </a:rPr>
+              <a:t>ak@fino.digital</a:t>
+            </a:r>
+            <a:r>
+              <a:rPr b="0" lang="en-US" sz="2800" spc="-1" strike="noStrike">
+                <a:solidFill>
+                  <a:srgbClr val="000000"/>
+                </a:solidFill>
+                <a:latin typeface="Calibri"/>
+                <a:ea typeface="DejaVu Sans"/>
+              </a:rPr>
+              <a:t> </a:t>
+            </a:r>
+            <a:endParaRPr b="0" lang="en-US" sz="2800" spc="-1" strike="noStrike">
+              <a:latin typeface="Arial"/>
+            </a:endParaRPr>
+          </a:p>
+          <a:p>
+            <a:pPr marL="228600" indent="-227520">
+              <a:lnSpc>
+                <a:spcPct val="90000"/>
+              </a:lnSpc>
+              <a:spcBef>
+                <a:spcPts val="1001"/>
+              </a:spcBef>
+              <a:buClr>
+                <a:srgbClr val="000000"/>
+              </a:buClr>
+              <a:buFont typeface="Arial"/>
+              <a:buChar char="•"/>
+            </a:pPr>
+            <a:r>
+              <a:rPr b="0" lang="en-US" sz="2800" spc="-1" strike="noStrike">
+                <a:solidFill>
+                  <a:srgbClr val="000000"/>
+                </a:solidFill>
+                <a:latin typeface="Calibri"/>
+                <a:ea typeface="DejaVu Sans"/>
               </a:rPr>
               <a:t>…</a:t>
             </a:r>
@@ -4724,10 +5085,10 @@
   <p:timing>
     <p:tnLst>
       <p:par>
-        <p:cTn id="11" dur="indefinite" restart="never" nodeType="tmRoot">
+        <p:cTn id="13" dur="indefinite" restart="never" nodeType="tmRoot">
           <p:childTnLst>
             <p:seq>
-              <p:cTn id="12" dur="indefinite" nodeType="mainSeq"/>
+              <p:cTn id="14" dur="indefinite" nodeType="mainSeq"/>
               <p:prevCondLst>
                 <p:cond delay="0" evt="onPrev">
                   <p:tgtEl>
